--- a/doc/พรีเซนระบบคลังสินค้า.pptx
+++ b/doc/พรีเซนระบบคลังสินค้า.pptx
@@ -20,7 +20,9 @@
     <p:sldId id="270" r:id="rId14"/>
     <p:sldId id="271" r:id="rId15"/>
     <p:sldId id="272" r:id="rId16"/>
-    <p:sldId id="273" r:id="rId17"/>
+    <p:sldId id="274" r:id="rId17"/>
+    <p:sldId id="275" r:id="rId18"/>
+    <p:sldId id="273" r:id="rId19"/>
   </p:sldIdLst>
   <p:sldSz cx="12192000" cy="6858000"/>
   <p:notesSz cx="6858000" cy="9144000"/>
@@ -119,6 +121,11 @@
       </a:defRPr>
     </a:lvl9pPr>
   </p:defaultTextStyle>
+  <p:extLst>
+    <p:ext uri="{EFAFB233-063F-42B5-8137-9DF3F51BA10A}">
+      <p15:sldGuideLst xmlns:p15="http://schemas.microsoft.com/office/powerpoint/2012/main"/>
+    </p:ext>
+  </p:extLst>
 </p:presentation>
 </file>
 
@@ -253,7 +260,7 @@
           <a:p>
             <a:fld id="{E1337668-5D89-41C2-AFA7-C5F7AF16F039}" type="datetimeFigureOut">
               <a:rPr lang="th-TH" smtClean="0"/>
-              <a:t>12/11/61</a:t>
+              <a:t>19/11/61</a:t>
             </a:fld>
             <a:endParaRPr lang="th-TH"/>
           </a:p>
@@ -430,7 +437,7 @@
           <a:p>
             <a:fld id="{E1337668-5D89-41C2-AFA7-C5F7AF16F039}" type="datetimeFigureOut">
               <a:rPr lang="th-TH" smtClean="0"/>
-              <a:t>12/11/61</a:t>
+              <a:t>19/11/61</a:t>
             </a:fld>
             <a:endParaRPr lang="th-TH"/>
           </a:p>
@@ -610,7 +617,7 @@
           <a:p>
             <a:fld id="{E1337668-5D89-41C2-AFA7-C5F7AF16F039}" type="datetimeFigureOut">
               <a:rPr lang="th-TH" smtClean="0"/>
-              <a:t>12/11/61</a:t>
+              <a:t>19/11/61</a:t>
             </a:fld>
             <a:endParaRPr lang="th-TH"/>
           </a:p>
@@ -780,7 +787,7 @@
           <a:p>
             <a:fld id="{E1337668-5D89-41C2-AFA7-C5F7AF16F039}" type="datetimeFigureOut">
               <a:rPr lang="th-TH" smtClean="0"/>
-              <a:t>12/11/61</a:t>
+              <a:t>19/11/61</a:t>
             </a:fld>
             <a:endParaRPr lang="th-TH"/>
           </a:p>
@@ -1026,7 +1033,7 @@
           <a:p>
             <a:fld id="{E1337668-5D89-41C2-AFA7-C5F7AF16F039}" type="datetimeFigureOut">
               <a:rPr lang="th-TH" smtClean="0"/>
-              <a:t>12/11/61</a:t>
+              <a:t>19/11/61</a:t>
             </a:fld>
             <a:endParaRPr lang="th-TH"/>
           </a:p>
@@ -1258,7 +1265,7 @@
           <a:p>
             <a:fld id="{E1337668-5D89-41C2-AFA7-C5F7AF16F039}" type="datetimeFigureOut">
               <a:rPr lang="th-TH" smtClean="0"/>
-              <a:t>12/11/61</a:t>
+              <a:t>19/11/61</a:t>
             </a:fld>
             <a:endParaRPr lang="th-TH"/>
           </a:p>
@@ -1625,7 +1632,7 @@
           <a:p>
             <a:fld id="{E1337668-5D89-41C2-AFA7-C5F7AF16F039}" type="datetimeFigureOut">
               <a:rPr lang="th-TH" smtClean="0"/>
-              <a:t>12/11/61</a:t>
+              <a:t>19/11/61</a:t>
             </a:fld>
             <a:endParaRPr lang="th-TH"/>
           </a:p>
@@ -1743,7 +1750,7 @@
           <a:p>
             <a:fld id="{E1337668-5D89-41C2-AFA7-C5F7AF16F039}" type="datetimeFigureOut">
               <a:rPr lang="th-TH" smtClean="0"/>
-              <a:t>12/11/61</a:t>
+              <a:t>19/11/61</a:t>
             </a:fld>
             <a:endParaRPr lang="th-TH"/>
           </a:p>
@@ -1838,7 +1845,7 @@
           <a:p>
             <a:fld id="{E1337668-5D89-41C2-AFA7-C5F7AF16F039}" type="datetimeFigureOut">
               <a:rPr lang="th-TH" smtClean="0"/>
-              <a:t>12/11/61</a:t>
+              <a:t>19/11/61</a:t>
             </a:fld>
             <a:endParaRPr lang="th-TH"/>
           </a:p>
@@ -2115,7 +2122,7 @@
           <a:p>
             <a:fld id="{E1337668-5D89-41C2-AFA7-C5F7AF16F039}" type="datetimeFigureOut">
               <a:rPr lang="th-TH" smtClean="0"/>
-              <a:t>12/11/61</a:t>
+              <a:t>19/11/61</a:t>
             </a:fld>
             <a:endParaRPr lang="th-TH"/>
           </a:p>
@@ -2368,7 +2375,7 @@
           <a:p>
             <a:fld id="{E1337668-5D89-41C2-AFA7-C5F7AF16F039}" type="datetimeFigureOut">
               <a:rPr lang="th-TH" smtClean="0"/>
-              <a:t>12/11/61</a:t>
+              <a:t>19/11/61</a:t>
             </a:fld>
             <a:endParaRPr lang="th-TH"/>
           </a:p>
@@ -2611,7 +2618,7 @@
           <a:p>
             <a:fld id="{E1337668-5D89-41C2-AFA7-C5F7AF16F039}" type="datetimeFigureOut">
               <a:rPr lang="th-TH" smtClean="0"/>
-              <a:t>12/11/61</a:t>
+              <a:t>19/11/61</a:t>
             </a:fld>
             <a:endParaRPr lang="th-TH"/>
           </a:p>
@@ -3400,11 +3407,11 @@
   <p:clrMapOvr>
     <a:masterClrMapping/>
   </p:clrMapOvr>
-  <mc:AlternateContent xmlns:mc="http://schemas.openxmlformats.org/markup-compatibility/2006">
-    <mc:Choice xmlns:p14="http://schemas.microsoft.com/office/powerpoint/2010/main" Requires="p14">
+  <mc:AlternateContent xmlns:mc="http://schemas.openxmlformats.org/markup-compatibility/2006" xmlns:p14="http://schemas.microsoft.com/office/powerpoint/2010/main">
+    <mc:Choice Requires="p14">
       <p:transition p14:dur="0"/>
     </mc:Choice>
-    <mc:Fallback>
+    <mc:Fallback xmlns="">
       <p:transition/>
     </mc:Fallback>
   </mc:AlternateContent>
@@ -3562,8 +3569,8 @@
         </p:nvSpPr>
         <p:spPr>
           <a:xfrm>
-            <a:off x="665018" y="1014153"/>
-            <a:ext cx="11272058" cy="5544589"/>
+            <a:off x="598516" y="2917767"/>
+            <a:ext cx="11338560" cy="3674226"/>
           </a:xfrm>
           <a:prstGeom prst="rect">
             <a:avLst/>
@@ -3571,7 +3578,7 @@
         </p:spPr>
         <p:txBody>
           <a:bodyPr vert="horz" lIns="91440" tIns="45720" rIns="91440" bIns="45720" rtlCol="0" anchor="ctr">
-            <a:normAutofit fontScale="90000" lnSpcReduction="20000"/>
+            <a:normAutofit fontScale="60000" lnSpcReduction="20000"/>
           </a:bodyPr>
           <a:lstStyle>
             <a:lvl1pPr algn="l" defTabSz="914400" rtl="0" eaLnBrk="1" latinLnBrk="0" hangingPunct="1">
@@ -3664,7 +3671,7 @@
         </p:nvSpPr>
         <p:spPr>
           <a:xfrm>
-            <a:off x="216131" y="4580312"/>
+            <a:off x="149629" y="5286894"/>
             <a:ext cx="448887" cy="349134"/>
           </a:xfrm>
           <a:prstGeom prst="rightArrow">
@@ -3715,26 +3722,43 @@
       </p:sp>
       <p:pic>
         <p:nvPicPr>
-          <p:cNvPr id="4" name="Picture 3"/>
+          <p:cNvPr id="2050" name="Picture 2" descr="https://scontent.fbkk5-3.fna.fbcdn.net/v/t1.15752-9/46308008_375649136507164_5606792179558121472_n.png?_nc_cat=105&amp;_nc_pt=1&amp;_nc_ht=scontent.fbkk5-3.fna&amp;oh=c3596fc66d1f8c549be6ef16b7cdd0c5&amp;oe=5C765445"/>
           <p:cNvPicPr>
-            <a:picLocks noChangeAspect="1"/>
+            <a:picLocks noChangeAspect="1" noChangeArrowheads="1"/>
           </p:cNvPicPr>
           <p:nvPr/>
         </p:nvPicPr>
         <p:blipFill>
-          <a:blip r:embed="rId2"/>
+          <a:blip r:embed="rId2" cstate="print">
+            <a:extLst>
+              <a:ext uri="{28A0092B-C50C-407E-A947-70E740481C1C}">
+                <a14:useLocalDpi xmlns:a14="http://schemas.microsoft.com/office/drawing/2010/main" val="0"/>
+              </a:ext>
+            </a:extLst>
+          </a:blip>
+          <a:srcRect/>
           <a:stretch>
             <a:fillRect/>
           </a:stretch>
         </p:blipFill>
-        <p:spPr>
+        <p:spPr bwMode="auto">
           <a:xfrm>
-            <a:off x="3664353" y="948192"/>
-            <a:ext cx="3740097" cy="3216483"/>
+            <a:off x="4665361" y="1005839"/>
+            <a:ext cx="2150918" cy="3823855"/>
           </a:xfrm>
           <a:prstGeom prst="rect">
             <a:avLst/>
           </a:prstGeom>
+          <a:noFill/>
+          <a:extLst>
+            <a:ext uri="{909E8E84-426E-40DD-AFC4-6F175D3DCCD1}">
+              <a14:hiddenFill xmlns:a14="http://schemas.microsoft.com/office/drawing/2010/main">
+                <a:solidFill>
+                  <a:srgbClr val="FFFFFF"/>
+                </a:solidFill>
+              </a14:hiddenFill>
+            </a:ext>
+          </a:extLst>
         </p:spPr>
       </p:pic>
     </p:spTree>
@@ -3890,7 +3914,7 @@
                             </p:stCondLst>
                             <p:childTnLst>
                               <p:par>
-                                <p:cTn id="13" presetID="45" presetClass="entr" presetSubtype="0" fill="hold" nodeType="clickEffect">
+                                <p:cTn id="13" presetID="26" presetClass="entr" presetSubtype="0" fill="hold" grpId="0" nodeType="clickEffect">
                                   <p:stCondLst>
                                     <p:cond delay="0"/>
                                   </p:stCondLst>
@@ -3903,105 +3927,6 @@
                                           </p:stCondLst>
                                         </p:cTn>
                                         <p:tgtEl>
-                                          <p:spTgt spid="4"/>
-                                        </p:tgtEl>
-                                        <p:attrNameLst>
-                                          <p:attrName>style.visibility</p:attrName>
-                                        </p:attrNameLst>
-                                      </p:cBhvr>
-                                      <p:to>
-                                        <p:strVal val="visible"/>
-                                      </p:to>
-                                    </p:set>
-                                    <p:animEffect transition="in" filter="fade">
-                                      <p:cBhvr>
-                                        <p:cTn id="15" dur="2000"/>
-                                        <p:tgtEl>
-                                          <p:spTgt spid="4"/>
-                                        </p:tgtEl>
-                                      </p:cBhvr>
-                                    </p:animEffect>
-                                    <p:anim calcmode="lin" valueType="num">
-                                      <p:cBhvr>
-                                        <p:cTn id="16" dur="2000" fill="hold"/>
-                                        <p:tgtEl>
-                                          <p:spTgt spid="4"/>
-                                        </p:tgtEl>
-                                        <p:attrNameLst>
-                                          <p:attrName>ppt_w</p:attrName>
-                                        </p:attrNameLst>
-                                      </p:cBhvr>
-                                      <p:tavLst>
-                                        <p:tav tm="0" fmla="#ppt_w*sin(2.5*pi*$)">
-                                          <p:val>
-                                            <p:fltVal val="0"/>
-                                          </p:val>
-                                        </p:tav>
-                                        <p:tav tm="100000">
-                                          <p:val>
-                                            <p:fltVal val="1"/>
-                                          </p:val>
-                                        </p:tav>
-                                      </p:tavLst>
-                                    </p:anim>
-                                    <p:anim calcmode="lin" valueType="num">
-                                      <p:cBhvr>
-                                        <p:cTn id="17" dur="2000" fill="hold"/>
-                                        <p:tgtEl>
-                                          <p:spTgt spid="4"/>
-                                        </p:tgtEl>
-                                        <p:attrNameLst>
-                                          <p:attrName>ppt_h</p:attrName>
-                                        </p:attrNameLst>
-                                      </p:cBhvr>
-                                      <p:tavLst>
-                                        <p:tav tm="0">
-                                          <p:val>
-                                            <p:strVal val="#ppt_h"/>
-                                          </p:val>
-                                        </p:tav>
-                                        <p:tav tm="100000">
-                                          <p:val>
-                                            <p:strVal val="#ppt_h"/>
-                                          </p:val>
-                                        </p:tav>
-                                      </p:tavLst>
-                                    </p:anim>
-                                  </p:childTnLst>
-                                </p:cTn>
-                              </p:par>
-                            </p:childTnLst>
-                          </p:cTn>
-                        </p:par>
-                      </p:childTnLst>
-                    </p:cTn>
-                  </p:par>
-                  <p:par>
-                    <p:cTn id="18" fill="hold">
-                      <p:stCondLst>
-                        <p:cond delay="indefinite"/>
-                      </p:stCondLst>
-                      <p:childTnLst>
-                        <p:par>
-                          <p:cTn id="19" fill="hold">
-                            <p:stCondLst>
-                              <p:cond delay="0"/>
-                            </p:stCondLst>
-                            <p:childTnLst>
-                              <p:par>
-                                <p:cTn id="20" presetID="26" presetClass="entr" presetSubtype="0" fill="hold" grpId="0" nodeType="clickEffect">
-                                  <p:stCondLst>
-                                    <p:cond delay="0"/>
-                                  </p:stCondLst>
-                                  <p:childTnLst>
-                                    <p:set>
-                                      <p:cBhvr>
-                                        <p:cTn id="21" dur="1" fill="hold">
-                                          <p:stCondLst>
-                                            <p:cond delay="0"/>
-                                          </p:stCondLst>
-                                        </p:cTn>
-                                        <p:tgtEl>
                                           <p:spTgt spid="6"/>
                                         </p:tgtEl>
                                         <p:attrNameLst>
@@ -4014,7 +3939,7 @@
                                     </p:set>
                                     <p:animEffect transition="in" filter="wipe(down)">
                                       <p:cBhvr>
-                                        <p:cTn id="22" dur="580">
+                                        <p:cTn id="15" dur="580">
                                           <p:stCondLst>
                                             <p:cond delay="0"/>
                                           </p:stCondLst>
@@ -4026,7 +3951,7 @@
                                     </p:animEffect>
                                     <p:anim calcmode="lin" valueType="num">
                                       <p:cBhvr>
-                                        <p:cTn id="23" dur="1822" tmFilter="0,0; 0.14,0.36; 0.43,0.73; 0.71,0.91; 1.0,1.0">
+                                        <p:cTn id="16" dur="1822" tmFilter="0,0; 0.14,0.36; 0.43,0.73; 0.71,0.91; 1.0,1.0">
                                           <p:stCondLst>
                                             <p:cond delay="0"/>
                                           </p:stCondLst>
@@ -4053,7 +3978,7 @@
                                     </p:anim>
                                     <p:anim calcmode="lin" valueType="num">
                                       <p:cBhvr>
-                                        <p:cTn id="24" dur="664" tmFilter="0.0,0.0; 0.25,0.07; 0.50,0.2; 0.75,0.467; 1.0,1.0">
+                                        <p:cTn id="17" dur="664" tmFilter="0.0,0.0; 0.25,0.07; 0.50,0.2; 0.75,0.467; 1.0,1.0">
                                           <p:stCondLst>
                                             <p:cond delay="0"/>
                                           </p:stCondLst>
@@ -4080,7 +4005,7 @@
                                     </p:anim>
                                     <p:anim calcmode="lin" valueType="num">
                                       <p:cBhvr>
-                                        <p:cTn id="25" dur="664" tmFilter="0, 0; 0.125,0.2665; 0.25,0.4; 0.375,0.465; 0.5,0.5;  0.625,0.535; 0.75,0.6; 0.875,0.7335; 1,1">
+                                        <p:cTn id="18" dur="664" tmFilter="0, 0; 0.125,0.2665; 0.25,0.4; 0.375,0.465; 0.5,0.5;  0.625,0.535; 0.75,0.6; 0.875,0.7335; 1,1">
                                           <p:stCondLst>
                                             <p:cond delay="664"/>
                                           </p:stCondLst>
@@ -4107,7 +4032,7 @@
                                     </p:anim>
                                     <p:anim calcmode="lin" valueType="num">
                                       <p:cBhvr>
-                                        <p:cTn id="26" dur="332" tmFilter="0, 0; 0.125,0.2665; 0.25,0.4; 0.375,0.465; 0.5,0.5;  0.625,0.535; 0.75,0.6; 0.875,0.7335; 1,1">
+                                        <p:cTn id="19" dur="332" tmFilter="0, 0; 0.125,0.2665; 0.25,0.4; 0.375,0.465; 0.5,0.5;  0.625,0.535; 0.75,0.6; 0.875,0.7335; 1,1">
                                           <p:stCondLst>
                                             <p:cond delay="1324"/>
                                           </p:stCondLst>
@@ -4134,7 +4059,7 @@
                                     </p:anim>
                                     <p:anim calcmode="lin" valueType="num">
                                       <p:cBhvr>
-                                        <p:cTn id="27" dur="164" tmFilter="0, 0; 0.125,0.2665; 0.25,0.4; 0.375,0.465; 0.5,0.5;  0.625,0.535; 0.75,0.6; 0.875,0.7335; 1,1">
+                                        <p:cTn id="20" dur="164" tmFilter="0, 0; 0.125,0.2665; 0.25,0.4; 0.375,0.465; 0.5,0.5;  0.625,0.535; 0.75,0.6; 0.875,0.7335; 1,1">
                                           <p:stCondLst>
                                             <p:cond delay="1656"/>
                                           </p:stCondLst>
@@ -4161,7 +4086,7 @@
                                     </p:anim>
                                     <p:animScale>
                                       <p:cBhvr>
-                                        <p:cTn id="28" dur="26">
+                                        <p:cTn id="21" dur="26">
                                           <p:stCondLst>
                                             <p:cond delay="650"/>
                                           </p:stCondLst>
@@ -4174,7 +4099,7 @@
                                     </p:animScale>
                                     <p:animScale>
                                       <p:cBhvr>
-                                        <p:cTn id="29" dur="166" decel="50000">
+                                        <p:cTn id="22" dur="166" decel="50000">
                                           <p:stCondLst>
                                             <p:cond delay="676"/>
                                           </p:stCondLst>
@@ -4187,7 +4112,7 @@
                                     </p:animScale>
                                     <p:animScale>
                                       <p:cBhvr>
-                                        <p:cTn id="30" dur="26">
+                                        <p:cTn id="23" dur="26">
                                           <p:stCondLst>
                                             <p:cond delay="1312"/>
                                           </p:stCondLst>
@@ -4200,7 +4125,7 @@
                                     </p:animScale>
                                     <p:animScale>
                                       <p:cBhvr>
-                                        <p:cTn id="31" dur="166" decel="50000">
+                                        <p:cTn id="24" dur="166" decel="50000">
                                           <p:stCondLst>
                                             <p:cond delay="1338"/>
                                           </p:stCondLst>
@@ -4213,7 +4138,7 @@
                                     </p:animScale>
                                     <p:animScale>
                                       <p:cBhvr>
-                                        <p:cTn id="32" dur="26">
+                                        <p:cTn id="25" dur="26">
                                           <p:stCondLst>
                                             <p:cond delay="1642"/>
                                           </p:stCondLst>
@@ -4226,7 +4151,7 @@
                                     </p:animScale>
                                     <p:animScale>
                                       <p:cBhvr>
-                                        <p:cTn id="33" dur="166" decel="50000">
+                                        <p:cTn id="26" dur="166" decel="50000">
                                           <p:stCondLst>
                                             <p:cond delay="1668"/>
                                           </p:stCondLst>
@@ -4239,7 +4164,7 @@
                                     </p:animScale>
                                     <p:animScale>
                                       <p:cBhvr>
-                                        <p:cTn id="34" dur="26">
+                                        <p:cTn id="27" dur="26">
                                           <p:stCondLst>
                                             <p:cond delay="1808"/>
                                           </p:stCondLst>
@@ -4252,7 +4177,7 @@
                                     </p:animScale>
                                     <p:animScale>
                                       <p:cBhvr>
-                                        <p:cTn id="35" dur="166" decel="50000">
+                                        <p:cTn id="28" dur="166" decel="50000">
                                           <p:stCondLst>
                                             <p:cond delay="1834"/>
                                           </p:stCondLst>
@@ -4273,26 +4198,26 @@
                     </p:cTn>
                   </p:par>
                   <p:par>
-                    <p:cTn id="36" fill="hold">
+                    <p:cTn id="29" fill="hold">
                       <p:stCondLst>
                         <p:cond delay="indefinite"/>
                       </p:stCondLst>
                       <p:childTnLst>
                         <p:par>
-                          <p:cTn id="37" fill="hold">
+                          <p:cTn id="30" fill="hold">
                             <p:stCondLst>
                               <p:cond delay="0"/>
                             </p:stCondLst>
                             <p:childTnLst>
                               <p:par>
-                                <p:cTn id="38" presetID="26" presetClass="entr" presetSubtype="0" fill="hold" grpId="0" nodeType="clickEffect">
+                                <p:cTn id="31" presetID="26" presetClass="entr" presetSubtype="0" fill="hold" grpId="0" nodeType="clickEffect">
                                   <p:stCondLst>
                                     <p:cond delay="0"/>
                                   </p:stCondLst>
                                   <p:childTnLst>
                                     <p:set>
                                       <p:cBhvr>
-                                        <p:cTn id="39" dur="1" fill="hold">
+                                        <p:cTn id="32" dur="1" fill="hold">
                                           <p:stCondLst>
                                             <p:cond delay="0"/>
                                           </p:stCondLst>
@@ -4310,7 +4235,7 @@
                                     </p:set>
                                     <p:animEffect transition="in" filter="wipe(down)">
                                       <p:cBhvr>
-                                        <p:cTn id="40" dur="580">
+                                        <p:cTn id="33" dur="580">
                                           <p:stCondLst>
                                             <p:cond delay="0"/>
                                           </p:stCondLst>
@@ -4322,7 +4247,7 @@
                                     </p:animEffect>
                                     <p:anim calcmode="lin" valueType="num">
                                       <p:cBhvr>
-                                        <p:cTn id="41" dur="1822" tmFilter="0,0; 0.14,0.36; 0.43,0.73; 0.71,0.91; 1.0,1.0">
+                                        <p:cTn id="34" dur="1822" tmFilter="0,0; 0.14,0.36; 0.43,0.73; 0.71,0.91; 1.0,1.0">
                                           <p:stCondLst>
                                             <p:cond delay="0"/>
                                           </p:stCondLst>
@@ -4349,7 +4274,7 @@
                                     </p:anim>
                                     <p:anim calcmode="lin" valueType="num">
                                       <p:cBhvr>
-                                        <p:cTn id="42" dur="664" tmFilter="0.0,0.0; 0.25,0.07; 0.50,0.2; 0.75,0.467; 1.0,1.0">
+                                        <p:cTn id="35" dur="664" tmFilter="0.0,0.0; 0.25,0.07; 0.50,0.2; 0.75,0.467; 1.0,1.0">
                                           <p:stCondLst>
                                             <p:cond delay="0"/>
                                           </p:stCondLst>
@@ -4376,7 +4301,7 @@
                                     </p:anim>
                                     <p:anim calcmode="lin" valueType="num">
                                       <p:cBhvr>
-                                        <p:cTn id="43" dur="664" tmFilter="0, 0; 0.125,0.2665; 0.25,0.4; 0.375,0.465; 0.5,0.5;  0.625,0.535; 0.75,0.6; 0.875,0.7335; 1,1">
+                                        <p:cTn id="36" dur="664" tmFilter="0, 0; 0.125,0.2665; 0.25,0.4; 0.375,0.465; 0.5,0.5;  0.625,0.535; 0.75,0.6; 0.875,0.7335; 1,1">
                                           <p:stCondLst>
                                             <p:cond delay="664"/>
                                           </p:stCondLst>
@@ -4403,7 +4328,7 @@
                                     </p:anim>
                                     <p:anim calcmode="lin" valueType="num">
                                       <p:cBhvr>
-                                        <p:cTn id="44" dur="332" tmFilter="0, 0; 0.125,0.2665; 0.25,0.4; 0.375,0.465; 0.5,0.5;  0.625,0.535; 0.75,0.6; 0.875,0.7335; 1,1">
+                                        <p:cTn id="37" dur="332" tmFilter="0, 0; 0.125,0.2665; 0.25,0.4; 0.375,0.465; 0.5,0.5;  0.625,0.535; 0.75,0.6; 0.875,0.7335; 1,1">
                                           <p:stCondLst>
                                             <p:cond delay="1324"/>
                                           </p:stCondLst>
@@ -4430,7 +4355,7 @@
                                     </p:anim>
                                     <p:anim calcmode="lin" valueType="num">
                                       <p:cBhvr>
-                                        <p:cTn id="45" dur="164" tmFilter="0, 0; 0.125,0.2665; 0.25,0.4; 0.375,0.465; 0.5,0.5;  0.625,0.535; 0.75,0.6; 0.875,0.7335; 1,1">
+                                        <p:cTn id="38" dur="164" tmFilter="0, 0; 0.125,0.2665; 0.25,0.4; 0.375,0.465; 0.5,0.5;  0.625,0.535; 0.75,0.6; 0.875,0.7335; 1,1">
                                           <p:stCondLst>
                                             <p:cond delay="1656"/>
                                           </p:stCondLst>
@@ -4457,7 +4382,7 @@
                                     </p:anim>
                                     <p:animScale>
                                       <p:cBhvr>
-                                        <p:cTn id="46" dur="26">
+                                        <p:cTn id="39" dur="26">
                                           <p:stCondLst>
                                             <p:cond delay="650"/>
                                           </p:stCondLst>
@@ -4470,7 +4395,7 @@
                                     </p:animScale>
                                     <p:animScale>
                                       <p:cBhvr>
-                                        <p:cTn id="47" dur="166" decel="50000">
+                                        <p:cTn id="40" dur="166" decel="50000">
                                           <p:stCondLst>
                                             <p:cond delay="676"/>
                                           </p:stCondLst>
@@ -4483,7 +4408,7 @@
                                     </p:animScale>
                                     <p:animScale>
                                       <p:cBhvr>
-                                        <p:cTn id="48" dur="26">
+                                        <p:cTn id="41" dur="26">
                                           <p:stCondLst>
                                             <p:cond delay="1312"/>
                                           </p:stCondLst>
@@ -4496,7 +4421,7 @@
                                     </p:animScale>
                                     <p:animScale>
                                       <p:cBhvr>
-                                        <p:cTn id="49" dur="166" decel="50000">
+                                        <p:cTn id="42" dur="166" decel="50000">
                                           <p:stCondLst>
                                             <p:cond delay="1338"/>
                                           </p:stCondLst>
@@ -4509,7 +4434,7 @@
                                     </p:animScale>
                                     <p:animScale>
                                       <p:cBhvr>
-                                        <p:cTn id="50" dur="26">
+                                        <p:cTn id="43" dur="26">
                                           <p:stCondLst>
                                             <p:cond delay="1642"/>
                                           </p:stCondLst>
@@ -4522,7 +4447,7 @@
                                     </p:animScale>
                                     <p:animScale>
                                       <p:cBhvr>
-                                        <p:cTn id="51" dur="166" decel="50000">
+                                        <p:cTn id="44" dur="166" decel="50000">
                                           <p:stCondLst>
                                             <p:cond delay="1668"/>
                                           </p:stCondLst>
@@ -4535,7 +4460,7 @@
                                     </p:animScale>
                                     <p:animScale>
                                       <p:cBhvr>
-                                        <p:cTn id="52" dur="26">
+                                        <p:cTn id="45" dur="26">
                                           <p:stCondLst>
                                             <p:cond delay="1808"/>
                                           </p:stCondLst>
@@ -4548,7 +4473,7 @@
                                     </p:animScale>
                                     <p:animScale>
                                       <p:cBhvr>
-                                        <p:cTn id="53" dur="166" decel="50000">
+                                        <p:cTn id="46" dur="166" decel="50000">
                                           <p:stCondLst>
                                             <p:cond delay="1834"/>
                                           </p:stCondLst>
@@ -4559,6 +4484,128 @@
                                       </p:cBhvr>
                                       <p:to x="100000" y="100000"/>
                                     </p:animScale>
+                                  </p:childTnLst>
+                                </p:cTn>
+                              </p:par>
+                            </p:childTnLst>
+                          </p:cTn>
+                        </p:par>
+                      </p:childTnLst>
+                    </p:cTn>
+                  </p:par>
+                  <p:par>
+                    <p:cTn id="47" fill="hold">
+                      <p:stCondLst>
+                        <p:cond delay="indefinite"/>
+                      </p:stCondLst>
+                      <p:childTnLst>
+                        <p:par>
+                          <p:cTn id="48" fill="hold">
+                            <p:stCondLst>
+                              <p:cond delay="0"/>
+                            </p:stCondLst>
+                            <p:childTnLst>
+                              <p:par>
+                                <p:cTn id="49" presetID="31" presetClass="entr" presetSubtype="0" fill="hold" nodeType="clickEffect">
+                                  <p:stCondLst>
+                                    <p:cond delay="0"/>
+                                  </p:stCondLst>
+                                  <p:childTnLst>
+                                    <p:set>
+                                      <p:cBhvr>
+                                        <p:cTn id="50" dur="1" fill="hold">
+                                          <p:stCondLst>
+                                            <p:cond delay="0"/>
+                                          </p:stCondLst>
+                                        </p:cTn>
+                                        <p:tgtEl>
+                                          <p:spTgt spid="2050"/>
+                                        </p:tgtEl>
+                                        <p:attrNameLst>
+                                          <p:attrName>style.visibility</p:attrName>
+                                        </p:attrNameLst>
+                                      </p:cBhvr>
+                                      <p:to>
+                                        <p:strVal val="visible"/>
+                                      </p:to>
+                                    </p:set>
+                                    <p:anim calcmode="lin" valueType="num">
+                                      <p:cBhvr>
+                                        <p:cTn id="51" dur="1000" fill="hold"/>
+                                        <p:tgtEl>
+                                          <p:spTgt spid="2050"/>
+                                        </p:tgtEl>
+                                        <p:attrNameLst>
+                                          <p:attrName>ppt_w</p:attrName>
+                                        </p:attrNameLst>
+                                      </p:cBhvr>
+                                      <p:tavLst>
+                                        <p:tav tm="0">
+                                          <p:val>
+                                            <p:fltVal val="0"/>
+                                          </p:val>
+                                        </p:tav>
+                                        <p:tav tm="100000">
+                                          <p:val>
+                                            <p:strVal val="#ppt_w"/>
+                                          </p:val>
+                                        </p:tav>
+                                      </p:tavLst>
+                                    </p:anim>
+                                    <p:anim calcmode="lin" valueType="num">
+                                      <p:cBhvr>
+                                        <p:cTn id="52" dur="1000" fill="hold"/>
+                                        <p:tgtEl>
+                                          <p:spTgt spid="2050"/>
+                                        </p:tgtEl>
+                                        <p:attrNameLst>
+                                          <p:attrName>ppt_h</p:attrName>
+                                        </p:attrNameLst>
+                                      </p:cBhvr>
+                                      <p:tavLst>
+                                        <p:tav tm="0">
+                                          <p:val>
+                                            <p:fltVal val="0"/>
+                                          </p:val>
+                                        </p:tav>
+                                        <p:tav tm="100000">
+                                          <p:val>
+                                            <p:strVal val="#ppt_h"/>
+                                          </p:val>
+                                        </p:tav>
+                                      </p:tavLst>
+                                    </p:anim>
+                                    <p:anim calcmode="lin" valueType="num">
+                                      <p:cBhvr>
+                                        <p:cTn id="53" dur="1000" fill="hold"/>
+                                        <p:tgtEl>
+                                          <p:spTgt spid="2050"/>
+                                        </p:tgtEl>
+                                        <p:attrNameLst>
+                                          <p:attrName>style.rotation</p:attrName>
+                                        </p:attrNameLst>
+                                      </p:cBhvr>
+                                      <p:tavLst>
+                                        <p:tav tm="0">
+                                          <p:val>
+                                            <p:fltVal val="90"/>
+                                          </p:val>
+                                        </p:tav>
+                                        <p:tav tm="100000">
+                                          <p:val>
+                                            <p:fltVal val="0"/>
+                                          </p:val>
+                                        </p:tav>
+                                      </p:tavLst>
+                                    </p:anim>
+                                    <p:animEffect transition="in" filter="fade">
+                                      <p:cBhvr>
+                                        <p:cTn id="54" dur="1000"/>
+                                        <p:tgtEl>
+                                          <p:spTgt spid="2050"/>
+                                        </p:tgtEl>
+                                      </p:cBhvr>
+                                    </p:animEffect>
                                   </p:childTnLst>
                                 </p:cTn>
                               </p:par>
@@ -4663,8 +4710,8 @@
         </p:nvSpPr>
         <p:spPr>
           <a:xfrm>
-            <a:off x="665018" y="1014153"/>
-            <a:ext cx="11272058" cy="5544589"/>
+            <a:off x="756458" y="2967644"/>
+            <a:ext cx="11222182" cy="3557847"/>
           </a:xfrm>
           <a:prstGeom prst="rect">
             <a:avLst/>
@@ -4672,7 +4719,7 @@
         </p:spPr>
         <p:txBody>
           <a:bodyPr vert="horz" lIns="91440" tIns="45720" rIns="91440" bIns="45720" rtlCol="0" anchor="ctr">
-            <a:normAutofit fontScale="60000" lnSpcReduction="20000"/>
+            <a:normAutofit fontScale="40000" lnSpcReduction="20000"/>
           </a:bodyPr>
           <a:lstStyle>
             <a:lvl1pPr algn="l" defTabSz="914400" rtl="0" eaLnBrk="1" latinLnBrk="0" hangingPunct="1">
@@ -4739,35 +4786,35 @@
           </a:p>
           <a:p>
             <a:pPr lvl="0"/>
-            <a:endParaRPr lang="th-TH" dirty="0" smtClean="0"/>
+            <a:endParaRPr lang="th-TH" sz="4800" dirty="0" smtClean="0"/>
           </a:p>
           <a:p>
             <a:pPr lvl="0"/>
             <a:r>
-              <a:rPr lang="th-TH" dirty="0" smtClean="0"/>
+              <a:rPr lang="th-TH" sz="4800" dirty="0" smtClean="0"/>
               <a:t>จาก</a:t>
             </a:r>
             <a:r>
-              <a:rPr lang="th-TH" dirty="0"/>
+              <a:rPr lang="th-TH" sz="4800" dirty="0"/>
               <a:t>ภาพตัวอย่างที่ 3 เป็นหน้าต่าง </a:t>
             </a:r>
             <a:r>
-              <a:rPr lang="en-US" dirty="0"/>
+              <a:rPr lang="en-US" sz="4800" dirty="0"/>
               <a:t>Inbound </a:t>
             </a:r>
             <a:r>
-              <a:rPr lang="th-TH" dirty="0"/>
+              <a:rPr lang="th-TH" sz="4800" dirty="0"/>
               <a:t>หรือ หน้าการรับสินค้าใหม่เข้ามาจัดเก็บภายในคลังสินค้า ซึ่งรายละเอียดในการจัดเก็บสินค้าที่เข้ามาใหม่นั้น  จะได้แก่  รหัสสินค้า ชื่อสินค้า หน่วยนับสินค้า หมวดของสินค้า จำนวนสินค้า  ราคา/หน่วย สถานที่จัดเก็บ วันที่นำเข้าจัดเก็บ  แถว และ ชั้น ที่นำสินค้าไปจัดเก็บ ถึงรายละเอียดทั้งหมดนี้  หลังจากกรอกรายละเอียดสินค้าทั้งหมดครบ จะถูกนำมาสร้าง </a:t>
             </a:r>
             <a:r>
-              <a:rPr lang="en-US" dirty="0"/>
+              <a:rPr lang="en-US" sz="4800" dirty="0"/>
               <a:t>QRCODE </a:t>
             </a:r>
             <a:r>
-              <a:rPr lang="th-TH" dirty="0"/>
+              <a:rPr lang="th-TH" sz="4800" dirty="0"/>
               <a:t>ในการจัดเก็บข้อมูลอีกที่หนึ่ง</a:t>
             </a:r>
-            <a:endParaRPr lang="en-US" dirty="0"/>
+            <a:endParaRPr lang="en-US" sz="4800" dirty="0"/>
           </a:p>
           <a:p>
             <a:r>
@@ -4789,7 +4836,7 @@
         </p:nvSpPr>
         <p:spPr>
           <a:xfrm>
-            <a:off x="216131" y="4547061"/>
+            <a:off x="307571" y="5295206"/>
             <a:ext cx="448887" cy="349134"/>
           </a:xfrm>
           <a:prstGeom prst="rightArrow">
@@ -4840,26 +4887,43 @@
       </p:sp>
       <p:pic>
         <p:nvPicPr>
-          <p:cNvPr id="5" name="Picture 4"/>
+          <p:cNvPr id="3074" name="Picture 2" descr="https://scontent.fbkk5-5.fna.fbcdn.net/v/t1.15752-9/46251525_1159496720872814_1284649302626402304_n.png?_nc_cat=104&amp;_nc_pt=1&amp;_nc_ht=scontent.fbkk5-5.fna&amp;oh=cf29c5523d48242941b8d8c64829953e&amp;oe=5C71E29D"/>
           <p:cNvPicPr>
-            <a:picLocks noChangeAspect="1"/>
+            <a:picLocks noChangeAspect="1" noChangeArrowheads="1"/>
           </p:cNvPicPr>
           <p:nvPr/>
         </p:nvPicPr>
         <p:blipFill>
-          <a:blip r:embed="rId2"/>
+          <a:blip r:embed="rId2" cstate="print">
+            <a:extLst>
+              <a:ext uri="{28A0092B-C50C-407E-A947-70E740481C1C}">
+                <a14:useLocalDpi xmlns:a14="http://schemas.microsoft.com/office/drawing/2010/main" val="0"/>
+              </a:ext>
+            </a:extLst>
+          </a:blip>
+          <a:srcRect/>
           <a:stretch>
             <a:fillRect/>
           </a:stretch>
         </p:blipFill>
-        <p:spPr>
+        <p:spPr bwMode="auto">
           <a:xfrm>
-            <a:off x="4060248" y="674002"/>
-            <a:ext cx="3712152" cy="3748368"/>
+            <a:off x="4654433" y="1091737"/>
+            <a:ext cx="2037311" cy="3621888"/>
           </a:xfrm>
           <a:prstGeom prst="rect">
             <a:avLst/>
           </a:prstGeom>
+          <a:noFill/>
+          <a:extLst>
+            <a:ext uri="{909E8E84-426E-40DD-AFC4-6F175D3DCCD1}">
+              <a14:hiddenFill xmlns:a14="http://schemas.microsoft.com/office/drawing/2010/main">
+                <a:solidFill>
+                  <a:srgbClr val="FFFFFF"/>
+                </a:solidFill>
+              </a14:hiddenFill>
+            </a:ext>
+          </a:extLst>
         </p:spPr>
       </p:pic>
     </p:spTree>
@@ -5015,7 +5079,7 @@
                             </p:stCondLst>
                             <p:childTnLst>
                               <p:par>
-                                <p:cTn id="13" presetID="45" presetClass="entr" presetSubtype="0" fill="hold" nodeType="clickEffect">
+                                <p:cTn id="13" presetID="26" presetClass="entr" presetSubtype="0" fill="hold" grpId="0" nodeType="clickEffect">
                                   <p:stCondLst>
                                     <p:cond delay="0"/>
                                   </p:stCondLst>
@@ -5028,105 +5092,6 @@
                                           </p:stCondLst>
                                         </p:cTn>
                                         <p:tgtEl>
-                                          <p:spTgt spid="5"/>
-                                        </p:tgtEl>
-                                        <p:attrNameLst>
-                                          <p:attrName>style.visibility</p:attrName>
-                                        </p:attrNameLst>
-                                      </p:cBhvr>
-                                      <p:to>
-                                        <p:strVal val="visible"/>
-                                      </p:to>
-                                    </p:set>
-                                    <p:animEffect transition="in" filter="fade">
-                                      <p:cBhvr>
-                                        <p:cTn id="15" dur="2000"/>
-                                        <p:tgtEl>
-                                          <p:spTgt spid="5"/>
-                                        </p:tgtEl>
-                                      </p:cBhvr>
-                                    </p:animEffect>
-                                    <p:anim calcmode="lin" valueType="num">
-                                      <p:cBhvr>
-                                        <p:cTn id="16" dur="2000" fill="hold"/>
-                                        <p:tgtEl>
-                                          <p:spTgt spid="5"/>
-                                        </p:tgtEl>
-                                        <p:attrNameLst>
-                                          <p:attrName>ppt_w</p:attrName>
-                                        </p:attrNameLst>
-                                      </p:cBhvr>
-                                      <p:tavLst>
-                                        <p:tav tm="0" fmla="#ppt_w*sin(2.5*pi*$)">
-                                          <p:val>
-                                            <p:fltVal val="0"/>
-                                          </p:val>
-                                        </p:tav>
-                                        <p:tav tm="100000">
-                                          <p:val>
-                                            <p:fltVal val="1"/>
-                                          </p:val>
-                                        </p:tav>
-                                      </p:tavLst>
-                                    </p:anim>
-                                    <p:anim calcmode="lin" valueType="num">
-                                      <p:cBhvr>
-                                        <p:cTn id="17" dur="2000" fill="hold"/>
-                                        <p:tgtEl>
-                                          <p:spTgt spid="5"/>
-                                        </p:tgtEl>
-                                        <p:attrNameLst>
-                                          <p:attrName>ppt_h</p:attrName>
-                                        </p:attrNameLst>
-                                      </p:cBhvr>
-                                      <p:tavLst>
-                                        <p:tav tm="0">
-                                          <p:val>
-                                            <p:strVal val="#ppt_h"/>
-                                          </p:val>
-                                        </p:tav>
-                                        <p:tav tm="100000">
-                                          <p:val>
-                                            <p:strVal val="#ppt_h"/>
-                                          </p:val>
-                                        </p:tav>
-                                      </p:tavLst>
-                                    </p:anim>
-                                  </p:childTnLst>
-                                </p:cTn>
-                              </p:par>
-                            </p:childTnLst>
-                          </p:cTn>
-                        </p:par>
-                      </p:childTnLst>
-                    </p:cTn>
-                  </p:par>
-                  <p:par>
-                    <p:cTn id="18" fill="hold">
-                      <p:stCondLst>
-                        <p:cond delay="indefinite"/>
-                      </p:stCondLst>
-                      <p:childTnLst>
-                        <p:par>
-                          <p:cTn id="19" fill="hold">
-                            <p:stCondLst>
-                              <p:cond delay="0"/>
-                            </p:stCondLst>
-                            <p:childTnLst>
-                              <p:par>
-                                <p:cTn id="20" presetID="26" presetClass="entr" presetSubtype="0" fill="hold" grpId="0" nodeType="clickEffect">
-                                  <p:stCondLst>
-                                    <p:cond delay="0"/>
-                                  </p:stCondLst>
-                                  <p:childTnLst>
-                                    <p:set>
-                                      <p:cBhvr>
-                                        <p:cTn id="21" dur="1" fill="hold">
-                                          <p:stCondLst>
-                                            <p:cond delay="0"/>
-                                          </p:stCondLst>
-                                        </p:cTn>
-                                        <p:tgtEl>
                                           <p:spTgt spid="6"/>
                                         </p:tgtEl>
                                         <p:attrNameLst>
@@ -5139,7 +5104,7 @@
                                     </p:set>
                                     <p:animEffect transition="in" filter="wipe(down)">
                                       <p:cBhvr>
-                                        <p:cTn id="22" dur="580">
+                                        <p:cTn id="15" dur="580">
                                           <p:stCondLst>
                                             <p:cond delay="0"/>
                                           </p:stCondLst>
@@ -5151,7 +5116,7 @@
                                     </p:animEffect>
                                     <p:anim calcmode="lin" valueType="num">
                                       <p:cBhvr>
-                                        <p:cTn id="23" dur="1822" tmFilter="0,0; 0.14,0.36; 0.43,0.73; 0.71,0.91; 1.0,1.0">
+                                        <p:cTn id="16" dur="1822" tmFilter="0,0; 0.14,0.36; 0.43,0.73; 0.71,0.91; 1.0,1.0">
                                           <p:stCondLst>
                                             <p:cond delay="0"/>
                                           </p:stCondLst>
@@ -5178,7 +5143,7 @@
                                     </p:anim>
                                     <p:anim calcmode="lin" valueType="num">
                                       <p:cBhvr>
-                                        <p:cTn id="24" dur="664" tmFilter="0.0,0.0; 0.25,0.07; 0.50,0.2; 0.75,0.467; 1.0,1.0">
+                                        <p:cTn id="17" dur="664" tmFilter="0.0,0.0; 0.25,0.07; 0.50,0.2; 0.75,0.467; 1.0,1.0">
                                           <p:stCondLst>
                                             <p:cond delay="0"/>
                                           </p:stCondLst>
@@ -5205,7 +5170,7 @@
                                     </p:anim>
                                     <p:anim calcmode="lin" valueType="num">
                                       <p:cBhvr>
-                                        <p:cTn id="25" dur="664" tmFilter="0, 0; 0.125,0.2665; 0.25,0.4; 0.375,0.465; 0.5,0.5;  0.625,0.535; 0.75,0.6; 0.875,0.7335; 1,1">
+                                        <p:cTn id="18" dur="664" tmFilter="0, 0; 0.125,0.2665; 0.25,0.4; 0.375,0.465; 0.5,0.5;  0.625,0.535; 0.75,0.6; 0.875,0.7335; 1,1">
                                           <p:stCondLst>
                                             <p:cond delay="664"/>
                                           </p:stCondLst>
@@ -5232,7 +5197,7 @@
                                     </p:anim>
                                     <p:anim calcmode="lin" valueType="num">
                                       <p:cBhvr>
-                                        <p:cTn id="26" dur="332" tmFilter="0, 0; 0.125,0.2665; 0.25,0.4; 0.375,0.465; 0.5,0.5;  0.625,0.535; 0.75,0.6; 0.875,0.7335; 1,1">
+                                        <p:cTn id="19" dur="332" tmFilter="0, 0; 0.125,0.2665; 0.25,0.4; 0.375,0.465; 0.5,0.5;  0.625,0.535; 0.75,0.6; 0.875,0.7335; 1,1">
                                           <p:stCondLst>
                                             <p:cond delay="1324"/>
                                           </p:stCondLst>
@@ -5259,7 +5224,7 @@
                                     </p:anim>
                                     <p:anim calcmode="lin" valueType="num">
                                       <p:cBhvr>
-                                        <p:cTn id="27" dur="164" tmFilter="0, 0; 0.125,0.2665; 0.25,0.4; 0.375,0.465; 0.5,0.5;  0.625,0.535; 0.75,0.6; 0.875,0.7335; 1,1">
+                                        <p:cTn id="20" dur="164" tmFilter="0, 0; 0.125,0.2665; 0.25,0.4; 0.375,0.465; 0.5,0.5;  0.625,0.535; 0.75,0.6; 0.875,0.7335; 1,1">
                                           <p:stCondLst>
                                             <p:cond delay="1656"/>
                                           </p:stCondLst>
@@ -5286,7 +5251,7 @@
                                     </p:anim>
                                     <p:animScale>
                                       <p:cBhvr>
-                                        <p:cTn id="28" dur="26">
+                                        <p:cTn id="21" dur="26">
                                           <p:stCondLst>
                                             <p:cond delay="650"/>
                                           </p:stCondLst>
@@ -5299,7 +5264,7 @@
                                     </p:animScale>
                                     <p:animScale>
                                       <p:cBhvr>
-                                        <p:cTn id="29" dur="166" decel="50000">
+                                        <p:cTn id="22" dur="166" decel="50000">
                                           <p:stCondLst>
                                             <p:cond delay="676"/>
                                           </p:stCondLst>
@@ -5312,7 +5277,7 @@
                                     </p:animScale>
                                     <p:animScale>
                                       <p:cBhvr>
-                                        <p:cTn id="30" dur="26">
+                                        <p:cTn id="23" dur="26">
                                           <p:stCondLst>
                                             <p:cond delay="1312"/>
                                           </p:stCondLst>
@@ -5325,7 +5290,7 @@
                                     </p:animScale>
                                     <p:animScale>
                                       <p:cBhvr>
-                                        <p:cTn id="31" dur="166" decel="50000">
+                                        <p:cTn id="24" dur="166" decel="50000">
                                           <p:stCondLst>
                                             <p:cond delay="1338"/>
                                           </p:stCondLst>
@@ -5338,7 +5303,7 @@
                                     </p:animScale>
                                     <p:animScale>
                                       <p:cBhvr>
-                                        <p:cTn id="32" dur="26">
+                                        <p:cTn id="25" dur="26">
                                           <p:stCondLst>
                                             <p:cond delay="1642"/>
                                           </p:stCondLst>
@@ -5351,7 +5316,7 @@
                                     </p:animScale>
                                     <p:animScale>
                                       <p:cBhvr>
-                                        <p:cTn id="33" dur="166" decel="50000">
+                                        <p:cTn id="26" dur="166" decel="50000">
                                           <p:stCondLst>
                                             <p:cond delay="1668"/>
                                           </p:stCondLst>
@@ -5364,7 +5329,7 @@
                                     </p:animScale>
                                     <p:animScale>
                                       <p:cBhvr>
-                                        <p:cTn id="34" dur="26">
+                                        <p:cTn id="27" dur="26">
                                           <p:stCondLst>
                                             <p:cond delay="1808"/>
                                           </p:stCondLst>
@@ -5377,7 +5342,7 @@
                                     </p:animScale>
                                     <p:animScale>
                                       <p:cBhvr>
-                                        <p:cTn id="35" dur="166" decel="50000">
+                                        <p:cTn id="28" dur="166" decel="50000">
                                           <p:stCondLst>
                                             <p:cond delay="1834"/>
                                           </p:stCondLst>
@@ -5398,26 +5363,26 @@
                     </p:cTn>
                   </p:par>
                   <p:par>
-                    <p:cTn id="36" fill="hold">
+                    <p:cTn id="29" fill="hold">
                       <p:stCondLst>
                         <p:cond delay="indefinite"/>
                       </p:stCondLst>
                       <p:childTnLst>
                         <p:par>
-                          <p:cTn id="37" fill="hold">
+                          <p:cTn id="30" fill="hold">
                             <p:stCondLst>
                               <p:cond delay="0"/>
                             </p:stCondLst>
                             <p:childTnLst>
                               <p:par>
-                                <p:cTn id="38" presetID="26" presetClass="entr" presetSubtype="0" fill="hold" grpId="0" nodeType="clickEffect">
+                                <p:cTn id="31" presetID="26" presetClass="entr" presetSubtype="0" fill="hold" grpId="0" nodeType="clickEffect">
                                   <p:stCondLst>
                                     <p:cond delay="0"/>
                                   </p:stCondLst>
                                   <p:childTnLst>
                                     <p:set>
                                       <p:cBhvr>
-                                        <p:cTn id="39" dur="1" fill="hold">
+                                        <p:cTn id="32" dur="1" fill="hold">
                                           <p:stCondLst>
                                             <p:cond delay="0"/>
                                           </p:stCondLst>
@@ -5435,7 +5400,7 @@
                                     </p:set>
                                     <p:animEffect transition="in" filter="wipe(down)">
                                       <p:cBhvr>
-                                        <p:cTn id="40" dur="580">
+                                        <p:cTn id="33" dur="580">
                                           <p:stCondLst>
                                             <p:cond delay="0"/>
                                           </p:stCondLst>
@@ -5447,7 +5412,7 @@
                                     </p:animEffect>
                                     <p:anim calcmode="lin" valueType="num">
                                       <p:cBhvr>
-                                        <p:cTn id="41" dur="1822" tmFilter="0,0; 0.14,0.36; 0.43,0.73; 0.71,0.91; 1.0,1.0">
+                                        <p:cTn id="34" dur="1822" tmFilter="0,0; 0.14,0.36; 0.43,0.73; 0.71,0.91; 1.0,1.0">
                                           <p:stCondLst>
                                             <p:cond delay="0"/>
                                           </p:stCondLst>
@@ -5474,7 +5439,7 @@
                                     </p:anim>
                                     <p:anim calcmode="lin" valueType="num">
                                       <p:cBhvr>
-                                        <p:cTn id="42" dur="664" tmFilter="0.0,0.0; 0.25,0.07; 0.50,0.2; 0.75,0.467; 1.0,1.0">
+                                        <p:cTn id="35" dur="664" tmFilter="0.0,0.0; 0.25,0.07; 0.50,0.2; 0.75,0.467; 1.0,1.0">
                                           <p:stCondLst>
                                             <p:cond delay="0"/>
                                           </p:stCondLst>
@@ -5501,7 +5466,7 @@
                                     </p:anim>
                                     <p:anim calcmode="lin" valueType="num">
                                       <p:cBhvr>
-                                        <p:cTn id="43" dur="664" tmFilter="0, 0; 0.125,0.2665; 0.25,0.4; 0.375,0.465; 0.5,0.5;  0.625,0.535; 0.75,0.6; 0.875,0.7335; 1,1">
+                                        <p:cTn id="36" dur="664" tmFilter="0, 0; 0.125,0.2665; 0.25,0.4; 0.375,0.465; 0.5,0.5;  0.625,0.535; 0.75,0.6; 0.875,0.7335; 1,1">
                                           <p:stCondLst>
                                             <p:cond delay="664"/>
                                           </p:stCondLst>
@@ -5528,7 +5493,7 @@
                                     </p:anim>
                                     <p:anim calcmode="lin" valueType="num">
                                       <p:cBhvr>
-                                        <p:cTn id="44" dur="332" tmFilter="0, 0; 0.125,0.2665; 0.25,0.4; 0.375,0.465; 0.5,0.5;  0.625,0.535; 0.75,0.6; 0.875,0.7335; 1,1">
+                                        <p:cTn id="37" dur="332" tmFilter="0, 0; 0.125,0.2665; 0.25,0.4; 0.375,0.465; 0.5,0.5;  0.625,0.535; 0.75,0.6; 0.875,0.7335; 1,1">
                                           <p:stCondLst>
                                             <p:cond delay="1324"/>
                                           </p:stCondLst>
@@ -5555,7 +5520,7 @@
                                     </p:anim>
                                     <p:anim calcmode="lin" valueType="num">
                                       <p:cBhvr>
-                                        <p:cTn id="45" dur="164" tmFilter="0, 0; 0.125,0.2665; 0.25,0.4; 0.375,0.465; 0.5,0.5;  0.625,0.535; 0.75,0.6; 0.875,0.7335; 1,1">
+                                        <p:cTn id="38" dur="164" tmFilter="0, 0; 0.125,0.2665; 0.25,0.4; 0.375,0.465; 0.5,0.5;  0.625,0.535; 0.75,0.6; 0.875,0.7335; 1,1">
                                           <p:stCondLst>
                                             <p:cond delay="1656"/>
                                           </p:stCondLst>
@@ -5582,7 +5547,7 @@
                                     </p:anim>
                                     <p:animScale>
                                       <p:cBhvr>
-                                        <p:cTn id="46" dur="26">
+                                        <p:cTn id="39" dur="26">
                                           <p:stCondLst>
                                             <p:cond delay="650"/>
                                           </p:stCondLst>
@@ -5595,7 +5560,7 @@
                                     </p:animScale>
                                     <p:animScale>
                                       <p:cBhvr>
-                                        <p:cTn id="47" dur="166" decel="50000">
+                                        <p:cTn id="40" dur="166" decel="50000">
                                           <p:stCondLst>
                                             <p:cond delay="676"/>
                                           </p:stCondLst>
@@ -5608,7 +5573,7 @@
                                     </p:animScale>
                                     <p:animScale>
                                       <p:cBhvr>
-                                        <p:cTn id="48" dur="26">
+                                        <p:cTn id="41" dur="26">
                                           <p:stCondLst>
                                             <p:cond delay="1312"/>
                                           </p:stCondLst>
@@ -5621,7 +5586,7 @@
                                     </p:animScale>
                                     <p:animScale>
                                       <p:cBhvr>
-                                        <p:cTn id="49" dur="166" decel="50000">
+                                        <p:cTn id="42" dur="166" decel="50000">
                                           <p:stCondLst>
                                             <p:cond delay="1338"/>
                                           </p:stCondLst>
@@ -5634,7 +5599,7 @@
                                     </p:animScale>
                                     <p:animScale>
                                       <p:cBhvr>
-                                        <p:cTn id="50" dur="26">
+                                        <p:cTn id="43" dur="26">
                                           <p:stCondLst>
                                             <p:cond delay="1642"/>
                                           </p:stCondLst>
@@ -5647,7 +5612,7 @@
                                     </p:animScale>
                                     <p:animScale>
                                       <p:cBhvr>
-                                        <p:cTn id="51" dur="166" decel="50000">
+                                        <p:cTn id="44" dur="166" decel="50000">
                                           <p:stCondLst>
                                             <p:cond delay="1668"/>
                                           </p:stCondLst>
@@ -5660,7 +5625,7 @@
                                     </p:animScale>
                                     <p:animScale>
                                       <p:cBhvr>
-                                        <p:cTn id="52" dur="26">
+                                        <p:cTn id="45" dur="26">
                                           <p:stCondLst>
                                             <p:cond delay="1808"/>
                                           </p:stCondLst>
@@ -5673,7 +5638,7 @@
                                     </p:animScale>
                                     <p:animScale>
                                       <p:cBhvr>
-                                        <p:cTn id="53" dur="166" decel="50000">
+                                        <p:cTn id="46" dur="166" decel="50000">
                                           <p:stCondLst>
                                             <p:cond delay="1834"/>
                                           </p:stCondLst>
@@ -5684,6 +5649,105 @@
                                       </p:cBhvr>
                                       <p:to x="100000" y="100000"/>
                                     </p:animScale>
+                                  </p:childTnLst>
+                                </p:cTn>
+                              </p:par>
+                            </p:childTnLst>
+                          </p:cTn>
+                        </p:par>
+                      </p:childTnLst>
+                    </p:cTn>
+                  </p:par>
+                  <p:par>
+                    <p:cTn id="47" fill="hold">
+                      <p:stCondLst>
+                        <p:cond delay="indefinite"/>
+                      </p:stCondLst>
+                      <p:childTnLst>
+                        <p:par>
+                          <p:cTn id="48" fill="hold">
+                            <p:stCondLst>
+                              <p:cond delay="0"/>
+                            </p:stCondLst>
+                            <p:childTnLst>
+                              <p:par>
+                                <p:cTn id="49" presetID="45" presetClass="entr" presetSubtype="0" fill="hold" nodeType="clickEffect">
+                                  <p:stCondLst>
+                                    <p:cond delay="0"/>
+                                  </p:stCondLst>
+                                  <p:childTnLst>
+                                    <p:set>
+                                      <p:cBhvr>
+                                        <p:cTn id="50" dur="1" fill="hold">
+                                          <p:stCondLst>
+                                            <p:cond delay="0"/>
+                                          </p:stCondLst>
+                                        </p:cTn>
+                                        <p:tgtEl>
+                                          <p:spTgt spid="3074"/>
+                                        </p:tgtEl>
+                                        <p:attrNameLst>
+                                          <p:attrName>style.visibility</p:attrName>
+                                        </p:attrNameLst>
+                                      </p:cBhvr>
+                                      <p:to>
+                                        <p:strVal val="visible"/>
+                                      </p:to>
+                                    </p:set>
+                                    <p:animEffect transition="in" filter="fade">
+                                      <p:cBhvr>
+                                        <p:cTn id="51" dur="2000"/>
+                                        <p:tgtEl>
+                                          <p:spTgt spid="3074"/>
+                                        </p:tgtEl>
+                                      </p:cBhvr>
+                                    </p:animEffect>
+                                    <p:anim calcmode="lin" valueType="num">
+                                      <p:cBhvr>
+                                        <p:cTn id="52" dur="2000" fill="hold"/>
+                                        <p:tgtEl>
+                                          <p:spTgt spid="3074"/>
+                                        </p:tgtEl>
+                                        <p:attrNameLst>
+                                          <p:attrName>ppt_w</p:attrName>
+                                        </p:attrNameLst>
+                                      </p:cBhvr>
+                                      <p:tavLst>
+                                        <p:tav tm="0" fmla="#ppt_w*sin(2.5*pi*$)">
+                                          <p:val>
+                                            <p:fltVal val="0"/>
+                                          </p:val>
+                                        </p:tav>
+                                        <p:tav tm="100000">
+                                          <p:val>
+                                            <p:fltVal val="1"/>
+                                          </p:val>
+                                        </p:tav>
+                                      </p:tavLst>
+                                    </p:anim>
+                                    <p:anim calcmode="lin" valueType="num">
+                                      <p:cBhvr>
+                                        <p:cTn id="53" dur="2000" fill="hold"/>
+                                        <p:tgtEl>
+                                          <p:spTgt spid="3074"/>
+                                        </p:tgtEl>
+                                        <p:attrNameLst>
+                                          <p:attrName>ppt_h</p:attrName>
+                                        </p:attrNameLst>
+                                      </p:cBhvr>
+                                      <p:tavLst>
+                                        <p:tav tm="0">
+                                          <p:val>
+                                            <p:strVal val="#ppt_h"/>
+                                          </p:val>
+                                        </p:tav>
+                                        <p:tav tm="100000">
+                                          <p:val>
+                                            <p:strVal val="#ppt_h"/>
+                                          </p:val>
+                                        </p:tav>
+                                      </p:tavLst>
+                                    </p:anim>
                                   </p:childTnLst>
                                 </p:cTn>
                               </p:par>
@@ -5788,8 +5852,8 @@
         </p:nvSpPr>
         <p:spPr>
           <a:xfrm>
-            <a:off x="665018" y="1014153"/>
-            <a:ext cx="11272058" cy="5544589"/>
+            <a:off x="773084" y="3896006"/>
+            <a:ext cx="11272058" cy="2762489"/>
           </a:xfrm>
           <a:prstGeom prst="rect">
             <a:avLst/>
@@ -5797,7 +5861,7 @@
         </p:spPr>
         <p:txBody>
           <a:bodyPr vert="horz" lIns="91440" tIns="45720" rIns="91440" bIns="45720" rtlCol="0" anchor="ctr">
-            <a:normAutofit fontScale="60000" lnSpcReduction="20000"/>
+            <a:normAutofit fontScale="25000" lnSpcReduction="20000"/>
           </a:bodyPr>
           <a:lstStyle>
             <a:lvl1pPr algn="l" defTabSz="914400" rtl="0" eaLnBrk="1" latinLnBrk="0" hangingPunct="1">
@@ -5864,31 +5928,31 @@
           </a:p>
           <a:p>
             <a:pPr lvl="0"/>
-            <a:endParaRPr lang="th-TH" dirty="0" smtClean="0"/>
+            <a:endParaRPr lang="th-TH" sz="7600" dirty="0" smtClean="0"/>
           </a:p>
           <a:p>
             <a:pPr lvl="0"/>
             <a:r>
-              <a:rPr lang="th-TH" dirty="0"/>
+              <a:rPr lang="th-TH" sz="7600" dirty="0"/>
               <a:t>จากภาพตัวอย่างที่ 4 เป็หน้าต่างของ </a:t>
             </a:r>
             <a:r>
-              <a:rPr lang="en-US" dirty="0"/>
+              <a:rPr lang="en-US" sz="7600" dirty="0"/>
               <a:t>Outbound</a:t>
             </a:r>
             <a:r>
-              <a:rPr lang="th-TH" dirty="0"/>
+              <a:rPr lang="th-TH" sz="7600" dirty="0"/>
               <a:t> หรือ การนำสินค้าออกไปจากภายในคลังสินค้า ของโปรแกรมการจัดการคลังสินค้าซึ่ง ซึ่งภายในหน้านี้ ผู้ใช้งานเพียงแค่กดยิง </a:t>
             </a:r>
             <a:r>
-              <a:rPr lang="en-US" dirty="0"/>
+              <a:rPr lang="en-US" sz="7600" dirty="0"/>
               <a:t>QRCODE </a:t>
             </a:r>
             <a:r>
-              <a:rPr lang="th-TH" dirty="0"/>
+              <a:rPr lang="th-TH" sz="7600" dirty="0"/>
               <a:t>เพื่อค้นหาสินค้าเพียงอย่างเดียวเท่านั้น ซึ่งหลังจากทำการสแกนข้อมูลเข้ามาแล้วผู้ใช้งานเพียงกดตกลง ก็จะเป็นการนำฃื่อสินค้าหรือสินค้า นั้นออกไปจากภายในคลังสินค้าเรียบร้อยแล้ว โดยไม่จำเป็นต้องทำการกรอกรายละเอียดสินค้าใดๆเลย</a:t>
             </a:r>
-            <a:endParaRPr lang="en-US" dirty="0"/>
+            <a:endParaRPr lang="en-US" sz="7600" dirty="0"/>
           </a:p>
           <a:p>
             <a:r>
@@ -5910,7 +5974,7 @@
         </p:nvSpPr>
         <p:spPr>
           <a:xfrm>
-            <a:off x="216131" y="4547061"/>
+            <a:off x="224444" y="5519650"/>
             <a:ext cx="448887" cy="349134"/>
           </a:xfrm>
           <a:prstGeom prst="rightArrow">
@@ -5961,26 +6025,43 @@
       </p:sp>
       <p:pic>
         <p:nvPicPr>
-          <p:cNvPr id="4" name="Picture 3"/>
+          <p:cNvPr id="4098" name="Picture 2" descr="https://scontent.fbkk5-1.fna.fbcdn.net/v/t1.15752-9/46290393_296523587629981_2003358517074853888_n.png?_nc_cat=109&amp;_nc_pt=1&amp;_nc_ht=scontent.fbkk5-1.fna&amp;oh=691a4bf0b12e5e322fa6c7936f14bd47&amp;oe=5C65E4C0"/>
           <p:cNvPicPr>
-            <a:picLocks noChangeAspect="1"/>
+            <a:picLocks noChangeAspect="1" noChangeArrowheads="1"/>
           </p:cNvPicPr>
           <p:nvPr/>
         </p:nvPicPr>
         <p:blipFill>
-          <a:blip r:embed="rId2"/>
+          <a:blip r:embed="rId2" cstate="print">
+            <a:extLst>
+              <a:ext uri="{28A0092B-C50C-407E-A947-70E740481C1C}">
+                <a14:useLocalDpi xmlns:a14="http://schemas.microsoft.com/office/drawing/2010/main" val="0"/>
+              </a:ext>
+            </a:extLst>
+          </a:blip>
+          <a:srcRect/>
           <a:stretch>
             <a:fillRect/>
           </a:stretch>
         </p:blipFill>
-        <p:spPr>
+        <p:spPr bwMode="auto">
           <a:xfrm>
-            <a:off x="4187883" y="1168717"/>
-            <a:ext cx="3467100" cy="3057525"/>
+            <a:off x="4671059" y="1091737"/>
+            <a:ext cx="2137064" cy="3799224"/>
           </a:xfrm>
           <a:prstGeom prst="rect">
             <a:avLst/>
           </a:prstGeom>
+          <a:noFill/>
+          <a:extLst>
+            <a:ext uri="{909E8E84-426E-40DD-AFC4-6F175D3DCCD1}">
+              <a14:hiddenFill xmlns:a14="http://schemas.microsoft.com/office/drawing/2010/main">
+                <a:solidFill>
+                  <a:srgbClr val="FFFFFF"/>
+                </a:solidFill>
+              </a14:hiddenFill>
+            </a:ext>
+          </a:extLst>
         </p:spPr>
       </p:pic>
     </p:spTree>
@@ -6136,7 +6217,7 @@
                             </p:stCondLst>
                             <p:childTnLst>
                               <p:par>
-                                <p:cTn id="13" presetID="45" presetClass="entr" presetSubtype="0" fill="hold" nodeType="clickEffect">
+                                <p:cTn id="13" presetID="26" presetClass="entr" presetSubtype="0" fill="hold" grpId="0" nodeType="clickEffect">
                                   <p:stCondLst>
                                     <p:cond delay="0"/>
                                   </p:stCondLst>
@@ -6149,105 +6230,6 @@
                                           </p:stCondLst>
                                         </p:cTn>
                                         <p:tgtEl>
-                                          <p:spTgt spid="4"/>
-                                        </p:tgtEl>
-                                        <p:attrNameLst>
-                                          <p:attrName>style.visibility</p:attrName>
-                                        </p:attrNameLst>
-                                      </p:cBhvr>
-                                      <p:to>
-                                        <p:strVal val="visible"/>
-                                      </p:to>
-                                    </p:set>
-                                    <p:animEffect transition="in" filter="fade">
-                                      <p:cBhvr>
-                                        <p:cTn id="15" dur="2000"/>
-                                        <p:tgtEl>
-                                          <p:spTgt spid="4"/>
-                                        </p:tgtEl>
-                                      </p:cBhvr>
-                                    </p:animEffect>
-                                    <p:anim calcmode="lin" valueType="num">
-                                      <p:cBhvr>
-                                        <p:cTn id="16" dur="2000" fill="hold"/>
-                                        <p:tgtEl>
-                                          <p:spTgt spid="4"/>
-                                        </p:tgtEl>
-                                        <p:attrNameLst>
-                                          <p:attrName>ppt_w</p:attrName>
-                                        </p:attrNameLst>
-                                      </p:cBhvr>
-                                      <p:tavLst>
-                                        <p:tav tm="0" fmla="#ppt_w*sin(2.5*pi*$)">
-                                          <p:val>
-                                            <p:fltVal val="0"/>
-                                          </p:val>
-                                        </p:tav>
-                                        <p:tav tm="100000">
-                                          <p:val>
-                                            <p:fltVal val="1"/>
-                                          </p:val>
-                                        </p:tav>
-                                      </p:tavLst>
-                                    </p:anim>
-                                    <p:anim calcmode="lin" valueType="num">
-                                      <p:cBhvr>
-                                        <p:cTn id="17" dur="2000" fill="hold"/>
-                                        <p:tgtEl>
-                                          <p:spTgt spid="4"/>
-                                        </p:tgtEl>
-                                        <p:attrNameLst>
-                                          <p:attrName>ppt_h</p:attrName>
-                                        </p:attrNameLst>
-                                      </p:cBhvr>
-                                      <p:tavLst>
-                                        <p:tav tm="0">
-                                          <p:val>
-                                            <p:strVal val="#ppt_h"/>
-                                          </p:val>
-                                        </p:tav>
-                                        <p:tav tm="100000">
-                                          <p:val>
-                                            <p:strVal val="#ppt_h"/>
-                                          </p:val>
-                                        </p:tav>
-                                      </p:tavLst>
-                                    </p:anim>
-                                  </p:childTnLst>
-                                </p:cTn>
-                              </p:par>
-                            </p:childTnLst>
-                          </p:cTn>
-                        </p:par>
-                      </p:childTnLst>
-                    </p:cTn>
-                  </p:par>
-                  <p:par>
-                    <p:cTn id="18" fill="hold">
-                      <p:stCondLst>
-                        <p:cond delay="indefinite"/>
-                      </p:stCondLst>
-                      <p:childTnLst>
-                        <p:par>
-                          <p:cTn id="19" fill="hold">
-                            <p:stCondLst>
-                              <p:cond delay="0"/>
-                            </p:stCondLst>
-                            <p:childTnLst>
-                              <p:par>
-                                <p:cTn id="20" presetID="26" presetClass="entr" presetSubtype="0" fill="hold" grpId="0" nodeType="clickEffect">
-                                  <p:stCondLst>
-                                    <p:cond delay="0"/>
-                                  </p:stCondLst>
-                                  <p:childTnLst>
-                                    <p:set>
-                                      <p:cBhvr>
-                                        <p:cTn id="21" dur="1" fill="hold">
-                                          <p:stCondLst>
-                                            <p:cond delay="0"/>
-                                          </p:stCondLst>
-                                        </p:cTn>
-                                        <p:tgtEl>
                                           <p:spTgt spid="6"/>
                                         </p:tgtEl>
                                         <p:attrNameLst>
@@ -6260,7 +6242,7 @@
                                     </p:set>
                                     <p:animEffect transition="in" filter="wipe(down)">
                                       <p:cBhvr>
-                                        <p:cTn id="22" dur="580">
+                                        <p:cTn id="15" dur="580">
                                           <p:stCondLst>
                                             <p:cond delay="0"/>
                                           </p:stCondLst>
@@ -6272,7 +6254,7 @@
                                     </p:animEffect>
                                     <p:anim calcmode="lin" valueType="num">
                                       <p:cBhvr>
-                                        <p:cTn id="23" dur="1822" tmFilter="0,0; 0.14,0.36; 0.43,0.73; 0.71,0.91; 1.0,1.0">
+                                        <p:cTn id="16" dur="1822" tmFilter="0,0; 0.14,0.36; 0.43,0.73; 0.71,0.91; 1.0,1.0">
                                           <p:stCondLst>
                                             <p:cond delay="0"/>
                                           </p:stCondLst>
@@ -6299,7 +6281,7 @@
                                     </p:anim>
                                     <p:anim calcmode="lin" valueType="num">
                                       <p:cBhvr>
-                                        <p:cTn id="24" dur="664" tmFilter="0.0,0.0; 0.25,0.07; 0.50,0.2; 0.75,0.467; 1.0,1.0">
+                                        <p:cTn id="17" dur="664" tmFilter="0.0,0.0; 0.25,0.07; 0.50,0.2; 0.75,0.467; 1.0,1.0">
                                           <p:stCondLst>
                                             <p:cond delay="0"/>
                                           </p:stCondLst>
@@ -6326,7 +6308,7 @@
                                     </p:anim>
                                     <p:anim calcmode="lin" valueType="num">
                                       <p:cBhvr>
-                                        <p:cTn id="25" dur="664" tmFilter="0, 0; 0.125,0.2665; 0.25,0.4; 0.375,0.465; 0.5,0.5;  0.625,0.535; 0.75,0.6; 0.875,0.7335; 1,1">
+                                        <p:cTn id="18" dur="664" tmFilter="0, 0; 0.125,0.2665; 0.25,0.4; 0.375,0.465; 0.5,0.5;  0.625,0.535; 0.75,0.6; 0.875,0.7335; 1,1">
                                           <p:stCondLst>
                                             <p:cond delay="664"/>
                                           </p:stCondLst>
@@ -6353,7 +6335,7 @@
                                     </p:anim>
                                     <p:anim calcmode="lin" valueType="num">
                                       <p:cBhvr>
-                                        <p:cTn id="26" dur="332" tmFilter="0, 0; 0.125,0.2665; 0.25,0.4; 0.375,0.465; 0.5,0.5;  0.625,0.535; 0.75,0.6; 0.875,0.7335; 1,1">
+                                        <p:cTn id="19" dur="332" tmFilter="0, 0; 0.125,0.2665; 0.25,0.4; 0.375,0.465; 0.5,0.5;  0.625,0.535; 0.75,0.6; 0.875,0.7335; 1,1">
                                           <p:stCondLst>
                                             <p:cond delay="1324"/>
                                           </p:stCondLst>
@@ -6380,7 +6362,7 @@
                                     </p:anim>
                                     <p:anim calcmode="lin" valueType="num">
                                       <p:cBhvr>
-                                        <p:cTn id="27" dur="164" tmFilter="0, 0; 0.125,0.2665; 0.25,0.4; 0.375,0.465; 0.5,0.5;  0.625,0.535; 0.75,0.6; 0.875,0.7335; 1,1">
+                                        <p:cTn id="20" dur="164" tmFilter="0, 0; 0.125,0.2665; 0.25,0.4; 0.375,0.465; 0.5,0.5;  0.625,0.535; 0.75,0.6; 0.875,0.7335; 1,1">
                                           <p:stCondLst>
                                             <p:cond delay="1656"/>
                                           </p:stCondLst>
@@ -6407,7 +6389,7 @@
                                     </p:anim>
                                     <p:animScale>
                                       <p:cBhvr>
-                                        <p:cTn id="28" dur="26">
+                                        <p:cTn id="21" dur="26">
                                           <p:stCondLst>
                                             <p:cond delay="650"/>
                                           </p:stCondLst>
@@ -6420,7 +6402,7 @@
                                     </p:animScale>
                                     <p:animScale>
                                       <p:cBhvr>
-                                        <p:cTn id="29" dur="166" decel="50000">
+                                        <p:cTn id="22" dur="166" decel="50000">
                                           <p:stCondLst>
                                             <p:cond delay="676"/>
                                           </p:stCondLst>
@@ -6433,7 +6415,7 @@
                                     </p:animScale>
                                     <p:animScale>
                                       <p:cBhvr>
-                                        <p:cTn id="30" dur="26">
+                                        <p:cTn id="23" dur="26">
                                           <p:stCondLst>
                                             <p:cond delay="1312"/>
                                           </p:stCondLst>
@@ -6446,7 +6428,7 @@
                                     </p:animScale>
                                     <p:animScale>
                                       <p:cBhvr>
-                                        <p:cTn id="31" dur="166" decel="50000">
+                                        <p:cTn id="24" dur="166" decel="50000">
                                           <p:stCondLst>
                                             <p:cond delay="1338"/>
                                           </p:stCondLst>
@@ -6459,7 +6441,7 @@
                                     </p:animScale>
                                     <p:animScale>
                                       <p:cBhvr>
-                                        <p:cTn id="32" dur="26">
+                                        <p:cTn id="25" dur="26">
                                           <p:stCondLst>
                                             <p:cond delay="1642"/>
                                           </p:stCondLst>
@@ -6472,7 +6454,7 @@
                                     </p:animScale>
                                     <p:animScale>
                                       <p:cBhvr>
-                                        <p:cTn id="33" dur="166" decel="50000">
+                                        <p:cTn id="26" dur="166" decel="50000">
                                           <p:stCondLst>
                                             <p:cond delay="1668"/>
                                           </p:stCondLst>
@@ -6485,7 +6467,7 @@
                                     </p:animScale>
                                     <p:animScale>
                                       <p:cBhvr>
-                                        <p:cTn id="34" dur="26">
+                                        <p:cTn id="27" dur="26">
                                           <p:stCondLst>
                                             <p:cond delay="1808"/>
                                           </p:stCondLst>
@@ -6498,7 +6480,7 @@
                                     </p:animScale>
                                     <p:animScale>
                                       <p:cBhvr>
-                                        <p:cTn id="35" dur="166" decel="50000">
+                                        <p:cTn id="28" dur="166" decel="50000">
                                           <p:stCondLst>
                                             <p:cond delay="1834"/>
                                           </p:stCondLst>
@@ -6519,26 +6501,26 @@
                     </p:cTn>
                   </p:par>
                   <p:par>
-                    <p:cTn id="36" fill="hold">
+                    <p:cTn id="29" fill="hold">
                       <p:stCondLst>
                         <p:cond delay="indefinite"/>
                       </p:stCondLst>
                       <p:childTnLst>
                         <p:par>
-                          <p:cTn id="37" fill="hold">
+                          <p:cTn id="30" fill="hold">
                             <p:stCondLst>
                               <p:cond delay="0"/>
                             </p:stCondLst>
                             <p:childTnLst>
                               <p:par>
-                                <p:cTn id="38" presetID="26" presetClass="entr" presetSubtype="0" fill="hold" grpId="0" nodeType="clickEffect">
+                                <p:cTn id="31" presetID="26" presetClass="entr" presetSubtype="0" fill="hold" grpId="0" nodeType="clickEffect">
                                   <p:stCondLst>
                                     <p:cond delay="0"/>
                                   </p:stCondLst>
                                   <p:childTnLst>
                                     <p:set>
                                       <p:cBhvr>
-                                        <p:cTn id="39" dur="1" fill="hold">
+                                        <p:cTn id="32" dur="1" fill="hold">
                                           <p:stCondLst>
                                             <p:cond delay="0"/>
                                           </p:stCondLst>
@@ -6556,7 +6538,7 @@
                                     </p:set>
                                     <p:animEffect transition="in" filter="wipe(down)">
                                       <p:cBhvr>
-                                        <p:cTn id="40" dur="580">
+                                        <p:cTn id="33" dur="580">
                                           <p:stCondLst>
                                             <p:cond delay="0"/>
                                           </p:stCondLst>
@@ -6568,7 +6550,7 @@
                                     </p:animEffect>
                                     <p:anim calcmode="lin" valueType="num">
                                       <p:cBhvr>
-                                        <p:cTn id="41" dur="1822" tmFilter="0,0; 0.14,0.36; 0.43,0.73; 0.71,0.91; 1.0,1.0">
+                                        <p:cTn id="34" dur="1822" tmFilter="0,0; 0.14,0.36; 0.43,0.73; 0.71,0.91; 1.0,1.0">
                                           <p:stCondLst>
                                             <p:cond delay="0"/>
                                           </p:stCondLst>
@@ -6595,7 +6577,7 @@
                                     </p:anim>
                                     <p:anim calcmode="lin" valueType="num">
                                       <p:cBhvr>
-                                        <p:cTn id="42" dur="664" tmFilter="0.0,0.0; 0.25,0.07; 0.50,0.2; 0.75,0.467; 1.0,1.0">
+                                        <p:cTn id="35" dur="664" tmFilter="0.0,0.0; 0.25,0.07; 0.50,0.2; 0.75,0.467; 1.0,1.0">
                                           <p:stCondLst>
                                             <p:cond delay="0"/>
                                           </p:stCondLst>
@@ -6622,7 +6604,7 @@
                                     </p:anim>
                                     <p:anim calcmode="lin" valueType="num">
                                       <p:cBhvr>
-                                        <p:cTn id="43" dur="664" tmFilter="0, 0; 0.125,0.2665; 0.25,0.4; 0.375,0.465; 0.5,0.5;  0.625,0.535; 0.75,0.6; 0.875,0.7335; 1,1">
+                                        <p:cTn id="36" dur="664" tmFilter="0, 0; 0.125,0.2665; 0.25,0.4; 0.375,0.465; 0.5,0.5;  0.625,0.535; 0.75,0.6; 0.875,0.7335; 1,1">
                                           <p:stCondLst>
                                             <p:cond delay="664"/>
                                           </p:stCondLst>
@@ -6649,7 +6631,7 @@
                                     </p:anim>
                                     <p:anim calcmode="lin" valueType="num">
                                       <p:cBhvr>
-                                        <p:cTn id="44" dur="332" tmFilter="0, 0; 0.125,0.2665; 0.25,0.4; 0.375,0.465; 0.5,0.5;  0.625,0.535; 0.75,0.6; 0.875,0.7335; 1,1">
+                                        <p:cTn id="37" dur="332" tmFilter="0, 0; 0.125,0.2665; 0.25,0.4; 0.375,0.465; 0.5,0.5;  0.625,0.535; 0.75,0.6; 0.875,0.7335; 1,1">
                                           <p:stCondLst>
                                             <p:cond delay="1324"/>
                                           </p:stCondLst>
@@ -6676,7 +6658,7 @@
                                     </p:anim>
                                     <p:anim calcmode="lin" valueType="num">
                                       <p:cBhvr>
-                                        <p:cTn id="45" dur="164" tmFilter="0, 0; 0.125,0.2665; 0.25,0.4; 0.375,0.465; 0.5,0.5;  0.625,0.535; 0.75,0.6; 0.875,0.7335; 1,1">
+                                        <p:cTn id="38" dur="164" tmFilter="0, 0; 0.125,0.2665; 0.25,0.4; 0.375,0.465; 0.5,0.5;  0.625,0.535; 0.75,0.6; 0.875,0.7335; 1,1">
                                           <p:stCondLst>
                                             <p:cond delay="1656"/>
                                           </p:stCondLst>
@@ -6703,7 +6685,7 @@
                                     </p:anim>
                                     <p:animScale>
                                       <p:cBhvr>
-                                        <p:cTn id="46" dur="26">
+                                        <p:cTn id="39" dur="26">
                                           <p:stCondLst>
                                             <p:cond delay="650"/>
                                           </p:stCondLst>
@@ -6716,7 +6698,7 @@
                                     </p:animScale>
                                     <p:animScale>
                                       <p:cBhvr>
-                                        <p:cTn id="47" dur="166" decel="50000">
+                                        <p:cTn id="40" dur="166" decel="50000">
                                           <p:stCondLst>
                                             <p:cond delay="676"/>
                                           </p:stCondLst>
@@ -6729,7 +6711,7 @@
                                     </p:animScale>
                                     <p:animScale>
                                       <p:cBhvr>
-                                        <p:cTn id="48" dur="26">
+                                        <p:cTn id="41" dur="26">
                                           <p:stCondLst>
                                             <p:cond delay="1312"/>
                                           </p:stCondLst>
@@ -6742,7 +6724,7 @@
                                     </p:animScale>
                                     <p:animScale>
                                       <p:cBhvr>
-                                        <p:cTn id="49" dur="166" decel="50000">
+                                        <p:cTn id="42" dur="166" decel="50000">
                                           <p:stCondLst>
                                             <p:cond delay="1338"/>
                                           </p:stCondLst>
@@ -6755,7 +6737,7 @@
                                     </p:animScale>
                                     <p:animScale>
                                       <p:cBhvr>
-                                        <p:cTn id="50" dur="26">
+                                        <p:cTn id="43" dur="26">
                                           <p:stCondLst>
                                             <p:cond delay="1642"/>
                                           </p:stCondLst>
@@ -6768,7 +6750,7 @@
                                     </p:animScale>
                                     <p:animScale>
                                       <p:cBhvr>
-                                        <p:cTn id="51" dur="166" decel="50000">
+                                        <p:cTn id="44" dur="166" decel="50000">
                                           <p:stCondLst>
                                             <p:cond delay="1668"/>
                                           </p:stCondLst>
@@ -6781,7 +6763,7 @@
                                     </p:animScale>
                                     <p:animScale>
                                       <p:cBhvr>
-                                        <p:cTn id="52" dur="26">
+                                        <p:cTn id="45" dur="26">
                                           <p:stCondLst>
                                             <p:cond delay="1808"/>
                                           </p:stCondLst>
@@ -6794,13 +6776,309 @@
                                     </p:animScale>
                                     <p:animScale>
                                       <p:cBhvr>
-                                        <p:cTn id="53" dur="166" decel="50000">
+                                        <p:cTn id="46" dur="166" decel="50000">
                                           <p:stCondLst>
                                             <p:cond delay="1834"/>
                                           </p:stCondLst>
                                         </p:cTn>
                                         <p:tgtEl>
                                           <p:spTgt spid="3"/>
+                                        </p:tgtEl>
+                                      </p:cBhvr>
+                                      <p:to x="100000" y="100000"/>
+                                    </p:animScale>
+                                  </p:childTnLst>
+                                </p:cTn>
+                              </p:par>
+                            </p:childTnLst>
+                          </p:cTn>
+                        </p:par>
+                      </p:childTnLst>
+                    </p:cTn>
+                  </p:par>
+                  <p:par>
+                    <p:cTn id="47" fill="hold">
+                      <p:stCondLst>
+                        <p:cond delay="indefinite"/>
+                      </p:stCondLst>
+                      <p:childTnLst>
+                        <p:par>
+                          <p:cTn id="48" fill="hold">
+                            <p:stCondLst>
+                              <p:cond delay="0"/>
+                            </p:stCondLst>
+                            <p:childTnLst>
+                              <p:par>
+                                <p:cTn id="49" presetID="26" presetClass="entr" presetSubtype="0" fill="hold" nodeType="clickEffect">
+                                  <p:stCondLst>
+                                    <p:cond delay="0"/>
+                                  </p:stCondLst>
+                                  <p:childTnLst>
+                                    <p:set>
+                                      <p:cBhvr>
+                                        <p:cTn id="50" dur="1" fill="hold">
+                                          <p:stCondLst>
+                                            <p:cond delay="0"/>
+                                          </p:stCondLst>
+                                        </p:cTn>
+                                        <p:tgtEl>
+                                          <p:spTgt spid="4098"/>
+                                        </p:tgtEl>
+                                        <p:attrNameLst>
+                                          <p:attrName>style.visibility</p:attrName>
+                                        </p:attrNameLst>
+                                      </p:cBhvr>
+                                      <p:to>
+                                        <p:strVal val="visible"/>
+                                      </p:to>
+                                    </p:set>
+                                    <p:animEffect transition="in" filter="wipe(down)">
+                                      <p:cBhvr>
+                                        <p:cTn id="51" dur="580">
+                                          <p:stCondLst>
+                                            <p:cond delay="0"/>
+                                          </p:stCondLst>
+                                        </p:cTn>
+                                        <p:tgtEl>
+                                          <p:spTgt spid="4098"/>
+                                        </p:tgtEl>
+                                      </p:cBhvr>
+                                    </p:animEffect>
+                                    <p:anim calcmode="lin" valueType="num">
+                                      <p:cBhvr>
+                                        <p:cTn id="52" dur="1822" tmFilter="0,0; 0.14,0.36; 0.43,0.73; 0.71,0.91; 1.0,1.0">
+                                          <p:stCondLst>
+                                            <p:cond delay="0"/>
+                                          </p:stCondLst>
+                                        </p:cTn>
+                                        <p:tgtEl>
+                                          <p:spTgt spid="4098"/>
+                                        </p:tgtEl>
+                                        <p:attrNameLst>
+                                          <p:attrName>ppt_x</p:attrName>
+                                        </p:attrNameLst>
+                                      </p:cBhvr>
+                                      <p:tavLst>
+                                        <p:tav tm="0">
+                                          <p:val>
+                                            <p:strVal val="#ppt_x-0.25"/>
+                                          </p:val>
+                                        </p:tav>
+                                        <p:tav tm="100000">
+                                          <p:val>
+                                            <p:strVal val="#ppt_x"/>
+                                          </p:val>
+                                        </p:tav>
+                                      </p:tavLst>
+                                    </p:anim>
+                                    <p:anim calcmode="lin" valueType="num">
+                                      <p:cBhvr>
+                                        <p:cTn id="53" dur="664" tmFilter="0.0,0.0; 0.25,0.07; 0.50,0.2; 0.75,0.467; 1.0,1.0">
+                                          <p:stCondLst>
+                                            <p:cond delay="0"/>
+                                          </p:stCondLst>
+                                        </p:cTn>
+                                        <p:tgtEl>
+                                          <p:spTgt spid="4098"/>
+                                        </p:tgtEl>
+                                        <p:attrNameLst>
+                                          <p:attrName>ppt_y</p:attrName>
+                                        </p:attrNameLst>
+                                      </p:cBhvr>
+                                      <p:tavLst>
+                                        <p:tav tm="0" fmla="#ppt_y-sin(pi*$)/3">
+                                          <p:val>
+                                            <p:fltVal val="0.5"/>
+                                          </p:val>
+                                        </p:tav>
+                                        <p:tav tm="100000">
+                                          <p:val>
+                                            <p:fltVal val="1"/>
+                                          </p:val>
+                                        </p:tav>
+                                      </p:tavLst>
+                                    </p:anim>
+                                    <p:anim calcmode="lin" valueType="num">
+                                      <p:cBhvr>
+                                        <p:cTn id="54" dur="664" tmFilter="0, 0; 0.125,0.2665; 0.25,0.4; 0.375,0.465; 0.5,0.5;  0.625,0.535; 0.75,0.6; 0.875,0.7335; 1,1">
+                                          <p:stCondLst>
+                                            <p:cond delay="664"/>
+                                          </p:stCondLst>
+                                        </p:cTn>
+                                        <p:tgtEl>
+                                          <p:spTgt spid="4098"/>
+                                        </p:tgtEl>
+                                        <p:attrNameLst>
+                                          <p:attrName>ppt_y</p:attrName>
+                                        </p:attrNameLst>
+                                      </p:cBhvr>
+                                      <p:tavLst>
+                                        <p:tav tm="0" fmla="#ppt_y-sin(pi*$)/9">
+                                          <p:val>
+                                            <p:fltVal val="0"/>
+                                          </p:val>
+                                        </p:tav>
+                                        <p:tav tm="100000">
+                                          <p:val>
+                                            <p:fltVal val="1"/>
+                                          </p:val>
+                                        </p:tav>
+                                      </p:tavLst>
+                                    </p:anim>
+                                    <p:anim calcmode="lin" valueType="num">
+                                      <p:cBhvr>
+                                        <p:cTn id="55" dur="332" tmFilter="0, 0; 0.125,0.2665; 0.25,0.4; 0.375,0.465; 0.5,0.5;  0.625,0.535; 0.75,0.6; 0.875,0.7335; 1,1">
+                                          <p:stCondLst>
+                                            <p:cond delay="1324"/>
+                                          </p:stCondLst>
+                                        </p:cTn>
+                                        <p:tgtEl>
+                                          <p:spTgt spid="4098"/>
+                                        </p:tgtEl>
+                                        <p:attrNameLst>
+                                          <p:attrName>ppt_y</p:attrName>
+                                        </p:attrNameLst>
+                                      </p:cBhvr>
+                                      <p:tavLst>
+                                        <p:tav tm="0" fmla="#ppt_y-sin(pi*$)/27">
+                                          <p:val>
+                                            <p:fltVal val="0"/>
+                                          </p:val>
+                                        </p:tav>
+                                        <p:tav tm="100000">
+                                          <p:val>
+                                            <p:fltVal val="1"/>
+                                          </p:val>
+                                        </p:tav>
+                                      </p:tavLst>
+                                    </p:anim>
+                                    <p:anim calcmode="lin" valueType="num">
+                                      <p:cBhvr>
+                                        <p:cTn id="56" dur="164" tmFilter="0, 0; 0.125,0.2665; 0.25,0.4; 0.375,0.465; 0.5,0.5;  0.625,0.535; 0.75,0.6; 0.875,0.7335; 1,1">
+                                          <p:stCondLst>
+                                            <p:cond delay="1656"/>
+                                          </p:stCondLst>
+                                        </p:cTn>
+                                        <p:tgtEl>
+                                          <p:spTgt spid="4098"/>
+                                        </p:tgtEl>
+                                        <p:attrNameLst>
+                                          <p:attrName>ppt_y</p:attrName>
+                                        </p:attrNameLst>
+                                      </p:cBhvr>
+                                      <p:tavLst>
+                                        <p:tav tm="0" fmla="#ppt_y-sin(pi*$)/81">
+                                          <p:val>
+                                            <p:fltVal val="0"/>
+                                          </p:val>
+                                        </p:tav>
+                                        <p:tav tm="100000">
+                                          <p:val>
+                                            <p:fltVal val="1"/>
+                                          </p:val>
+                                        </p:tav>
+                                      </p:tavLst>
+                                    </p:anim>
+                                    <p:animScale>
+                                      <p:cBhvr>
+                                        <p:cTn id="57" dur="26">
+                                          <p:stCondLst>
+                                            <p:cond delay="650"/>
+                                          </p:stCondLst>
+                                        </p:cTn>
+                                        <p:tgtEl>
+                                          <p:spTgt spid="4098"/>
+                                        </p:tgtEl>
+                                      </p:cBhvr>
+                                      <p:to x="100000" y="60000"/>
+                                    </p:animScale>
+                                    <p:animScale>
+                                      <p:cBhvr>
+                                        <p:cTn id="58" dur="166" decel="50000">
+                                          <p:stCondLst>
+                                            <p:cond delay="676"/>
+                                          </p:stCondLst>
+                                        </p:cTn>
+                                        <p:tgtEl>
+                                          <p:spTgt spid="4098"/>
+                                        </p:tgtEl>
+                                      </p:cBhvr>
+                                      <p:to x="100000" y="100000"/>
+                                    </p:animScale>
+                                    <p:animScale>
+                                      <p:cBhvr>
+                                        <p:cTn id="59" dur="26">
+                                          <p:stCondLst>
+                                            <p:cond delay="1312"/>
+                                          </p:stCondLst>
+                                        </p:cTn>
+                                        <p:tgtEl>
+                                          <p:spTgt spid="4098"/>
+                                        </p:tgtEl>
+                                      </p:cBhvr>
+                                      <p:to x="100000" y="80000"/>
+                                    </p:animScale>
+                                    <p:animScale>
+                                      <p:cBhvr>
+                                        <p:cTn id="60" dur="166" decel="50000">
+                                          <p:stCondLst>
+                                            <p:cond delay="1338"/>
+                                          </p:stCondLst>
+                                        </p:cTn>
+                                        <p:tgtEl>
+                                          <p:spTgt spid="4098"/>
+                                        </p:tgtEl>
+                                      </p:cBhvr>
+                                      <p:to x="100000" y="100000"/>
+                                    </p:animScale>
+                                    <p:animScale>
+                                      <p:cBhvr>
+                                        <p:cTn id="61" dur="26">
+                                          <p:stCondLst>
+                                            <p:cond delay="1642"/>
+                                          </p:stCondLst>
+                                        </p:cTn>
+                                        <p:tgtEl>
+                                          <p:spTgt spid="4098"/>
+                                        </p:tgtEl>
+                                      </p:cBhvr>
+                                      <p:to x="100000" y="90000"/>
+                                    </p:animScale>
+                                    <p:animScale>
+                                      <p:cBhvr>
+                                        <p:cTn id="62" dur="166" decel="50000">
+                                          <p:stCondLst>
+                                            <p:cond delay="1668"/>
+                                          </p:stCondLst>
+                                        </p:cTn>
+                                        <p:tgtEl>
+                                          <p:spTgt spid="4098"/>
+                                        </p:tgtEl>
+                                      </p:cBhvr>
+                                      <p:to x="100000" y="100000"/>
+                                    </p:animScale>
+                                    <p:animScale>
+                                      <p:cBhvr>
+                                        <p:cTn id="63" dur="26">
+                                          <p:stCondLst>
+                                            <p:cond delay="1808"/>
+                                          </p:stCondLst>
+                                        </p:cTn>
+                                        <p:tgtEl>
+                                          <p:spTgt spid="4098"/>
+                                        </p:tgtEl>
+                                      </p:cBhvr>
+                                      <p:to x="100000" y="95000"/>
+                                    </p:animScale>
+                                    <p:animScale>
+                                      <p:cBhvr>
+                                        <p:cTn id="64" dur="166" decel="50000">
+                                          <p:stCondLst>
+                                            <p:cond delay="1834"/>
+                                          </p:stCondLst>
+                                        </p:cTn>
+                                        <p:tgtEl>
+                                          <p:spTgt spid="4098"/>
                                         </p:tgtEl>
                                       </p:cBhvr>
                                       <p:to x="100000" y="100000"/>
@@ -7094,26 +7372,43 @@
       </p:sp>
       <p:pic>
         <p:nvPicPr>
-          <p:cNvPr id="5" name="Picture 4"/>
+          <p:cNvPr id="5122" name="Picture 2" descr="https://scontent.fbkk5-5.fna.fbcdn.net/v/t1.15752-9/46296290_1920240988012711_7477453511609810944_n.png?_nc_cat=104&amp;_nc_pt=1&amp;_nc_ht=scontent.fbkk5-5.fna&amp;oh=0ddd75e2567645857b9f12b6fbe72ed9&amp;oe=5C859F9D"/>
           <p:cNvPicPr>
-            <a:picLocks noChangeAspect="1"/>
+            <a:picLocks noChangeAspect="1" noChangeArrowheads="1"/>
           </p:cNvPicPr>
           <p:nvPr/>
         </p:nvPicPr>
         <p:blipFill>
-          <a:blip r:embed="rId2"/>
+          <a:blip r:embed="rId2" cstate="print">
+            <a:extLst>
+              <a:ext uri="{28A0092B-C50C-407E-A947-70E740481C1C}">
+                <a14:useLocalDpi xmlns:a14="http://schemas.microsoft.com/office/drawing/2010/main" val="0"/>
+              </a:ext>
+            </a:extLst>
+          </a:blip>
+          <a:srcRect/>
           <a:stretch>
             <a:fillRect/>
           </a:stretch>
         </p:blipFill>
-        <p:spPr>
+        <p:spPr bwMode="auto">
           <a:xfrm>
-            <a:off x="3928975" y="925483"/>
-            <a:ext cx="3802248" cy="3189317"/>
+            <a:off x="5053445" y="804630"/>
+            <a:ext cx="2133173" cy="3792308"/>
           </a:xfrm>
           <a:prstGeom prst="rect">
             <a:avLst/>
           </a:prstGeom>
+          <a:noFill/>
+          <a:extLst>
+            <a:ext uri="{909E8E84-426E-40DD-AFC4-6F175D3DCCD1}">
+              <a14:hiddenFill xmlns:a14="http://schemas.microsoft.com/office/drawing/2010/main">
+                <a:solidFill>
+                  <a:srgbClr val="FFFFFF"/>
+                </a:solidFill>
+              </a14:hiddenFill>
+            </a:ext>
+          </a:extLst>
         </p:spPr>
       </p:pic>
     </p:spTree>
@@ -7269,7 +7564,7 @@
                             </p:stCondLst>
                             <p:childTnLst>
                               <p:par>
-                                <p:cTn id="13" presetID="45" presetClass="entr" presetSubtype="0" fill="hold" nodeType="clickEffect">
+                                <p:cTn id="13" presetID="26" presetClass="entr" presetSubtype="0" fill="hold" grpId="0" nodeType="clickEffect">
                                   <p:stCondLst>
                                     <p:cond delay="0"/>
                                   </p:stCondLst>
@@ -7282,105 +7577,6 @@
                                           </p:stCondLst>
                                         </p:cTn>
                                         <p:tgtEl>
-                                          <p:spTgt spid="5"/>
-                                        </p:tgtEl>
-                                        <p:attrNameLst>
-                                          <p:attrName>style.visibility</p:attrName>
-                                        </p:attrNameLst>
-                                      </p:cBhvr>
-                                      <p:to>
-                                        <p:strVal val="visible"/>
-                                      </p:to>
-                                    </p:set>
-                                    <p:animEffect transition="in" filter="fade">
-                                      <p:cBhvr>
-                                        <p:cTn id="15" dur="2000"/>
-                                        <p:tgtEl>
-                                          <p:spTgt spid="5"/>
-                                        </p:tgtEl>
-                                      </p:cBhvr>
-                                    </p:animEffect>
-                                    <p:anim calcmode="lin" valueType="num">
-                                      <p:cBhvr>
-                                        <p:cTn id="16" dur="2000" fill="hold"/>
-                                        <p:tgtEl>
-                                          <p:spTgt spid="5"/>
-                                        </p:tgtEl>
-                                        <p:attrNameLst>
-                                          <p:attrName>ppt_w</p:attrName>
-                                        </p:attrNameLst>
-                                      </p:cBhvr>
-                                      <p:tavLst>
-                                        <p:tav tm="0" fmla="#ppt_w*sin(2.5*pi*$)">
-                                          <p:val>
-                                            <p:fltVal val="0"/>
-                                          </p:val>
-                                        </p:tav>
-                                        <p:tav tm="100000">
-                                          <p:val>
-                                            <p:fltVal val="1"/>
-                                          </p:val>
-                                        </p:tav>
-                                      </p:tavLst>
-                                    </p:anim>
-                                    <p:anim calcmode="lin" valueType="num">
-                                      <p:cBhvr>
-                                        <p:cTn id="17" dur="2000" fill="hold"/>
-                                        <p:tgtEl>
-                                          <p:spTgt spid="5"/>
-                                        </p:tgtEl>
-                                        <p:attrNameLst>
-                                          <p:attrName>ppt_h</p:attrName>
-                                        </p:attrNameLst>
-                                      </p:cBhvr>
-                                      <p:tavLst>
-                                        <p:tav tm="0">
-                                          <p:val>
-                                            <p:strVal val="#ppt_h"/>
-                                          </p:val>
-                                        </p:tav>
-                                        <p:tav tm="100000">
-                                          <p:val>
-                                            <p:strVal val="#ppt_h"/>
-                                          </p:val>
-                                        </p:tav>
-                                      </p:tavLst>
-                                    </p:anim>
-                                  </p:childTnLst>
-                                </p:cTn>
-                              </p:par>
-                            </p:childTnLst>
-                          </p:cTn>
-                        </p:par>
-                      </p:childTnLst>
-                    </p:cTn>
-                  </p:par>
-                  <p:par>
-                    <p:cTn id="18" fill="hold">
-                      <p:stCondLst>
-                        <p:cond delay="indefinite"/>
-                      </p:stCondLst>
-                      <p:childTnLst>
-                        <p:par>
-                          <p:cTn id="19" fill="hold">
-                            <p:stCondLst>
-                              <p:cond delay="0"/>
-                            </p:stCondLst>
-                            <p:childTnLst>
-                              <p:par>
-                                <p:cTn id="20" presetID="26" presetClass="entr" presetSubtype="0" fill="hold" grpId="0" nodeType="clickEffect">
-                                  <p:stCondLst>
-                                    <p:cond delay="0"/>
-                                  </p:stCondLst>
-                                  <p:childTnLst>
-                                    <p:set>
-                                      <p:cBhvr>
-                                        <p:cTn id="21" dur="1" fill="hold">
-                                          <p:stCondLst>
-                                            <p:cond delay="0"/>
-                                          </p:stCondLst>
-                                        </p:cTn>
-                                        <p:tgtEl>
                                           <p:spTgt spid="6"/>
                                         </p:tgtEl>
                                         <p:attrNameLst>
@@ -7393,7 +7589,7 @@
                                     </p:set>
                                     <p:animEffect transition="in" filter="wipe(down)">
                                       <p:cBhvr>
-                                        <p:cTn id="22" dur="580">
+                                        <p:cTn id="15" dur="580">
                                           <p:stCondLst>
                                             <p:cond delay="0"/>
                                           </p:stCondLst>
@@ -7405,7 +7601,7 @@
                                     </p:animEffect>
                                     <p:anim calcmode="lin" valueType="num">
                                       <p:cBhvr>
-                                        <p:cTn id="23" dur="1822" tmFilter="0,0; 0.14,0.36; 0.43,0.73; 0.71,0.91; 1.0,1.0">
+                                        <p:cTn id="16" dur="1822" tmFilter="0,0; 0.14,0.36; 0.43,0.73; 0.71,0.91; 1.0,1.0">
                                           <p:stCondLst>
                                             <p:cond delay="0"/>
                                           </p:stCondLst>
@@ -7432,7 +7628,7 @@
                                     </p:anim>
                                     <p:anim calcmode="lin" valueType="num">
                                       <p:cBhvr>
-                                        <p:cTn id="24" dur="664" tmFilter="0.0,0.0; 0.25,0.07; 0.50,0.2; 0.75,0.467; 1.0,1.0">
+                                        <p:cTn id="17" dur="664" tmFilter="0.0,0.0; 0.25,0.07; 0.50,0.2; 0.75,0.467; 1.0,1.0">
                                           <p:stCondLst>
                                             <p:cond delay="0"/>
                                           </p:stCondLst>
@@ -7459,7 +7655,7 @@
                                     </p:anim>
                                     <p:anim calcmode="lin" valueType="num">
                                       <p:cBhvr>
-                                        <p:cTn id="25" dur="664" tmFilter="0, 0; 0.125,0.2665; 0.25,0.4; 0.375,0.465; 0.5,0.5;  0.625,0.535; 0.75,0.6; 0.875,0.7335; 1,1">
+                                        <p:cTn id="18" dur="664" tmFilter="0, 0; 0.125,0.2665; 0.25,0.4; 0.375,0.465; 0.5,0.5;  0.625,0.535; 0.75,0.6; 0.875,0.7335; 1,1">
                                           <p:stCondLst>
                                             <p:cond delay="664"/>
                                           </p:stCondLst>
@@ -7486,7 +7682,7 @@
                                     </p:anim>
                                     <p:anim calcmode="lin" valueType="num">
                                       <p:cBhvr>
-                                        <p:cTn id="26" dur="332" tmFilter="0, 0; 0.125,0.2665; 0.25,0.4; 0.375,0.465; 0.5,0.5;  0.625,0.535; 0.75,0.6; 0.875,0.7335; 1,1">
+                                        <p:cTn id="19" dur="332" tmFilter="0, 0; 0.125,0.2665; 0.25,0.4; 0.375,0.465; 0.5,0.5;  0.625,0.535; 0.75,0.6; 0.875,0.7335; 1,1">
                                           <p:stCondLst>
                                             <p:cond delay="1324"/>
                                           </p:stCondLst>
@@ -7513,7 +7709,7 @@
                                     </p:anim>
                                     <p:anim calcmode="lin" valueType="num">
                                       <p:cBhvr>
-                                        <p:cTn id="27" dur="164" tmFilter="0, 0; 0.125,0.2665; 0.25,0.4; 0.375,0.465; 0.5,0.5;  0.625,0.535; 0.75,0.6; 0.875,0.7335; 1,1">
+                                        <p:cTn id="20" dur="164" tmFilter="0, 0; 0.125,0.2665; 0.25,0.4; 0.375,0.465; 0.5,0.5;  0.625,0.535; 0.75,0.6; 0.875,0.7335; 1,1">
                                           <p:stCondLst>
                                             <p:cond delay="1656"/>
                                           </p:stCondLst>
@@ -7540,7 +7736,7 @@
                                     </p:anim>
                                     <p:animScale>
                                       <p:cBhvr>
-                                        <p:cTn id="28" dur="26">
+                                        <p:cTn id="21" dur="26">
                                           <p:stCondLst>
                                             <p:cond delay="650"/>
                                           </p:stCondLst>
@@ -7553,7 +7749,7 @@
                                     </p:animScale>
                                     <p:animScale>
                                       <p:cBhvr>
-                                        <p:cTn id="29" dur="166" decel="50000">
+                                        <p:cTn id="22" dur="166" decel="50000">
                                           <p:stCondLst>
                                             <p:cond delay="676"/>
                                           </p:stCondLst>
@@ -7566,7 +7762,7 @@
                                     </p:animScale>
                                     <p:animScale>
                                       <p:cBhvr>
-                                        <p:cTn id="30" dur="26">
+                                        <p:cTn id="23" dur="26">
                                           <p:stCondLst>
                                             <p:cond delay="1312"/>
                                           </p:stCondLst>
@@ -7579,7 +7775,7 @@
                                     </p:animScale>
                                     <p:animScale>
                                       <p:cBhvr>
-                                        <p:cTn id="31" dur="166" decel="50000">
+                                        <p:cTn id="24" dur="166" decel="50000">
                                           <p:stCondLst>
                                             <p:cond delay="1338"/>
                                           </p:stCondLst>
@@ -7592,7 +7788,7 @@
                                     </p:animScale>
                                     <p:animScale>
                                       <p:cBhvr>
-                                        <p:cTn id="32" dur="26">
+                                        <p:cTn id="25" dur="26">
                                           <p:stCondLst>
                                             <p:cond delay="1642"/>
                                           </p:stCondLst>
@@ -7605,7 +7801,7 @@
                                     </p:animScale>
                                     <p:animScale>
                                       <p:cBhvr>
-                                        <p:cTn id="33" dur="166" decel="50000">
+                                        <p:cTn id="26" dur="166" decel="50000">
                                           <p:stCondLst>
                                             <p:cond delay="1668"/>
                                           </p:stCondLst>
@@ -7618,7 +7814,7 @@
                                     </p:animScale>
                                     <p:animScale>
                                       <p:cBhvr>
-                                        <p:cTn id="34" dur="26">
+                                        <p:cTn id="27" dur="26">
                                           <p:stCondLst>
                                             <p:cond delay="1808"/>
                                           </p:stCondLst>
@@ -7631,7 +7827,7 @@
                                     </p:animScale>
                                     <p:animScale>
                                       <p:cBhvr>
-                                        <p:cTn id="35" dur="166" decel="50000">
+                                        <p:cTn id="28" dur="166" decel="50000">
                                           <p:stCondLst>
                                             <p:cond delay="1834"/>
                                           </p:stCondLst>
@@ -7652,26 +7848,26 @@
                     </p:cTn>
                   </p:par>
                   <p:par>
-                    <p:cTn id="36" fill="hold">
+                    <p:cTn id="29" fill="hold">
                       <p:stCondLst>
                         <p:cond delay="indefinite"/>
                       </p:stCondLst>
                       <p:childTnLst>
                         <p:par>
-                          <p:cTn id="37" fill="hold">
+                          <p:cTn id="30" fill="hold">
                             <p:stCondLst>
                               <p:cond delay="0"/>
                             </p:stCondLst>
                             <p:childTnLst>
                               <p:par>
-                                <p:cTn id="38" presetID="26" presetClass="entr" presetSubtype="0" fill="hold" grpId="0" nodeType="clickEffect">
+                                <p:cTn id="31" presetID="26" presetClass="entr" presetSubtype="0" fill="hold" grpId="0" nodeType="clickEffect">
                                   <p:stCondLst>
                                     <p:cond delay="0"/>
                                   </p:stCondLst>
                                   <p:childTnLst>
                                     <p:set>
                                       <p:cBhvr>
-                                        <p:cTn id="39" dur="1" fill="hold">
+                                        <p:cTn id="32" dur="1" fill="hold">
                                           <p:stCondLst>
                                             <p:cond delay="0"/>
                                           </p:stCondLst>
@@ -7689,7 +7885,7 @@
                                     </p:set>
                                     <p:animEffect transition="in" filter="wipe(down)">
                                       <p:cBhvr>
-                                        <p:cTn id="40" dur="580">
+                                        <p:cTn id="33" dur="580">
                                           <p:stCondLst>
                                             <p:cond delay="0"/>
                                           </p:stCondLst>
@@ -7701,7 +7897,7 @@
                                     </p:animEffect>
                                     <p:anim calcmode="lin" valueType="num">
                                       <p:cBhvr>
-                                        <p:cTn id="41" dur="1822" tmFilter="0,0; 0.14,0.36; 0.43,0.73; 0.71,0.91; 1.0,1.0">
+                                        <p:cTn id="34" dur="1822" tmFilter="0,0; 0.14,0.36; 0.43,0.73; 0.71,0.91; 1.0,1.0">
                                           <p:stCondLst>
                                             <p:cond delay="0"/>
                                           </p:stCondLst>
@@ -7728,7 +7924,7 @@
                                     </p:anim>
                                     <p:anim calcmode="lin" valueType="num">
                                       <p:cBhvr>
-                                        <p:cTn id="42" dur="664" tmFilter="0.0,0.0; 0.25,0.07; 0.50,0.2; 0.75,0.467; 1.0,1.0">
+                                        <p:cTn id="35" dur="664" tmFilter="0.0,0.0; 0.25,0.07; 0.50,0.2; 0.75,0.467; 1.0,1.0">
                                           <p:stCondLst>
                                             <p:cond delay="0"/>
                                           </p:stCondLst>
@@ -7755,7 +7951,7 @@
                                     </p:anim>
                                     <p:anim calcmode="lin" valueType="num">
                                       <p:cBhvr>
-                                        <p:cTn id="43" dur="664" tmFilter="0, 0; 0.125,0.2665; 0.25,0.4; 0.375,0.465; 0.5,0.5;  0.625,0.535; 0.75,0.6; 0.875,0.7335; 1,1">
+                                        <p:cTn id="36" dur="664" tmFilter="0, 0; 0.125,0.2665; 0.25,0.4; 0.375,0.465; 0.5,0.5;  0.625,0.535; 0.75,0.6; 0.875,0.7335; 1,1">
                                           <p:stCondLst>
                                             <p:cond delay="664"/>
                                           </p:stCondLst>
@@ -7782,7 +7978,7 @@
                                     </p:anim>
                                     <p:anim calcmode="lin" valueType="num">
                                       <p:cBhvr>
-                                        <p:cTn id="44" dur="332" tmFilter="0, 0; 0.125,0.2665; 0.25,0.4; 0.375,0.465; 0.5,0.5;  0.625,0.535; 0.75,0.6; 0.875,0.7335; 1,1">
+                                        <p:cTn id="37" dur="332" tmFilter="0, 0; 0.125,0.2665; 0.25,0.4; 0.375,0.465; 0.5,0.5;  0.625,0.535; 0.75,0.6; 0.875,0.7335; 1,1">
                                           <p:stCondLst>
                                             <p:cond delay="1324"/>
                                           </p:stCondLst>
@@ -7809,7 +8005,7 @@
                                     </p:anim>
                                     <p:anim calcmode="lin" valueType="num">
                                       <p:cBhvr>
-                                        <p:cTn id="45" dur="164" tmFilter="0, 0; 0.125,0.2665; 0.25,0.4; 0.375,0.465; 0.5,0.5;  0.625,0.535; 0.75,0.6; 0.875,0.7335; 1,1">
+                                        <p:cTn id="38" dur="164" tmFilter="0, 0; 0.125,0.2665; 0.25,0.4; 0.375,0.465; 0.5,0.5;  0.625,0.535; 0.75,0.6; 0.875,0.7335; 1,1">
                                           <p:stCondLst>
                                             <p:cond delay="1656"/>
                                           </p:stCondLst>
@@ -7836,7 +8032,7 @@
                                     </p:anim>
                                     <p:animScale>
                                       <p:cBhvr>
-                                        <p:cTn id="46" dur="26">
+                                        <p:cTn id="39" dur="26">
                                           <p:stCondLst>
                                             <p:cond delay="650"/>
                                           </p:stCondLst>
@@ -7849,7 +8045,7 @@
                                     </p:animScale>
                                     <p:animScale>
                                       <p:cBhvr>
-                                        <p:cTn id="47" dur="166" decel="50000">
+                                        <p:cTn id="40" dur="166" decel="50000">
                                           <p:stCondLst>
                                             <p:cond delay="676"/>
                                           </p:stCondLst>
@@ -7862,7 +8058,7 @@
                                     </p:animScale>
                                     <p:animScale>
                                       <p:cBhvr>
-                                        <p:cTn id="48" dur="26">
+                                        <p:cTn id="41" dur="26">
                                           <p:stCondLst>
                                             <p:cond delay="1312"/>
                                           </p:stCondLst>
@@ -7875,7 +8071,7 @@
                                     </p:animScale>
                                     <p:animScale>
                                       <p:cBhvr>
-                                        <p:cTn id="49" dur="166" decel="50000">
+                                        <p:cTn id="42" dur="166" decel="50000">
                                           <p:stCondLst>
                                             <p:cond delay="1338"/>
                                           </p:stCondLst>
@@ -7888,7 +8084,7 @@
                                     </p:animScale>
                                     <p:animScale>
                                       <p:cBhvr>
-                                        <p:cTn id="50" dur="26">
+                                        <p:cTn id="43" dur="26">
                                           <p:stCondLst>
                                             <p:cond delay="1642"/>
                                           </p:stCondLst>
@@ -7901,7 +8097,7 @@
                                     </p:animScale>
                                     <p:animScale>
                                       <p:cBhvr>
-                                        <p:cTn id="51" dur="166" decel="50000">
+                                        <p:cTn id="44" dur="166" decel="50000">
                                           <p:stCondLst>
                                             <p:cond delay="1668"/>
                                           </p:stCondLst>
@@ -7914,7 +8110,7 @@
                                     </p:animScale>
                                     <p:animScale>
                                       <p:cBhvr>
-                                        <p:cTn id="52" dur="26">
+                                        <p:cTn id="45" dur="26">
                                           <p:stCondLst>
                                             <p:cond delay="1808"/>
                                           </p:stCondLst>
@@ -7927,7 +8123,7 @@
                                     </p:animScale>
                                     <p:animScale>
                                       <p:cBhvr>
-                                        <p:cTn id="53" dur="166" decel="50000">
+                                        <p:cTn id="46" dur="166" decel="50000">
                                           <p:stCondLst>
                                             <p:cond delay="1834"/>
                                           </p:stCondLst>
@@ -7938,6 +8134,105 @@
                                       </p:cBhvr>
                                       <p:to x="100000" y="100000"/>
                                     </p:animScale>
+                                  </p:childTnLst>
+                                </p:cTn>
+                              </p:par>
+                            </p:childTnLst>
+                          </p:cTn>
+                        </p:par>
+                      </p:childTnLst>
+                    </p:cTn>
+                  </p:par>
+                  <p:par>
+                    <p:cTn id="47" fill="hold">
+                      <p:stCondLst>
+                        <p:cond delay="indefinite"/>
+                      </p:stCondLst>
+                      <p:childTnLst>
+                        <p:par>
+                          <p:cTn id="48" fill="hold">
+                            <p:stCondLst>
+                              <p:cond delay="0"/>
+                            </p:stCondLst>
+                            <p:childTnLst>
+                              <p:par>
+                                <p:cTn id="49" presetID="45" presetClass="entr" presetSubtype="0" fill="hold" nodeType="clickEffect">
+                                  <p:stCondLst>
+                                    <p:cond delay="0"/>
+                                  </p:stCondLst>
+                                  <p:childTnLst>
+                                    <p:set>
+                                      <p:cBhvr>
+                                        <p:cTn id="50" dur="1" fill="hold">
+                                          <p:stCondLst>
+                                            <p:cond delay="0"/>
+                                          </p:stCondLst>
+                                        </p:cTn>
+                                        <p:tgtEl>
+                                          <p:spTgt spid="5122"/>
+                                        </p:tgtEl>
+                                        <p:attrNameLst>
+                                          <p:attrName>style.visibility</p:attrName>
+                                        </p:attrNameLst>
+                                      </p:cBhvr>
+                                      <p:to>
+                                        <p:strVal val="visible"/>
+                                      </p:to>
+                                    </p:set>
+                                    <p:animEffect transition="in" filter="fade">
+                                      <p:cBhvr>
+                                        <p:cTn id="51" dur="2000"/>
+                                        <p:tgtEl>
+                                          <p:spTgt spid="5122"/>
+                                        </p:tgtEl>
+                                      </p:cBhvr>
+                                    </p:animEffect>
+                                    <p:anim calcmode="lin" valueType="num">
+                                      <p:cBhvr>
+                                        <p:cTn id="52" dur="2000" fill="hold"/>
+                                        <p:tgtEl>
+                                          <p:spTgt spid="5122"/>
+                                        </p:tgtEl>
+                                        <p:attrNameLst>
+                                          <p:attrName>ppt_w</p:attrName>
+                                        </p:attrNameLst>
+                                      </p:cBhvr>
+                                      <p:tavLst>
+                                        <p:tav tm="0" fmla="#ppt_w*sin(2.5*pi*$)">
+                                          <p:val>
+                                            <p:fltVal val="0"/>
+                                          </p:val>
+                                        </p:tav>
+                                        <p:tav tm="100000">
+                                          <p:val>
+                                            <p:fltVal val="1"/>
+                                          </p:val>
+                                        </p:tav>
+                                      </p:tavLst>
+                                    </p:anim>
+                                    <p:anim calcmode="lin" valueType="num">
+                                      <p:cBhvr>
+                                        <p:cTn id="53" dur="2000" fill="hold"/>
+                                        <p:tgtEl>
+                                          <p:spTgt spid="5122"/>
+                                        </p:tgtEl>
+                                        <p:attrNameLst>
+                                          <p:attrName>ppt_h</p:attrName>
+                                        </p:attrNameLst>
+                                      </p:cBhvr>
+                                      <p:tavLst>
+                                        <p:tav tm="0">
+                                          <p:val>
+                                            <p:strVal val="#ppt_h"/>
+                                          </p:val>
+                                        </p:tav>
+                                        <p:tav tm="100000">
+                                          <p:val>
+                                            <p:strVal val="#ppt_h"/>
+                                          </p:val>
+                                        </p:tav>
+                                      </p:tavLst>
+                                    </p:anim>
                                   </p:childTnLst>
                                 </p:cTn>
                               </p:par>
@@ -8215,26 +8510,43 @@
       </p:sp>
       <p:pic>
         <p:nvPicPr>
-          <p:cNvPr id="4" name="Picture 3"/>
+          <p:cNvPr id="6146" name="Picture 2" descr="https://scontent.fbkk5-3.fna.fbcdn.net/v/t1.15752-9/46366166_2166015996763407_216603008987824128_n.png?_nc_cat=105&amp;_nc_pt=1&amp;_nc_ht=scontent.fbkk5-3.fna&amp;oh=99ee1eb19ac335fc05d2337a4e1830c2&amp;oe=5C757321"/>
           <p:cNvPicPr>
-            <a:picLocks noChangeAspect="1"/>
+            <a:picLocks noChangeAspect="1" noChangeArrowheads="1"/>
           </p:cNvPicPr>
           <p:nvPr/>
         </p:nvPicPr>
         <p:blipFill>
-          <a:blip r:embed="rId2"/>
+          <a:blip r:embed="rId2" cstate="print">
+            <a:extLst>
+              <a:ext uri="{28A0092B-C50C-407E-A947-70E740481C1C}">
+                <a14:useLocalDpi xmlns:a14="http://schemas.microsoft.com/office/drawing/2010/main" val="0"/>
+              </a:ext>
+            </a:extLst>
+          </a:blip>
+          <a:srcRect/>
           <a:stretch>
             <a:fillRect/>
           </a:stretch>
         </p:blipFill>
-        <p:spPr>
+        <p:spPr bwMode="auto">
           <a:xfrm>
-            <a:off x="3310544" y="665019"/>
-            <a:ext cx="4389120" cy="3541222"/>
+            <a:off x="5060278" y="748145"/>
+            <a:ext cx="2080779" cy="3699164"/>
           </a:xfrm>
           <a:prstGeom prst="rect">
             <a:avLst/>
           </a:prstGeom>
+          <a:noFill/>
+          <a:extLst>
+            <a:ext uri="{909E8E84-426E-40DD-AFC4-6F175D3DCCD1}">
+              <a14:hiddenFill xmlns:a14="http://schemas.microsoft.com/office/drawing/2010/main">
+                <a:solidFill>
+                  <a:srgbClr val="FFFFFF"/>
+                </a:solidFill>
+              </a14:hiddenFill>
+            </a:ext>
+          </a:extLst>
         </p:spPr>
       </p:pic>
     </p:spTree>
@@ -8390,7 +8702,7 @@
                             </p:stCondLst>
                             <p:childTnLst>
                               <p:par>
-                                <p:cTn id="13" presetID="45" presetClass="entr" presetSubtype="0" fill="hold" nodeType="clickEffect">
+                                <p:cTn id="13" presetID="26" presetClass="entr" presetSubtype="0" fill="hold" grpId="0" nodeType="clickEffect">
                                   <p:stCondLst>
                                     <p:cond delay="0"/>
                                   </p:stCondLst>
@@ -8403,105 +8715,6 @@
                                           </p:stCondLst>
                                         </p:cTn>
                                         <p:tgtEl>
-                                          <p:spTgt spid="4"/>
-                                        </p:tgtEl>
-                                        <p:attrNameLst>
-                                          <p:attrName>style.visibility</p:attrName>
-                                        </p:attrNameLst>
-                                      </p:cBhvr>
-                                      <p:to>
-                                        <p:strVal val="visible"/>
-                                      </p:to>
-                                    </p:set>
-                                    <p:animEffect transition="in" filter="fade">
-                                      <p:cBhvr>
-                                        <p:cTn id="15" dur="2000"/>
-                                        <p:tgtEl>
-                                          <p:spTgt spid="4"/>
-                                        </p:tgtEl>
-                                      </p:cBhvr>
-                                    </p:animEffect>
-                                    <p:anim calcmode="lin" valueType="num">
-                                      <p:cBhvr>
-                                        <p:cTn id="16" dur="2000" fill="hold"/>
-                                        <p:tgtEl>
-                                          <p:spTgt spid="4"/>
-                                        </p:tgtEl>
-                                        <p:attrNameLst>
-                                          <p:attrName>ppt_w</p:attrName>
-                                        </p:attrNameLst>
-                                      </p:cBhvr>
-                                      <p:tavLst>
-                                        <p:tav tm="0" fmla="#ppt_w*sin(2.5*pi*$)">
-                                          <p:val>
-                                            <p:fltVal val="0"/>
-                                          </p:val>
-                                        </p:tav>
-                                        <p:tav tm="100000">
-                                          <p:val>
-                                            <p:fltVal val="1"/>
-                                          </p:val>
-                                        </p:tav>
-                                      </p:tavLst>
-                                    </p:anim>
-                                    <p:anim calcmode="lin" valueType="num">
-                                      <p:cBhvr>
-                                        <p:cTn id="17" dur="2000" fill="hold"/>
-                                        <p:tgtEl>
-                                          <p:spTgt spid="4"/>
-                                        </p:tgtEl>
-                                        <p:attrNameLst>
-                                          <p:attrName>ppt_h</p:attrName>
-                                        </p:attrNameLst>
-                                      </p:cBhvr>
-                                      <p:tavLst>
-                                        <p:tav tm="0">
-                                          <p:val>
-                                            <p:strVal val="#ppt_h"/>
-                                          </p:val>
-                                        </p:tav>
-                                        <p:tav tm="100000">
-                                          <p:val>
-                                            <p:strVal val="#ppt_h"/>
-                                          </p:val>
-                                        </p:tav>
-                                      </p:tavLst>
-                                    </p:anim>
-                                  </p:childTnLst>
-                                </p:cTn>
-                              </p:par>
-                            </p:childTnLst>
-                          </p:cTn>
-                        </p:par>
-                      </p:childTnLst>
-                    </p:cTn>
-                  </p:par>
-                  <p:par>
-                    <p:cTn id="18" fill="hold">
-                      <p:stCondLst>
-                        <p:cond delay="indefinite"/>
-                      </p:stCondLst>
-                      <p:childTnLst>
-                        <p:par>
-                          <p:cTn id="19" fill="hold">
-                            <p:stCondLst>
-                              <p:cond delay="0"/>
-                            </p:stCondLst>
-                            <p:childTnLst>
-                              <p:par>
-                                <p:cTn id="20" presetID="26" presetClass="entr" presetSubtype="0" fill="hold" grpId="0" nodeType="clickEffect">
-                                  <p:stCondLst>
-                                    <p:cond delay="0"/>
-                                  </p:stCondLst>
-                                  <p:childTnLst>
-                                    <p:set>
-                                      <p:cBhvr>
-                                        <p:cTn id="21" dur="1" fill="hold">
-                                          <p:stCondLst>
-                                            <p:cond delay="0"/>
-                                          </p:stCondLst>
-                                        </p:cTn>
-                                        <p:tgtEl>
                                           <p:spTgt spid="6"/>
                                         </p:tgtEl>
                                         <p:attrNameLst>
@@ -8514,7 +8727,7 @@
                                     </p:set>
                                     <p:animEffect transition="in" filter="wipe(down)">
                                       <p:cBhvr>
-                                        <p:cTn id="22" dur="580">
+                                        <p:cTn id="15" dur="580">
                                           <p:stCondLst>
                                             <p:cond delay="0"/>
                                           </p:stCondLst>
@@ -8526,7 +8739,7 @@
                                     </p:animEffect>
                                     <p:anim calcmode="lin" valueType="num">
                                       <p:cBhvr>
-                                        <p:cTn id="23" dur="1822" tmFilter="0,0; 0.14,0.36; 0.43,0.73; 0.71,0.91; 1.0,1.0">
+                                        <p:cTn id="16" dur="1822" tmFilter="0,0; 0.14,0.36; 0.43,0.73; 0.71,0.91; 1.0,1.0">
                                           <p:stCondLst>
                                             <p:cond delay="0"/>
                                           </p:stCondLst>
@@ -8553,7 +8766,7 @@
                                     </p:anim>
                                     <p:anim calcmode="lin" valueType="num">
                                       <p:cBhvr>
-                                        <p:cTn id="24" dur="664" tmFilter="0.0,0.0; 0.25,0.07; 0.50,0.2; 0.75,0.467; 1.0,1.0">
+                                        <p:cTn id="17" dur="664" tmFilter="0.0,0.0; 0.25,0.07; 0.50,0.2; 0.75,0.467; 1.0,1.0">
                                           <p:stCondLst>
                                             <p:cond delay="0"/>
                                           </p:stCondLst>
@@ -8580,7 +8793,7 @@
                                     </p:anim>
                                     <p:anim calcmode="lin" valueType="num">
                                       <p:cBhvr>
-                                        <p:cTn id="25" dur="664" tmFilter="0, 0; 0.125,0.2665; 0.25,0.4; 0.375,0.465; 0.5,0.5;  0.625,0.535; 0.75,0.6; 0.875,0.7335; 1,1">
+                                        <p:cTn id="18" dur="664" tmFilter="0, 0; 0.125,0.2665; 0.25,0.4; 0.375,0.465; 0.5,0.5;  0.625,0.535; 0.75,0.6; 0.875,0.7335; 1,1">
                                           <p:stCondLst>
                                             <p:cond delay="664"/>
                                           </p:stCondLst>
@@ -8607,7 +8820,7 @@
                                     </p:anim>
                                     <p:anim calcmode="lin" valueType="num">
                                       <p:cBhvr>
-                                        <p:cTn id="26" dur="332" tmFilter="0, 0; 0.125,0.2665; 0.25,0.4; 0.375,0.465; 0.5,0.5;  0.625,0.535; 0.75,0.6; 0.875,0.7335; 1,1">
+                                        <p:cTn id="19" dur="332" tmFilter="0, 0; 0.125,0.2665; 0.25,0.4; 0.375,0.465; 0.5,0.5;  0.625,0.535; 0.75,0.6; 0.875,0.7335; 1,1">
                                           <p:stCondLst>
                                             <p:cond delay="1324"/>
                                           </p:stCondLst>
@@ -8634,7 +8847,7 @@
                                     </p:anim>
                                     <p:anim calcmode="lin" valueType="num">
                                       <p:cBhvr>
-                                        <p:cTn id="27" dur="164" tmFilter="0, 0; 0.125,0.2665; 0.25,0.4; 0.375,0.465; 0.5,0.5;  0.625,0.535; 0.75,0.6; 0.875,0.7335; 1,1">
+                                        <p:cTn id="20" dur="164" tmFilter="0, 0; 0.125,0.2665; 0.25,0.4; 0.375,0.465; 0.5,0.5;  0.625,0.535; 0.75,0.6; 0.875,0.7335; 1,1">
                                           <p:stCondLst>
                                             <p:cond delay="1656"/>
                                           </p:stCondLst>
@@ -8661,7 +8874,7 @@
                                     </p:anim>
                                     <p:animScale>
                                       <p:cBhvr>
-                                        <p:cTn id="28" dur="26">
+                                        <p:cTn id="21" dur="26">
                                           <p:stCondLst>
                                             <p:cond delay="650"/>
                                           </p:stCondLst>
@@ -8674,7 +8887,7 @@
                                     </p:animScale>
                                     <p:animScale>
                                       <p:cBhvr>
-                                        <p:cTn id="29" dur="166" decel="50000">
+                                        <p:cTn id="22" dur="166" decel="50000">
                                           <p:stCondLst>
                                             <p:cond delay="676"/>
                                           </p:stCondLst>
@@ -8687,7 +8900,7 @@
                                     </p:animScale>
                                     <p:animScale>
                                       <p:cBhvr>
-                                        <p:cTn id="30" dur="26">
+                                        <p:cTn id="23" dur="26">
                                           <p:stCondLst>
                                             <p:cond delay="1312"/>
                                           </p:stCondLst>
@@ -8700,7 +8913,7 @@
                                     </p:animScale>
                                     <p:animScale>
                                       <p:cBhvr>
-                                        <p:cTn id="31" dur="166" decel="50000">
+                                        <p:cTn id="24" dur="166" decel="50000">
                                           <p:stCondLst>
                                             <p:cond delay="1338"/>
                                           </p:stCondLst>
@@ -8713,7 +8926,7 @@
                                     </p:animScale>
                                     <p:animScale>
                                       <p:cBhvr>
-                                        <p:cTn id="32" dur="26">
+                                        <p:cTn id="25" dur="26">
                                           <p:stCondLst>
                                             <p:cond delay="1642"/>
                                           </p:stCondLst>
@@ -8726,7 +8939,7 @@
                                     </p:animScale>
                                     <p:animScale>
                                       <p:cBhvr>
-                                        <p:cTn id="33" dur="166" decel="50000">
+                                        <p:cTn id="26" dur="166" decel="50000">
                                           <p:stCondLst>
                                             <p:cond delay="1668"/>
                                           </p:stCondLst>
@@ -8739,7 +8952,7 @@
                                     </p:animScale>
                                     <p:animScale>
                                       <p:cBhvr>
-                                        <p:cTn id="34" dur="26">
+                                        <p:cTn id="27" dur="26">
                                           <p:stCondLst>
                                             <p:cond delay="1808"/>
                                           </p:stCondLst>
@@ -8752,7 +8965,7 @@
                                     </p:animScale>
                                     <p:animScale>
                                       <p:cBhvr>
-                                        <p:cTn id="35" dur="166" decel="50000">
+                                        <p:cTn id="28" dur="166" decel="50000">
                                           <p:stCondLst>
                                             <p:cond delay="1834"/>
                                           </p:stCondLst>
@@ -8773,26 +8986,26 @@
                     </p:cTn>
                   </p:par>
                   <p:par>
-                    <p:cTn id="36" fill="hold">
+                    <p:cTn id="29" fill="hold">
                       <p:stCondLst>
                         <p:cond delay="indefinite"/>
                       </p:stCondLst>
                       <p:childTnLst>
                         <p:par>
-                          <p:cTn id="37" fill="hold">
+                          <p:cTn id="30" fill="hold">
                             <p:stCondLst>
                               <p:cond delay="0"/>
                             </p:stCondLst>
                             <p:childTnLst>
                               <p:par>
-                                <p:cTn id="38" presetID="26" presetClass="entr" presetSubtype="0" fill="hold" grpId="0" nodeType="clickEffect">
+                                <p:cTn id="31" presetID="26" presetClass="entr" presetSubtype="0" fill="hold" grpId="0" nodeType="clickEffect">
                                   <p:stCondLst>
                                     <p:cond delay="0"/>
                                   </p:stCondLst>
                                   <p:childTnLst>
                                     <p:set>
                                       <p:cBhvr>
-                                        <p:cTn id="39" dur="1" fill="hold">
+                                        <p:cTn id="32" dur="1" fill="hold">
                                           <p:stCondLst>
                                             <p:cond delay="0"/>
                                           </p:stCondLst>
@@ -8810,7 +9023,7 @@
                                     </p:set>
                                     <p:animEffect transition="in" filter="wipe(down)">
                                       <p:cBhvr>
-                                        <p:cTn id="40" dur="580">
+                                        <p:cTn id="33" dur="580">
                                           <p:stCondLst>
                                             <p:cond delay="0"/>
                                           </p:stCondLst>
@@ -8822,7 +9035,7 @@
                                     </p:animEffect>
                                     <p:anim calcmode="lin" valueType="num">
                                       <p:cBhvr>
-                                        <p:cTn id="41" dur="1822" tmFilter="0,0; 0.14,0.36; 0.43,0.73; 0.71,0.91; 1.0,1.0">
+                                        <p:cTn id="34" dur="1822" tmFilter="0,0; 0.14,0.36; 0.43,0.73; 0.71,0.91; 1.0,1.0">
                                           <p:stCondLst>
                                             <p:cond delay="0"/>
                                           </p:stCondLst>
@@ -8849,7 +9062,7 @@
                                     </p:anim>
                                     <p:anim calcmode="lin" valueType="num">
                                       <p:cBhvr>
-                                        <p:cTn id="42" dur="664" tmFilter="0.0,0.0; 0.25,0.07; 0.50,0.2; 0.75,0.467; 1.0,1.0">
+                                        <p:cTn id="35" dur="664" tmFilter="0.0,0.0; 0.25,0.07; 0.50,0.2; 0.75,0.467; 1.0,1.0">
                                           <p:stCondLst>
                                             <p:cond delay="0"/>
                                           </p:stCondLst>
@@ -8876,7 +9089,7 @@
                                     </p:anim>
                                     <p:anim calcmode="lin" valueType="num">
                                       <p:cBhvr>
-                                        <p:cTn id="43" dur="664" tmFilter="0, 0; 0.125,0.2665; 0.25,0.4; 0.375,0.465; 0.5,0.5;  0.625,0.535; 0.75,0.6; 0.875,0.7335; 1,1">
+                                        <p:cTn id="36" dur="664" tmFilter="0, 0; 0.125,0.2665; 0.25,0.4; 0.375,0.465; 0.5,0.5;  0.625,0.535; 0.75,0.6; 0.875,0.7335; 1,1">
                                           <p:stCondLst>
                                             <p:cond delay="664"/>
                                           </p:stCondLst>
@@ -8903,7 +9116,7 @@
                                     </p:anim>
                                     <p:anim calcmode="lin" valueType="num">
                                       <p:cBhvr>
-                                        <p:cTn id="44" dur="332" tmFilter="0, 0; 0.125,0.2665; 0.25,0.4; 0.375,0.465; 0.5,0.5;  0.625,0.535; 0.75,0.6; 0.875,0.7335; 1,1">
+                                        <p:cTn id="37" dur="332" tmFilter="0, 0; 0.125,0.2665; 0.25,0.4; 0.375,0.465; 0.5,0.5;  0.625,0.535; 0.75,0.6; 0.875,0.7335; 1,1">
                                           <p:stCondLst>
                                             <p:cond delay="1324"/>
                                           </p:stCondLst>
@@ -8930,7 +9143,7 @@
                                     </p:anim>
                                     <p:anim calcmode="lin" valueType="num">
                                       <p:cBhvr>
-                                        <p:cTn id="45" dur="164" tmFilter="0, 0; 0.125,0.2665; 0.25,0.4; 0.375,0.465; 0.5,0.5;  0.625,0.535; 0.75,0.6; 0.875,0.7335; 1,1">
+                                        <p:cTn id="38" dur="164" tmFilter="0, 0; 0.125,0.2665; 0.25,0.4; 0.375,0.465; 0.5,0.5;  0.625,0.535; 0.75,0.6; 0.875,0.7335; 1,1">
                                           <p:stCondLst>
                                             <p:cond delay="1656"/>
                                           </p:stCondLst>
@@ -8957,7 +9170,7 @@
                                     </p:anim>
                                     <p:animScale>
                                       <p:cBhvr>
-                                        <p:cTn id="46" dur="26">
+                                        <p:cTn id="39" dur="26">
                                           <p:stCondLst>
                                             <p:cond delay="650"/>
                                           </p:stCondLst>
@@ -8970,7 +9183,7 @@
                                     </p:animScale>
                                     <p:animScale>
                                       <p:cBhvr>
-                                        <p:cTn id="47" dur="166" decel="50000">
+                                        <p:cTn id="40" dur="166" decel="50000">
                                           <p:stCondLst>
                                             <p:cond delay="676"/>
                                           </p:stCondLst>
@@ -8983,7 +9196,7 @@
                                     </p:animScale>
                                     <p:animScale>
                                       <p:cBhvr>
-                                        <p:cTn id="48" dur="26">
+                                        <p:cTn id="41" dur="26">
                                           <p:stCondLst>
                                             <p:cond delay="1312"/>
                                           </p:stCondLst>
@@ -8996,7 +9209,7 @@
                                     </p:animScale>
                                     <p:animScale>
                                       <p:cBhvr>
-                                        <p:cTn id="49" dur="166" decel="50000">
+                                        <p:cTn id="42" dur="166" decel="50000">
                                           <p:stCondLst>
                                             <p:cond delay="1338"/>
                                           </p:stCondLst>
@@ -9009,7 +9222,7 @@
                                     </p:animScale>
                                     <p:animScale>
                                       <p:cBhvr>
-                                        <p:cTn id="50" dur="26">
+                                        <p:cTn id="43" dur="26">
                                           <p:stCondLst>
                                             <p:cond delay="1642"/>
                                           </p:stCondLst>
@@ -9022,7 +9235,7 @@
                                     </p:animScale>
                                     <p:animScale>
                                       <p:cBhvr>
-                                        <p:cTn id="51" dur="166" decel="50000">
+                                        <p:cTn id="44" dur="166" decel="50000">
                                           <p:stCondLst>
                                             <p:cond delay="1668"/>
                                           </p:stCondLst>
@@ -9035,7 +9248,7 @@
                                     </p:animScale>
                                     <p:animScale>
                                       <p:cBhvr>
-                                        <p:cTn id="52" dur="26">
+                                        <p:cTn id="45" dur="26">
                                           <p:stCondLst>
                                             <p:cond delay="1808"/>
                                           </p:stCondLst>
@@ -9048,13 +9261,309 @@
                                     </p:animScale>
                                     <p:animScale>
                                       <p:cBhvr>
-                                        <p:cTn id="53" dur="166" decel="50000">
+                                        <p:cTn id="46" dur="166" decel="50000">
                                           <p:stCondLst>
                                             <p:cond delay="1834"/>
                                           </p:stCondLst>
                                         </p:cTn>
                                         <p:tgtEl>
                                           <p:spTgt spid="3"/>
+                                        </p:tgtEl>
+                                      </p:cBhvr>
+                                      <p:to x="100000" y="100000"/>
+                                    </p:animScale>
+                                  </p:childTnLst>
+                                </p:cTn>
+                              </p:par>
+                            </p:childTnLst>
+                          </p:cTn>
+                        </p:par>
+                      </p:childTnLst>
+                    </p:cTn>
+                  </p:par>
+                  <p:par>
+                    <p:cTn id="47" fill="hold">
+                      <p:stCondLst>
+                        <p:cond delay="indefinite"/>
+                      </p:stCondLst>
+                      <p:childTnLst>
+                        <p:par>
+                          <p:cTn id="48" fill="hold">
+                            <p:stCondLst>
+                              <p:cond delay="0"/>
+                            </p:stCondLst>
+                            <p:childTnLst>
+                              <p:par>
+                                <p:cTn id="49" presetID="26" presetClass="entr" presetSubtype="0" fill="hold" nodeType="clickEffect">
+                                  <p:stCondLst>
+                                    <p:cond delay="0"/>
+                                  </p:stCondLst>
+                                  <p:childTnLst>
+                                    <p:set>
+                                      <p:cBhvr>
+                                        <p:cTn id="50" dur="1" fill="hold">
+                                          <p:stCondLst>
+                                            <p:cond delay="0"/>
+                                          </p:stCondLst>
+                                        </p:cTn>
+                                        <p:tgtEl>
+                                          <p:spTgt spid="6146"/>
+                                        </p:tgtEl>
+                                        <p:attrNameLst>
+                                          <p:attrName>style.visibility</p:attrName>
+                                        </p:attrNameLst>
+                                      </p:cBhvr>
+                                      <p:to>
+                                        <p:strVal val="visible"/>
+                                      </p:to>
+                                    </p:set>
+                                    <p:animEffect transition="in" filter="wipe(down)">
+                                      <p:cBhvr>
+                                        <p:cTn id="51" dur="580">
+                                          <p:stCondLst>
+                                            <p:cond delay="0"/>
+                                          </p:stCondLst>
+                                        </p:cTn>
+                                        <p:tgtEl>
+                                          <p:spTgt spid="6146"/>
+                                        </p:tgtEl>
+                                      </p:cBhvr>
+                                    </p:animEffect>
+                                    <p:anim calcmode="lin" valueType="num">
+                                      <p:cBhvr>
+                                        <p:cTn id="52" dur="1822" tmFilter="0,0; 0.14,0.36; 0.43,0.73; 0.71,0.91; 1.0,1.0">
+                                          <p:stCondLst>
+                                            <p:cond delay="0"/>
+                                          </p:stCondLst>
+                                        </p:cTn>
+                                        <p:tgtEl>
+                                          <p:spTgt spid="6146"/>
+                                        </p:tgtEl>
+                                        <p:attrNameLst>
+                                          <p:attrName>ppt_x</p:attrName>
+                                        </p:attrNameLst>
+                                      </p:cBhvr>
+                                      <p:tavLst>
+                                        <p:tav tm="0">
+                                          <p:val>
+                                            <p:strVal val="#ppt_x-0.25"/>
+                                          </p:val>
+                                        </p:tav>
+                                        <p:tav tm="100000">
+                                          <p:val>
+                                            <p:strVal val="#ppt_x"/>
+                                          </p:val>
+                                        </p:tav>
+                                      </p:tavLst>
+                                    </p:anim>
+                                    <p:anim calcmode="lin" valueType="num">
+                                      <p:cBhvr>
+                                        <p:cTn id="53" dur="664" tmFilter="0.0,0.0; 0.25,0.07; 0.50,0.2; 0.75,0.467; 1.0,1.0">
+                                          <p:stCondLst>
+                                            <p:cond delay="0"/>
+                                          </p:stCondLst>
+                                        </p:cTn>
+                                        <p:tgtEl>
+                                          <p:spTgt spid="6146"/>
+                                        </p:tgtEl>
+                                        <p:attrNameLst>
+                                          <p:attrName>ppt_y</p:attrName>
+                                        </p:attrNameLst>
+                                      </p:cBhvr>
+                                      <p:tavLst>
+                                        <p:tav tm="0" fmla="#ppt_y-sin(pi*$)/3">
+                                          <p:val>
+                                            <p:fltVal val="0.5"/>
+                                          </p:val>
+                                        </p:tav>
+                                        <p:tav tm="100000">
+                                          <p:val>
+                                            <p:fltVal val="1"/>
+                                          </p:val>
+                                        </p:tav>
+                                      </p:tavLst>
+                                    </p:anim>
+                                    <p:anim calcmode="lin" valueType="num">
+                                      <p:cBhvr>
+                                        <p:cTn id="54" dur="664" tmFilter="0, 0; 0.125,0.2665; 0.25,0.4; 0.375,0.465; 0.5,0.5;  0.625,0.535; 0.75,0.6; 0.875,0.7335; 1,1">
+                                          <p:stCondLst>
+                                            <p:cond delay="664"/>
+                                          </p:stCondLst>
+                                        </p:cTn>
+                                        <p:tgtEl>
+                                          <p:spTgt spid="6146"/>
+                                        </p:tgtEl>
+                                        <p:attrNameLst>
+                                          <p:attrName>ppt_y</p:attrName>
+                                        </p:attrNameLst>
+                                      </p:cBhvr>
+                                      <p:tavLst>
+                                        <p:tav tm="0" fmla="#ppt_y-sin(pi*$)/9">
+                                          <p:val>
+                                            <p:fltVal val="0"/>
+                                          </p:val>
+                                        </p:tav>
+                                        <p:tav tm="100000">
+                                          <p:val>
+                                            <p:fltVal val="1"/>
+                                          </p:val>
+                                        </p:tav>
+                                      </p:tavLst>
+                                    </p:anim>
+                                    <p:anim calcmode="lin" valueType="num">
+                                      <p:cBhvr>
+                                        <p:cTn id="55" dur="332" tmFilter="0, 0; 0.125,0.2665; 0.25,0.4; 0.375,0.465; 0.5,0.5;  0.625,0.535; 0.75,0.6; 0.875,0.7335; 1,1">
+                                          <p:stCondLst>
+                                            <p:cond delay="1324"/>
+                                          </p:stCondLst>
+                                        </p:cTn>
+                                        <p:tgtEl>
+                                          <p:spTgt spid="6146"/>
+                                        </p:tgtEl>
+                                        <p:attrNameLst>
+                                          <p:attrName>ppt_y</p:attrName>
+                                        </p:attrNameLst>
+                                      </p:cBhvr>
+                                      <p:tavLst>
+                                        <p:tav tm="0" fmla="#ppt_y-sin(pi*$)/27">
+                                          <p:val>
+                                            <p:fltVal val="0"/>
+                                          </p:val>
+                                        </p:tav>
+                                        <p:tav tm="100000">
+                                          <p:val>
+                                            <p:fltVal val="1"/>
+                                          </p:val>
+                                        </p:tav>
+                                      </p:tavLst>
+                                    </p:anim>
+                                    <p:anim calcmode="lin" valueType="num">
+                                      <p:cBhvr>
+                                        <p:cTn id="56" dur="164" tmFilter="0, 0; 0.125,0.2665; 0.25,0.4; 0.375,0.465; 0.5,0.5;  0.625,0.535; 0.75,0.6; 0.875,0.7335; 1,1">
+                                          <p:stCondLst>
+                                            <p:cond delay="1656"/>
+                                          </p:stCondLst>
+                                        </p:cTn>
+                                        <p:tgtEl>
+                                          <p:spTgt spid="6146"/>
+                                        </p:tgtEl>
+                                        <p:attrNameLst>
+                                          <p:attrName>ppt_y</p:attrName>
+                                        </p:attrNameLst>
+                                      </p:cBhvr>
+                                      <p:tavLst>
+                                        <p:tav tm="0" fmla="#ppt_y-sin(pi*$)/81">
+                                          <p:val>
+                                            <p:fltVal val="0"/>
+                                          </p:val>
+                                        </p:tav>
+                                        <p:tav tm="100000">
+                                          <p:val>
+                                            <p:fltVal val="1"/>
+                                          </p:val>
+                                        </p:tav>
+                                      </p:tavLst>
+                                    </p:anim>
+                                    <p:animScale>
+                                      <p:cBhvr>
+                                        <p:cTn id="57" dur="26">
+                                          <p:stCondLst>
+                                            <p:cond delay="650"/>
+                                          </p:stCondLst>
+                                        </p:cTn>
+                                        <p:tgtEl>
+                                          <p:spTgt spid="6146"/>
+                                        </p:tgtEl>
+                                      </p:cBhvr>
+                                      <p:to x="100000" y="60000"/>
+                                    </p:animScale>
+                                    <p:animScale>
+                                      <p:cBhvr>
+                                        <p:cTn id="58" dur="166" decel="50000">
+                                          <p:stCondLst>
+                                            <p:cond delay="676"/>
+                                          </p:stCondLst>
+                                        </p:cTn>
+                                        <p:tgtEl>
+                                          <p:spTgt spid="6146"/>
+                                        </p:tgtEl>
+                                      </p:cBhvr>
+                                      <p:to x="100000" y="100000"/>
+                                    </p:animScale>
+                                    <p:animScale>
+                                      <p:cBhvr>
+                                        <p:cTn id="59" dur="26">
+                                          <p:stCondLst>
+                                            <p:cond delay="1312"/>
+                                          </p:stCondLst>
+                                        </p:cTn>
+                                        <p:tgtEl>
+                                          <p:spTgt spid="6146"/>
+                                        </p:tgtEl>
+                                      </p:cBhvr>
+                                      <p:to x="100000" y="80000"/>
+                                    </p:animScale>
+                                    <p:animScale>
+                                      <p:cBhvr>
+                                        <p:cTn id="60" dur="166" decel="50000">
+                                          <p:stCondLst>
+                                            <p:cond delay="1338"/>
+                                          </p:stCondLst>
+                                        </p:cTn>
+                                        <p:tgtEl>
+                                          <p:spTgt spid="6146"/>
+                                        </p:tgtEl>
+                                      </p:cBhvr>
+                                      <p:to x="100000" y="100000"/>
+                                    </p:animScale>
+                                    <p:animScale>
+                                      <p:cBhvr>
+                                        <p:cTn id="61" dur="26">
+                                          <p:stCondLst>
+                                            <p:cond delay="1642"/>
+                                          </p:stCondLst>
+                                        </p:cTn>
+                                        <p:tgtEl>
+                                          <p:spTgt spid="6146"/>
+                                        </p:tgtEl>
+                                      </p:cBhvr>
+                                      <p:to x="100000" y="90000"/>
+                                    </p:animScale>
+                                    <p:animScale>
+                                      <p:cBhvr>
+                                        <p:cTn id="62" dur="166" decel="50000">
+                                          <p:stCondLst>
+                                            <p:cond delay="1668"/>
+                                          </p:stCondLst>
+                                        </p:cTn>
+                                        <p:tgtEl>
+                                          <p:spTgt spid="6146"/>
+                                        </p:tgtEl>
+                                      </p:cBhvr>
+                                      <p:to x="100000" y="100000"/>
+                                    </p:animScale>
+                                    <p:animScale>
+                                      <p:cBhvr>
+                                        <p:cTn id="63" dur="26">
+                                          <p:stCondLst>
+                                            <p:cond delay="1808"/>
+                                          </p:stCondLst>
+                                        </p:cTn>
+                                        <p:tgtEl>
+                                          <p:spTgt spid="6146"/>
+                                        </p:tgtEl>
+                                      </p:cBhvr>
+                                      <p:to x="100000" y="95000"/>
+                                    </p:animScale>
+                                    <p:animScale>
+                                      <p:cBhvr>
+                                        <p:cTn id="64" dur="166" decel="50000">
+                                          <p:stCondLst>
+                                            <p:cond delay="1834"/>
+                                          </p:stCondLst>
+                                        </p:cTn>
+                                        <p:tgtEl>
+                                          <p:spTgt spid="6146"/>
                                         </p:tgtEl>
                                       </p:cBhvr>
                                       <p:to x="100000" y="100000"/>
@@ -9336,26 +9845,43 @@
       </p:sp>
       <p:pic>
         <p:nvPicPr>
-          <p:cNvPr id="5" name="Picture 4"/>
+          <p:cNvPr id="7170" name="Picture 2" descr="https://scontent.fbkk5-5.fna.fbcdn.net/v/t1.15752-9/46350390_2024164810977094_4894249172347125760_n.png?_nc_cat=100&amp;_nc_pt=1&amp;_nc_ht=scontent.fbkk5-5.fna&amp;oh=278516da0f3c8a04688d97b7f9775cc6&amp;oe=5C7EFD7E"/>
           <p:cNvPicPr>
-            <a:picLocks noChangeAspect="1"/>
+            <a:picLocks noChangeAspect="1" noChangeArrowheads="1"/>
           </p:cNvPicPr>
           <p:nvPr/>
         </p:nvPicPr>
         <p:blipFill>
-          <a:blip r:embed="rId2"/>
+          <a:blip r:embed="rId2" cstate="print">
+            <a:extLst>
+              <a:ext uri="{28A0092B-C50C-407E-A947-70E740481C1C}">
+                <a14:useLocalDpi xmlns:a14="http://schemas.microsoft.com/office/drawing/2010/main" val="0"/>
+              </a:ext>
+            </a:extLst>
+          </a:blip>
+          <a:srcRect/>
           <a:stretch>
             <a:fillRect/>
           </a:stretch>
         </p:blipFill>
-        <p:spPr>
+        <p:spPr bwMode="auto">
           <a:xfrm>
-            <a:off x="4050290" y="850149"/>
-            <a:ext cx="3913303" cy="3355852"/>
+            <a:off x="5304466" y="804630"/>
+            <a:ext cx="2131192" cy="3788786"/>
           </a:xfrm>
           <a:prstGeom prst="rect">
             <a:avLst/>
           </a:prstGeom>
+          <a:noFill/>
+          <a:extLst>
+            <a:ext uri="{909E8E84-426E-40DD-AFC4-6F175D3DCCD1}">
+              <a14:hiddenFill xmlns:a14="http://schemas.microsoft.com/office/drawing/2010/main">
+                <a:solidFill>
+                  <a:srgbClr val="FFFFFF"/>
+                </a:solidFill>
+              </a14:hiddenFill>
+            </a:ext>
+          </a:extLst>
         </p:spPr>
       </p:pic>
     </p:spTree>
@@ -9511,7 +10037,7 @@
                             </p:stCondLst>
                             <p:childTnLst>
                               <p:par>
-                                <p:cTn id="13" presetID="45" presetClass="entr" presetSubtype="0" fill="hold" nodeType="clickEffect">
+                                <p:cTn id="13" presetID="26" presetClass="entr" presetSubtype="0" fill="hold" grpId="0" nodeType="clickEffect">
                                   <p:stCondLst>
                                     <p:cond delay="0"/>
                                   </p:stCondLst>
@@ -9524,105 +10050,6 @@
                                           </p:stCondLst>
                                         </p:cTn>
                                         <p:tgtEl>
-                                          <p:spTgt spid="5"/>
-                                        </p:tgtEl>
-                                        <p:attrNameLst>
-                                          <p:attrName>style.visibility</p:attrName>
-                                        </p:attrNameLst>
-                                      </p:cBhvr>
-                                      <p:to>
-                                        <p:strVal val="visible"/>
-                                      </p:to>
-                                    </p:set>
-                                    <p:animEffect transition="in" filter="fade">
-                                      <p:cBhvr>
-                                        <p:cTn id="15" dur="2000"/>
-                                        <p:tgtEl>
-                                          <p:spTgt spid="5"/>
-                                        </p:tgtEl>
-                                      </p:cBhvr>
-                                    </p:animEffect>
-                                    <p:anim calcmode="lin" valueType="num">
-                                      <p:cBhvr>
-                                        <p:cTn id="16" dur="2000" fill="hold"/>
-                                        <p:tgtEl>
-                                          <p:spTgt spid="5"/>
-                                        </p:tgtEl>
-                                        <p:attrNameLst>
-                                          <p:attrName>ppt_w</p:attrName>
-                                        </p:attrNameLst>
-                                      </p:cBhvr>
-                                      <p:tavLst>
-                                        <p:tav tm="0" fmla="#ppt_w*sin(2.5*pi*$)">
-                                          <p:val>
-                                            <p:fltVal val="0"/>
-                                          </p:val>
-                                        </p:tav>
-                                        <p:tav tm="100000">
-                                          <p:val>
-                                            <p:fltVal val="1"/>
-                                          </p:val>
-                                        </p:tav>
-                                      </p:tavLst>
-                                    </p:anim>
-                                    <p:anim calcmode="lin" valueType="num">
-                                      <p:cBhvr>
-                                        <p:cTn id="17" dur="2000" fill="hold"/>
-                                        <p:tgtEl>
-                                          <p:spTgt spid="5"/>
-                                        </p:tgtEl>
-                                        <p:attrNameLst>
-                                          <p:attrName>ppt_h</p:attrName>
-                                        </p:attrNameLst>
-                                      </p:cBhvr>
-                                      <p:tavLst>
-                                        <p:tav tm="0">
-                                          <p:val>
-                                            <p:strVal val="#ppt_h"/>
-                                          </p:val>
-                                        </p:tav>
-                                        <p:tav tm="100000">
-                                          <p:val>
-                                            <p:strVal val="#ppt_h"/>
-                                          </p:val>
-                                        </p:tav>
-                                      </p:tavLst>
-                                    </p:anim>
-                                  </p:childTnLst>
-                                </p:cTn>
-                              </p:par>
-                            </p:childTnLst>
-                          </p:cTn>
-                        </p:par>
-                      </p:childTnLst>
-                    </p:cTn>
-                  </p:par>
-                  <p:par>
-                    <p:cTn id="18" fill="hold">
-                      <p:stCondLst>
-                        <p:cond delay="indefinite"/>
-                      </p:stCondLst>
-                      <p:childTnLst>
-                        <p:par>
-                          <p:cTn id="19" fill="hold">
-                            <p:stCondLst>
-                              <p:cond delay="0"/>
-                            </p:stCondLst>
-                            <p:childTnLst>
-                              <p:par>
-                                <p:cTn id="20" presetID="26" presetClass="entr" presetSubtype="0" fill="hold" grpId="0" nodeType="clickEffect">
-                                  <p:stCondLst>
-                                    <p:cond delay="0"/>
-                                  </p:stCondLst>
-                                  <p:childTnLst>
-                                    <p:set>
-                                      <p:cBhvr>
-                                        <p:cTn id="21" dur="1" fill="hold">
-                                          <p:stCondLst>
-                                            <p:cond delay="0"/>
-                                          </p:stCondLst>
-                                        </p:cTn>
-                                        <p:tgtEl>
                                           <p:spTgt spid="6"/>
                                         </p:tgtEl>
                                         <p:attrNameLst>
@@ -9635,7 +10062,7 @@
                                     </p:set>
                                     <p:animEffect transition="in" filter="wipe(down)">
                                       <p:cBhvr>
-                                        <p:cTn id="22" dur="580">
+                                        <p:cTn id="15" dur="580">
                                           <p:stCondLst>
                                             <p:cond delay="0"/>
                                           </p:stCondLst>
@@ -9647,7 +10074,7 @@
                                     </p:animEffect>
                                     <p:anim calcmode="lin" valueType="num">
                                       <p:cBhvr>
-                                        <p:cTn id="23" dur="1822" tmFilter="0,0; 0.14,0.36; 0.43,0.73; 0.71,0.91; 1.0,1.0">
+                                        <p:cTn id="16" dur="1822" tmFilter="0,0; 0.14,0.36; 0.43,0.73; 0.71,0.91; 1.0,1.0">
                                           <p:stCondLst>
                                             <p:cond delay="0"/>
                                           </p:stCondLst>
@@ -9674,7 +10101,7 @@
                                     </p:anim>
                                     <p:anim calcmode="lin" valueType="num">
                                       <p:cBhvr>
-                                        <p:cTn id="24" dur="664" tmFilter="0.0,0.0; 0.25,0.07; 0.50,0.2; 0.75,0.467; 1.0,1.0">
+                                        <p:cTn id="17" dur="664" tmFilter="0.0,0.0; 0.25,0.07; 0.50,0.2; 0.75,0.467; 1.0,1.0">
                                           <p:stCondLst>
                                             <p:cond delay="0"/>
                                           </p:stCondLst>
@@ -9701,7 +10128,7 @@
                                     </p:anim>
                                     <p:anim calcmode="lin" valueType="num">
                                       <p:cBhvr>
-                                        <p:cTn id="25" dur="664" tmFilter="0, 0; 0.125,0.2665; 0.25,0.4; 0.375,0.465; 0.5,0.5;  0.625,0.535; 0.75,0.6; 0.875,0.7335; 1,1">
+                                        <p:cTn id="18" dur="664" tmFilter="0, 0; 0.125,0.2665; 0.25,0.4; 0.375,0.465; 0.5,0.5;  0.625,0.535; 0.75,0.6; 0.875,0.7335; 1,1">
                                           <p:stCondLst>
                                             <p:cond delay="664"/>
                                           </p:stCondLst>
@@ -9728,7 +10155,7 @@
                                     </p:anim>
                                     <p:anim calcmode="lin" valueType="num">
                                       <p:cBhvr>
-                                        <p:cTn id="26" dur="332" tmFilter="0, 0; 0.125,0.2665; 0.25,0.4; 0.375,0.465; 0.5,0.5;  0.625,0.535; 0.75,0.6; 0.875,0.7335; 1,1">
+                                        <p:cTn id="19" dur="332" tmFilter="0, 0; 0.125,0.2665; 0.25,0.4; 0.375,0.465; 0.5,0.5;  0.625,0.535; 0.75,0.6; 0.875,0.7335; 1,1">
                                           <p:stCondLst>
                                             <p:cond delay="1324"/>
                                           </p:stCondLst>
@@ -9755,7 +10182,7 @@
                                     </p:anim>
                                     <p:anim calcmode="lin" valueType="num">
                                       <p:cBhvr>
-                                        <p:cTn id="27" dur="164" tmFilter="0, 0; 0.125,0.2665; 0.25,0.4; 0.375,0.465; 0.5,0.5;  0.625,0.535; 0.75,0.6; 0.875,0.7335; 1,1">
+                                        <p:cTn id="20" dur="164" tmFilter="0, 0; 0.125,0.2665; 0.25,0.4; 0.375,0.465; 0.5,0.5;  0.625,0.535; 0.75,0.6; 0.875,0.7335; 1,1">
                                           <p:stCondLst>
                                             <p:cond delay="1656"/>
                                           </p:stCondLst>
@@ -9782,7 +10209,7 @@
                                     </p:anim>
                                     <p:animScale>
                                       <p:cBhvr>
-                                        <p:cTn id="28" dur="26">
+                                        <p:cTn id="21" dur="26">
                                           <p:stCondLst>
                                             <p:cond delay="650"/>
                                           </p:stCondLst>
@@ -9795,7 +10222,7 @@
                                     </p:animScale>
                                     <p:animScale>
                                       <p:cBhvr>
-                                        <p:cTn id="29" dur="166" decel="50000">
+                                        <p:cTn id="22" dur="166" decel="50000">
                                           <p:stCondLst>
                                             <p:cond delay="676"/>
                                           </p:stCondLst>
@@ -9808,7 +10235,7 @@
                                     </p:animScale>
                                     <p:animScale>
                                       <p:cBhvr>
-                                        <p:cTn id="30" dur="26">
+                                        <p:cTn id="23" dur="26">
                                           <p:stCondLst>
                                             <p:cond delay="1312"/>
                                           </p:stCondLst>
@@ -9821,7 +10248,7 @@
                                     </p:animScale>
                                     <p:animScale>
                                       <p:cBhvr>
-                                        <p:cTn id="31" dur="166" decel="50000">
+                                        <p:cTn id="24" dur="166" decel="50000">
                                           <p:stCondLst>
                                             <p:cond delay="1338"/>
                                           </p:stCondLst>
@@ -9834,7 +10261,7 @@
                                     </p:animScale>
                                     <p:animScale>
                                       <p:cBhvr>
-                                        <p:cTn id="32" dur="26">
+                                        <p:cTn id="25" dur="26">
                                           <p:stCondLst>
                                             <p:cond delay="1642"/>
                                           </p:stCondLst>
@@ -9847,7 +10274,7 @@
                                     </p:animScale>
                                     <p:animScale>
                                       <p:cBhvr>
-                                        <p:cTn id="33" dur="166" decel="50000">
+                                        <p:cTn id="26" dur="166" decel="50000">
                                           <p:stCondLst>
                                             <p:cond delay="1668"/>
                                           </p:stCondLst>
@@ -9860,7 +10287,7 @@
                                     </p:animScale>
                                     <p:animScale>
                                       <p:cBhvr>
-                                        <p:cTn id="34" dur="26">
+                                        <p:cTn id="27" dur="26">
                                           <p:stCondLst>
                                             <p:cond delay="1808"/>
                                           </p:stCondLst>
@@ -9873,7 +10300,7 @@
                                     </p:animScale>
                                     <p:animScale>
                                       <p:cBhvr>
-                                        <p:cTn id="35" dur="166" decel="50000">
+                                        <p:cTn id="28" dur="166" decel="50000">
                                           <p:stCondLst>
                                             <p:cond delay="1834"/>
                                           </p:stCondLst>
@@ -9894,26 +10321,26 @@
                     </p:cTn>
                   </p:par>
                   <p:par>
-                    <p:cTn id="36" fill="hold">
+                    <p:cTn id="29" fill="hold">
                       <p:stCondLst>
                         <p:cond delay="indefinite"/>
                       </p:stCondLst>
                       <p:childTnLst>
                         <p:par>
-                          <p:cTn id="37" fill="hold">
+                          <p:cTn id="30" fill="hold">
                             <p:stCondLst>
                               <p:cond delay="0"/>
                             </p:stCondLst>
                             <p:childTnLst>
                               <p:par>
-                                <p:cTn id="38" presetID="26" presetClass="entr" presetSubtype="0" fill="hold" grpId="0" nodeType="clickEffect">
+                                <p:cTn id="31" presetID="26" presetClass="entr" presetSubtype="0" fill="hold" grpId="0" nodeType="clickEffect">
                                   <p:stCondLst>
                                     <p:cond delay="0"/>
                                   </p:stCondLst>
                                   <p:childTnLst>
                                     <p:set>
                                       <p:cBhvr>
-                                        <p:cTn id="39" dur="1" fill="hold">
+                                        <p:cTn id="32" dur="1" fill="hold">
                                           <p:stCondLst>
                                             <p:cond delay="0"/>
                                           </p:stCondLst>
@@ -9931,7 +10358,7 @@
                                     </p:set>
                                     <p:animEffect transition="in" filter="wipe(down)">
                                       <p:cBhvr>
-                                        <p:cTn id="40" dur="580">
+                                        <p:cTn id="33" dur="580">
                                           <p:stCondLst>
                                             <p:cond delay="0"/>
                                           </p:stCondLst>
@@ -9943,7 +10370,7 @@
                                     </p:animEffect>
                                     <p:anim calcmode="lin" valueType="num">
                                       <p:cBhvr>
-                                        <p:cTn id="41" dur="1822" tmFilter="0,0; 0.14,0.36; 0.43,0.73; 0.71,0.91; 1.0,1.0">
+                                        <p:cTn id="34" dur="1822" tmFilter="0,0; 0.14,0.36; 0.43,0.73; 0.71,0.91; 1.0,1.0">
                                           <p:stCondLst>
                                             <p:cond delay="0"/>
                                           </p:stCondLst>
@@ -9970,7 +10397,7 @@
                                     </p:anim>
                                     <p:anim calcmode="lin" valueType="num">
                                       <p:cBhvr>
-                                        <p:cTn id="42" dur="664" tmFilter="0.0,0.0; 0.25,0.07; 0.50,0.2; 0.75,0.467; 1.0,1.0">
+                                        <p:cTn id="35" dur="664" tmFilter="0.0,0.0; 0.25,0.07; 0.50,0.2; 0.75,0.467; 1.0,1.0">
                                           <p:stCondLst>
                                             <p:cond delay="0"/>
                                           </p:stCondLst>
@@ -9997,7 +10424,7 @@
                                     </p:anim>
                                     <p:anim calcmode="lin" valueType="num">
                                       <p:cBhvr>
-                                        <p:cTn id="43" dur="664" tmFilter="0, 0; 0.125,0.2665; 0.25,0.4; 0.375,0.465; 0.5,0.5;  0.625,0.535; 0.75,0.6; 0.875,0.7335; 1,1">
+                                        <p:cTn id="36" dur="664" tmFilter="0, 0; 0.125,0.2665; 0.25,0.4; 0.375,0.465; 0.5,0.5;  0.625,0.535; 0.75,0.6; 0.875,0.7335; 1,1">
                                           <p:stCondLst>
                                             <p:cond delay="664"/>
                                           </p:stCondLst>
@@ -10024,7 +10451,7 @@
                                     </p:anim>
                                     <p:anim calcmode="lin" valueType="num">
                                       <p:cBhvr>
-                                        <p:cTn id="44" dur="332" tmFilter="0, 0; 0.125,0.2665; 0.25,0.4; 0.375,0.465; 0.5,0.5;  0.625,0.535; 0.75,0.6; 0.875,0.7335; 1,1">
+                                        <p:cTn id="37" dur="332" tmFilter="0, 0; 0.125,0.2665; 0.25,0.4; 0.375,0.465; 0.5,0.5;  0.625,0.535; 0.75,0.6; 0.875,0.7335; 1,1">
                                           <p:stCondLst>
                                             <p:cond delay="1324"/>
                                           </p:stCondLst>
@@ -10051,7 +10478,7 @@
                                     </p:anim>
                                     <p:anim calcmode="lin" valueType="num">
                                       <p:cBhvr>
-                                        <p:cTn id="45" dur="164" tmFilter="0, 0; 0.125,0.2665; 0.25,0.4; 0.375,0.465; 0.5,0.5;  0.625,0.535; 0.75,0.6; 0.875,0.7335; 1,1">
+                                        <p:cTn id="38" dur="164" tmFilter="0, 0; 0.125,0.2665; 0.25,0.4; 0.375,0.465; 0.5,0.5;  0.625,0.535; 0.75,0.6; 0.875,0.7335; 1,1">
                                           <p:stCondLst>
                                             <p:cond delay="1656"/>
                                           </p:stCondLst>
@@ -10078,7 +10505,7 @@
                                     </p:anim>
                                     <p:animScale>
                                       <p:cBhvr>
-                                        <p:cTn id="46" dur="26">
+                                        <p:cTn id="39" dur="26">
                                           <p:stCondLst>
                                             <p:cond delay="650"/>
                                           </p:stCondLst>
@@ -10091,7 +10518,7 @@
                                     </p:animScale>
                                     <p:animScale>
                                       <p:cBhvr>
-                                        <p:cTn id="47" dur="166" decel="50000">
+                                        <p:cTn id="40" dur="166" decel="50000">
                                           <p:stCondLst>
                                             <p:cond delay="676"/>
                                           </p:stCondLst>
@@ -10104,7 +10531,7 @@
                                     </p:animScale>
                                     <p:animScale>
                                       <p:cBhvr>
-                                        <p:cTn id="48" dur="26">
+                                        <p:cTn id="41" dur="26">
                                           <p:stCondLst>
                                             <p:cond delay="1312"/>
                                           </p:stCondLst>
@@ -10117,7 +10544,7 @@
                                     </p:animScale>
                                     <p:animScale>
                                       <p:cBhvr>
-                                        <p:cTn id="49" dur="166" decel="50000">
+                                        <p:cTn id="42" dur="166" decel="50000">
                                           <p:stCondLst>
                                             <p:cond delay="1338"/>
                                           </p:stCondLst>
@@ -10130,7 +10557,7 @@
                                     </p:animScale>
                                     <p:animScale>
                                       <p:cBhvr>
-                                        <p:cTn id="50" dur="26">
+                                        <p:cTn id="43" dur="26">
                                           <p:stCondLst>
                                             <p:cond delay="1642"/>
                                           </p:stCondLst>
@@ -10143,7 +10570,7 @@
                                     </p:animScale>
                                     <p:animScale>
                                       <p:cBhvr>
-                                        <p:cTn id="51" dur="166" decel="50000">
+                                        <p:cTn id="44" dur="166" decel="50000">
                                           <p:stCondLst>
                                             <p:cond delay="1668"/>
                                           </p:stCondLst>
@@ -10156,7 +10583,7 @@
                                     </p:animScale>
                                     <p:animScale>
                                       <p:cBhvr>
-                                        <p:cTn id="52" dur="26">
+                                        <p:cTn id="45" dur="26">
                                           <p:stCondLst>
                                             <p:cond delay="1808"/>
                                           </p:stCondLst>
@@ -10169,13 +10596,309 @@
                                     </p:animScale>
                                     <p:animScale>
                                       <p:cBhvr>
-                                        <p:cTn id="53" dur="166" decel="50000">
+                                        <p:cTn id="46" dur="166" decel="50000">
                                           <p:stCondLst>
                                             <p:cond delay="1834"/>
                                           </p:stCondLst>
                                         </p:cTn>
                                         <p:tgtEl>
                                           <p:spTgt spid="3"/>
+                                        </p:tgtEl>
+                                      </p:cBhvr>
+                                      <p:to x="100000" y="100000"/>
+                                    </p:animScale>
+                                  </p:childTnLst>
+                                </p:cTn>
+                              </p:par>
+                            </p:childTnLst>
+                          </p:cTn>
+                        </p:par>
+                      </p:childTnLst>
+                    </p:cTn>
+                  </p:par>
+                  <p:par>
+                    <p:cTn id="47" fill="hold">
+                      <p:stCondLst>
+                        <p:cond delay="indefinite"/>
+                      </p:stCondLst>
+                      <p:childTnLst>
+                        <p:par>
+                          <p:cTn id="48" fill="hold">
+                            <p:stCondLst>
+                              <p:cond delay="0"/>
+                            </p:stCondLst>
+                            <p:childTnLst>
+                              <p:par>
+                                <p:cTn id="49" presetID="26" presetClass="entr" presetSubtype="0" fill="hold" nodeType="clickEffect">
+                                  <p:stCondLst>
+                                    <p:cond delay="0"/>
+                                  </p:stCondLst>
+                                  <p:childTnLst>
+                                    <p:set>
+                                      <p:cBhvr>
+                                        <p:cTn id="50" dur="1" fill="hold">
+                                          <p:stCondLst>
+                                            <p:cond delay="0"/>
+                                          </p:stCondLst>
+                                        </p:cTn>
+                                        <p:tgtEl>
+                                          <p:spTgt spid="7170"/>
+                                        </p:tgtEl>
+                                        <p:attrNameLst>
+                                          <p:attrName>style.visibility</p:attrName>
+                                        </p:attrNameLst>
+                                      </p:cBhvr>
+                                      <p:to>
+                                        <p:strVal val="visible"/>
+                                      </p:to>
+                                    </p:set>
+                                    <p:animEffect transition="in" filter="wipe(down)">
+                                      <p:cBhvr>
+                                        <p:cTn id="51" dur="580">
+                                          <p:stCondLst>
+                                            <p:cond delay="0"/>
+                                          </p:stCondLst>
+                                        </p:cTn>
+                                        <p:tgtEl>
+                                          <p:spTgt spid="7170"/>
+                                        </p:tgtEl>
+                                      </p:cBhvr>
+                                    </p:animEffect>
+                                    <p:anim calcmode="lin" valueType="num">
+                                      <p:cBhvr>
+                                        <p:cTn id="52" dur="1822" tmFilter="0,0; 0.14,0.36; 0.43,0.73; 0.71,0.91; 1.0,1.0">
+                                          <p:stCondLst>
+                                            <p:cond delay="0"/>
+                                          </p:stCondLst>
+                                        </p:cTn>
+                                        <p:tgtEl>
+                                          <p:spTgt spid="7170"/>
+                                        </p:tgtEl>
+                                        <p:attrNameLst>
+                                          <p:attrName>ppt_x</p:attrName>
+                                        </p:attrNameLst>
+                                      </p:cBhvr>
+                                      <p:tavLst>
+                                        <p:tav tm="0">
+                                          <p:val>
+                                            <p:strVal val="#ppt_x-0.25"/>
+                                          </p:val>
+                                        </p:tav>
+                                        <p:tav tm="100000">
+                                          <p:val>
+                                            <p:strVal val="#ppt_x"/>
+                                          </p:val>
+                                        </p:tav>
+                                      </p:tavLst>
+                                    </p:anim>
+                                    <p:anim calcmode="lin" valueType="num">
+                                      <p:cBhvr>
+                                        <p:cTn id="53" dur="664" tmFilter="0.0,0.0; 0.25,0.07; 0.50,0.2; 0.75,0.467; 1.0,1.0">
+                                          <p:stCondLst>
+                                            <p:cond delay="0"/>
+                                          </p:stCondLst>
+                                        </p:cTn>
+                                        <p:tgtEl>
+                                          <p:spTgt spid="7170"/>
+                                        </p:tgtEl>
+                                        <p:attrNameLst>
+                                          <p:attrName>ppt_y</p:attrName>
+                                        </p:attrNameLst>
+                                      </p:cBhvr>
+                                      <p:tavLst>
+                                        <p:tav tm="0" fmla="#ppt_y-sin(pi*$)/3">
+                                          <p:val>
+                                            <p:fltVal val="0.5"/>
+                                          </p:val>
+                                        </p:tav>
+                                        <p:tav tm="100000">
+                                          <p:val>
+                                            <p:fltVal val="1"/>
+                                          </p:val>
+                                        </p:tav>
+                                      </p:tavLst>
+                                    </p:anim>
+                                    <p:anim calcmode="lin" valueType="num">
+                                      <p:cBhvr>
+                                        <p:cTn id="54" dur="664" tmFilter="0, 0; 0.125,0.2665; 0.25,0.4; 0.375,0.465; 0.5,0.5;  0.625,0.535; 0.75,0.6; 0.875,0.7335; 1,1">
+                                          <p:stCondLst>
+                                            <p:cond delay="664"/>
+                                          </p:stCondLst>
+                                        </p:cTn>
+                                        <p:tgtEl>
+                                          <p:spTgt spid="7170"/>
+                                        </p:tgtEl>
+                                        <p:attrNameLst>
+                                          <p:attrName>ppt_y</p:attrName>
+                                        </p:attrNameLst>
+                                      </p:cBhvr>
+                                      <p:tavLst>
+                                        <p:tav tm="0" fmla="#ppt_y-sin(pi*$)/9">
+                                          <p:val>
+                                            <p:fltVal val="0"/>
+                                          </p:val>
+                                        </p:tav>
+                                        <p:tav tm="100000">
+                                          <p:val>
+                                            <p:fltVal val="1"/>
+                                          </p:val>
+                                        </p:tav>
+                                      </p:tavLst>
+                                    </p:anim>
+                                    <p:anim calcmode="lin" valueType="num">
+                                      <p:cBhvr>
+                                        <p:cTn id="55" dur="332" tmFilter="0, 0; 0.125,0.2665; 0.25,0.4; 0.375,0.465; 0.5,0.5;  0.625,0.535; 0.75,0.6; 0.875,0.7335; 1,1">
+                                          <p:stCondLst>
+                                            <p:cond delay="1324"/>
+                                          </p:stCondLst>
+                                        </p:cTn>
+                                        <p:tgtEl>
+                                          <p:spTgt spid="7170"/>
+                                        </p:tgtEl>
+                                        <p:attrNameLst>
+                                          <p:attrName>ppt_y</p:attrName>
+                                        </p:attrNameLst>
+                                      </p:cBhvr>
+                                      <p:tavLst>
+                                        <p:tav tm="0" fmla="#ppt_y-sin(pi*$)/27">
+                                          <p:val>
+                                            <p:fltVal val="0"/>
+                                          </p:val>
+                                        </p:tav>
+                                        <p:tav tm="100000">
+                                          <p:val>
+                                            <p:fltVal val="1"/>
+                                          </p:val>
+                                        </p:tav>
+                                      </p:tavLst>
+                                    </p:anim>
+                                    <p:anim calcmode="lin" valueType="num">
+                                      <p:cBhvr>
+                                        <p:cTn id="56" dur="164" tmFilter="0, 0; 0.125,0.2665; 0.25,0.4; 0.375,0.465; 0.5,0.5;  0.625,0.535; 0.75,0.6; 0.875,0.7335; 1,1">
+                                          <p:stCondLst>
+                                            <p:cond delay="1656"/>
+                                          </p:stCondLst>
+                                        </p:cTn>
+                                        <p:tgtEl>
+                                          <p:spTgt spid="7170"/>
+                                        </p:tgtEl>
+                                        <p:attrNameLst>
+                                          <p:attrName>ppt_y</p:attrName>
+                                        </p:attrNameLst>
+                                      </p:cBhvr>
+                                      <p:tavLst>
+                                        <p:tav tm="0" fmla="#ppt_y-sin(pi*$)/81">
+                                          <p:val>
+                                            <p:fltVal val="0"/>
+                                          </p:val>
+                                        </p:tav>
+                                        <p:tav tm="100000">
+                                          <p:val>
+                                            <p:fltVal val="1"/>
+                                          </p:val>
+                                        </p:tav>
+                                      </p:tavLst>
+                                    </p:anim>
+                                    <p:animScale>
+                                      <p:cBhvr>
+                                        <p:cTn id="57" dur="26">
+                                          <p:stCondLst>
+                                            <p:cond delay="650"/>
+                                          </p:stCondLst>
+                                        </p:cTn>
+                                        <p:tgtEl>
+                                          <p:spTgt spid="7170"/>
+                                        </p:tgtEl>
+                                      </p:cBhvr>
+                                      <p:to x="100000" y="60000"/>
+                                    </p:animScale>
+                                    <p:animScale>
+                                      <p:cBhvr>
+                                        <p:cTn id="58" dur="166" decel="50000">
+                                          <p:stCondLst>
+                                            <p:cond delay="676"/>
+                                          </p:stCondLst>
+                                        </p:cTn>
+                                        <p:tgtEl>
+                                          <p:spTgt spid="7170"/>
+                                        </p:tgtEl>
+                                      </p:cBhvr>
+                                      <p:to x="100000" y="100000"/>
+                                    </p:animScale>
+                                    <p:animScale>
+                                      <p:cBhvr>
+                                        <p:cTn id="59" dur="26">
+                                          <p:stCondLst>
+                                            <p:cond delay="1312"/>
+                                          </p:stCondLst>
+                                        </p:cTn>
+                                        <p:tgtEl>
+                                          <p:spTgt spid="7170"/>
+                                        </p:tgtEl>
+                                      </p:cBhvr>
+                                      <p:to x="100000" y="80000"/>
+                                    </p:animScale>
+                                    <p:animScale>
+                                      <p:cBhvr>
+                                        <p:cTn id="60" dur="166" decel="50000">
+                                          <p:stCondLst>
+                                            <p:cond delay="1338"/>
+                                          </p:stCondLst>
+                                        </p:cTn>
+                                        <p:tgtEl>
+                                          <p:spTgt spid="7170"/>
+                                        </p:tgtEl>
+                                      </p:cBhvr>
+                                      <p:to x="100000" y="100000"/>
+                                    </p:animScale>
+                                    <p:animScale>
+                                      <p:cBhvr>
+                                        <p:cTn id="61" dur="26">
+                                          <p:stCondLst>
+                                            <p:cond delay="1642"/>
+                                          </p:stCondLst>
+                                        </p:cTn>
+                                        <p:tgtEl>
+                                          <p:spTgt spid="7170"/>
+                                        </p:tgtEl>
+                                      </p:cBhvr>
+                                      <p:to x="100000" y="90000"/>
+                                    </p:animScale>
+                                    <p:animScale>
+                                      <p:cBhvr>
+                                        <p:cTn id="62" dur="166" decel="50000">
+                                          <p:stCondLst>
+                                            <p:cond delay="1668"/>
+                                          </p:stCondLst>
+                                        </p:cTn>
+                                        <p:tgtEl>
+                                          <p:spTgt spid="7170"/>
+                                        </p:tgtEl>
+                                      </p:cBhvr>
+                                      <p:to x="100000" y="100000"/>
+                                    </p:animScale>
+                                    <p:animScale>
+                                      <p:cBhvr>
+                                        <p:cTn id="63" dur="26">
+                                          <p:stCondLst>
+                                            <p:cond delay="1808"/>
+                                          </p:stCondLst>
+                                        </p:cTn>
+                                        <p:tgtEl>
+                                          <p:spTgt spid="7170"/>
+                                        </p:tgtEl>
+                                      </p:cBhvr>
+                                      <p:to x="100000" y="95000"/>
+                                    </p:animScale>
+                                    <p:animScale>
+                                      <p:cBhvr>
+                                        <p:cTn id="64" dur="166" decel="50000">
+                                          <p:stCondLst>
+                                            <p:cond delay="1834"/>
+                                          </p:stCondLst>
+                                        </p:cTn>
+                                        <p:tgtEl>
+                                          <p:spTgt spid="7170"/>
                                         </p:tgtEl>
                                       </p:cBhvr>
                                       <p:to x="100000" y="100000"/>
@@ -10220,6 +10943,326 @@
 </file>
 
 <file path=ppt/slides/slide16.xml><?xml version="1.0" encoding="utf-8"?>
+<p:sld xmlns:a="http://schemas.openxmlformats.org/drawingml/2006/main" xmlns:r="http://schemas.openxmlformats.org/officeDocument/2006/relationships" xmlns:p="http://schemas.openxmlformats.org/presentationml/2006/main">
+  <p:cSld>
+    <p:spTree>
+      <p:nvGrpSpPr>
+        <p:cNvPr id="1" name=""/>
+        <p:cNvGrpSpPr/>
+        <p:nvPr/>
+      </p:nvGrpSpPr>
+      <p:grpSpPr>
+        <a:xfrm>
+          <a:off x="0" y="0"/>
+          <a:ext cx="0" cy="0"/>
+          <a:chOff x="0" y="0"/>
+          <a:chExt cx="0" cy="0"/>
+        </a:xfrm>
+      </p:grpSpPr>
+      <p:pic>
+        <p:nvPicPr>
+          <p:cNvPr id="4" name="Picture 3"/>
+          <p:cNvPicPr>
+            <a:picLocks noChangeAspect="1"/>
+          </p:cNvPicPr>
+          <p:nvPr/>
+        </p:nvPicPr>
+        <p:blipFill>
+          <a:blip r:embed="rId2"/>
+          <a:stretch>
+            <a:fillRect/>
+          </a:stretch>
+        </p:blipFill>
+        <p:spPr>
+          <a:xfrm>
+            <a:off x="482139" y="325349"/>
+            <a:ext cx="10989424" cy="6367704"/>
+          </a:xfrm>
+          <a:prstGeom prst="rect">
+            <a:avLst/>
+          </a:prstGeom>
+        </p:spPr>
+      </p:pic>
+    </p:spTree>
+    <p:extLst>
+      <p:ext uri="{BB962C8B-B14F-4D97-AF65-F5344CB8AC3E}">
+        <p14:creationId xmlns:p14="http://schemas.microsoft.com/office/powerpoint/2010/main" val="3469140463"/>
+      </p:ext>
+    </p:extLst>
+  </p:cSld>
+  <p:clrMapOvr>
+    <a:masterClrMapping/>
+  </p:clrMapOvr>
+  <p:timing>
+    <p:tnLst>
+      <p:par>
+        <p:cTn id="1" dur="indefinite" restart="never" nodeType="tmRoot">
+          <p:childTnLst>
+            <p:seq concurrent="1" nextAc="seek">
+              <p:cTn id="2" dur="indefinite" nodeType="mainSeq">
+                <p:childTnLst>
+                  <p:par>
+                    <p:cTn id="3" fill="hold">
+                      <p:stCondLst>
+                        <p:cond delay="indefinite"/>
+                      </p:stCondLst>
+                      <p:childTnLst>
+                        <p:par>
+                          <p:cTn id="4" fill="hold">
+                            <p:stCondLst>
+                              <p:cond delay="0"/>
+                            </p:stCondLst>
+                            <p:childTnLst>
+                              <p:par>
+                                <p:cTn id="5" presetID="14" presetClass="entr" presetSubtype="10" fill="hold" nodeType="clickEffect">
+                                  <p:stCondLst>
+                                    <p:cond delay="0"/>
+                                  </p:stCondLst>
+                                  <p:childTnLst>
+                                    <p:set>
+                                      <p:cBhvr>
+                                        <p:cTn id="6" dur="1" fill="hold">
+                                          <p:stCondLst>
+                                            <p:cond delay="0"/>
+                                          </p:stCondLst>
+                                        </p:cTn>
+                                        <p:tgtEl>
+                                          <p:spTgt spid="4"/>
+                                        </p:tgtEl>
+                                        <p:attrNameLst>
+                                          <p:attrName>style.visibility</p:attrName>
+                                        </p:attrNameLst>
+                                      </p:cBhvr>
+                                      <p:to>
+                                        <p:strVal val="visible"/>
+                                      </p:to>
+                                    </p:set>
+                                    <p:animEffect transition="in" filter="randombar(horizontal)">
+                                      <p:cBhvr>
+                                        <p:cTn id="7" dur="500"/>
+                                        <p:tgtEl>
+                                          <p:spTgt spid="4"/>
+                                        </p:tgtEl>
+                                      </p:cBhvr>
+                                    </p:animEffect>
+                                  </p:childTnLst>
+                                </p:cTn>
+                              </p:par>
+                            </p:childTnLst>
+                          </p:cTn>
+                        </p:par>
+                      </p:childTnLst>
+                    </p:cTn>
+                  </p:par>
+                </p:childTnLst>
+              </p:cTn>
+              <p:prevCondLst>
+                <p:cond evt="onPrev" delay="0">
+                  <p:tgtEl>
+                    <p:sldTgt/>
+                  </p:tgtEl>
+                </p:cond>
+              </p:prevCondLst>
+              <p:nextCondLst>
+                <p:cond evt="onNext" delay="0">
+                  <p:tgtEl>
+                    <p:sldTgt/>
+                  </p:tgtEl>
+                </p:cond>
+              </p:nextCondLst>
+            </p:seq>
+          </p:childTnLst>
+        </p:cTn>
+      </p:par>
+    </p:tnLst>
+  </p:timing>
+</p:sld>
+</file>
+
+<file path=ppt/slides/slide17.xml><?xml version="1.0" encoding="utf-8"?>
+<p:sld xmlns:a="http://schemas.openxmlformats.org/drawingml/2006/main" xmlns:r="http://schemas.openxmlformats.org/officeDocument/2006/relationships" xmlns:p="http://schemas.openxmlformats.org/presentationml/2006/main">
+  <p:cSld>
+    <p:spTree>
+      <p:nvGrpSpPr>
+        <p:cNvPr id="1" name=""/>
+        <p:cNvGrpSpPr/>
+        <p:nvPr/>
+      </p:nvGrpSpPr>
+      <p:grpSpPr>
+        <a:xfrm>
+          <a:off x="0" y="0"/>
+          <a:ext cx="0" cy="0"/>
+          <a:chOff x="0" y="0"/>
+          <a:chExt cx="0" cy="0"/>
+        </a:xfrm>
+      </p:grpSpPr>
+      <p:pic>
+        <p:nvPicPr>
+          <p:cNvPr id="3" name="Picture 2"/>
+          <p:cNvPicPr>
+            <a:picLocks noChangeAspect="1"/>
+          </p:cNvPicPr>
+          <p:nvPr/>
+        </p:nvPicPr>
+        <p:blipFill>
+          <a:blip r:embed="rId2"/>
+          <a:stretch>
+            <a:fillRect/>
+          </a:stretch>
+        </p:blipFill>
+        <p:spPr>
+          <a:xfrm>
+            <a:off x="289300" y="1350645"/>
+            <a:ext cx="11540322" cy="2548024"/>
+          </a:xfrm>
+          <a:prstGeom prst="rect">
+            <a:avLst/>
+          </a:prstGeom>
+        </p:spPr>
+      </p:pic>
+    </p:spTree>
+    <p:extLst>
+      <p:ext uri="{BB962C8B-B14F-4D97-AF65-F5344CB8AC3E}">
+        <p14:creationId xmlns:p14="http://schemas.microsoft.com/office/powerpoint/2010/main" val="1451654308"/>
+      </p:ext>
+    </p:extLst>
+  </p:cSld>
+  <p:clrMapOvr>
+    <a:masterClrMapping/>
+  </p:clrMapOvr>
+  <p:timing>
+    <p:tnLst>
+      <p:par>
+        <p:cTn id="1" dur="indefinite" restart="never" nodeType="tmRoot">
+          <p:childTnLst>
+            <p:seq concurrent="1" nextAc="seek">
+              <p:cTn id="2" dur="indefinite" nodeType="mainSeq">
+                <p:childTnLst>
+                  <p:par>
+                    <p:cTn id="3" fill="hold">
+                      <p:stCondLst>
+                        <p:cond delay="indefinite"/>
+                      </p:stCondLst>
+                      <p:childTnLst>
+                        <p:par>
+                          <p:cTn id="4" fill="hold">
+                            <p:stCondLst>
+                              <p:cond delay="0"/>
+                            </p:stCondLst>
+                            <p:childTnLst>
+                              <p:par>
+                                <p:cTn id="5" presetID="45" presetClass="entr" presetSubtype="0" fill="hold" nodeType="clickEffect">
+                                  <p:stCondLst>
+                                    <p:cond delay="0"/>
+                                  </p:stCondLst>
+                                  <p:childTnLst>
+                                    <p:set>
+                                      <p:cBhvr>
+                                        <p:cTn id="6" dur="1" fill="hold">
+                                          <p:stCondLst>
+                                            <p:cond delay="0"/>
+                                          </p:stCondLst>
+                                        </p:cTn>
+                                        <p:tgtEl>
+                                          <p:spTgt spid="3"/>
+                                        </p:tgtEl>
+                                        <p:attrNameLst>
+                                          <p:attrName>style.visibility</p:attrName>
+                                        </p:attrNameLst>
+                                      </p:cBhvr>
+                                      <p:to>
+                                        <p:strVal val="visible"/>
+                                      </p:to>
+                                    </p:set>
+                                    <p:animEffect transition="in" filter="fade">
+                                      <p:cBhvr>
+                                        <p:cTn id="7" dur="2000"/>
+                                        <p:tgtEl>
+                                          <p:spTgt spid="3"/>
+                                        </p:tgtEl>
+                                      </p:cBhvr>
+                                    </p:animEffect>
+                                    <p:anim calcmode="lin" valueType="num">
+                                      <p:cBhvr>
+                                        <p:cTn id="8" dur="2000" fill="hold"/>
+                                        <p:tgtEl>
+                                          <p:spTgt spid="3"/>
+                                        </p:tgtEl>
+                                        <p:attrNameLst>
+                                          <p:attrName>ppt_w</p:attrName>
+                                        </p:attrNameLst>
+                                      </p:cBhvr>
+                                      <p:tavLst>
+                                        <p:tav tm="0" fmla="#ppt_w*sin(2.5*pi*$)">
+                                          <p:val>
+                                            <p:fltVal val="0"/>
+                                          </p:val>
+                                        </p:tav>
+                                        <p:tav tm="100000">
+                                          <p:val>
+                                            <p:fltVal val="1"/>
+                                          </p:val>
+                                        </p:tav>
+                                      </p:tavLst>
+                                    </p:anim>
+                                    <p:anim calcmode="lin" valueType="num">
+                                      <p:cBhvr>
+                                        <p:cTn id="9" dur="2000" fill="hold"/>
+                                        <p:tgtEl>
+                                          <p:spTgt spid="3"/>
+                                        </p:tgtEl>
+                                        <p:attrNameLst>
+                                          <p:attrName>ppt_h</p:attrName>
+                                        </p:attrNameLst>
+                                      </p:cBhvr>
+                                      <p:tavLst>
+                                        <p:tav tm="0">
+                                          <p:val>
+                                            <p:strVal val="#ppt_h"/>
+                                          </p:val>
+                                        </p:tav>
+                                        <p:tav tm="100000">
+                                          <p:val>
+                                            <p:strVal val="#ppt_h"/>
+                                          </p:val>
+                                        </p:tav>
+                                      </p:tavLst>
+                                    </p:anim>
+                                  </p:childTnLst>
+                                </p:cTn>
+                              </p:par>
+                            </p:childTnLst>
+                          </p:cTn>
+                        </p:par>
+                      </p:childTnLst>
+                    </p:cTn>
+                  </p:par>
+                </p:childTnLst>
+              </p:cTn>
+              <p:prevCondLst>
+                <p:cond evt="onPrev" delay="0">
+                  <p:tgtEl>
+                    <p:sldTgt/>
+                  </p:tgtEl>
+                </p:cond>
+              </p:prevCondLst>
+              <p:nextCondLst>
+                <p:cond evt="onNext" delay="0">
+                  <p:tgtEl>
+                    <p:sldTgt/>
+                  </p:tgtEl>
+                </p:cond>
+              </p:nextCondLst>
+            </p:seq>
+          </p:childTnLst>
+        </p:cTn>
+      </p:par>
+    </p:tnLst>
+  </p:timing>
+</p:sld>
+</file>
+
+<file path=ppt/slides/slide18.xml><?xml version="1.0" encoding="utf-8"?>
 <p:sld xmlns:a="http://schemas.openxmlformats.org/drawingml/2006/main" xmlns:r="http://schemas.openxmlformats.org/officeDocument/2006/relationships" xmlns:p="http://schemas.openxmlformats.org/presentationml/2006/main">
   <p:cSld>
     <p:spTree>
@@ -10667,11 +11710,11 @@
   <p:clrMapOvr>
     <a:masterClrMapping/>
   </p:clrMapOvr>
-  <mc:AlternateContent xmlns:mc="http://schemas.openxmlformats.org/markup-compatibility/2006">
-    <mc:Choice xmlns:p14="http://schemas.microsoft.com/office/powerpoint/2010/main" Requires="p14">
+  <mc:AlternateContent xmlns:mc="http://schemas.openxmlformats.org/markup-compatibility/2006" xmlns:p14="http://schemas.microsoft.com/office/powerpoint/2010/main">
+    <mc:Choice Requires="p14">
       <p:transition p14:dur="0"/>
     </mc:Choice>
-    <mc:Fallback>
+    <mc:Fallback xmlns="">
       <p:transition/>
     </mc:Fallback>
   </mc:AlternateContent>
@@ -11934,8 +12977,8 @@
         </p:nvSpPr>
         <p:spPr>
           <a:xfrm>
-            <a:off x="665018" y="1014153"/>
-            <a:ext cx="11272058" cy="5544589"/>
+            <a:off x="1130531" y="2818016"/>
+            <a:ext cx="10623665" cy="3516282"/>
           </a:xfrm>
           <a:prstGeom prst="rect">
             <a:avLst/>
@@ -11943,7 +12986,7 @@
         </p:spPr>
         <p:txBody>
           <a:bodyPr vert="horz" lIns="91440" tIns="45720" rIns="91440" bIns="45720" rtlCol="0" anchor="ctr">
-            <a:normAutofit fontScale="90000" lnSpcReduction="20000"/>
+            <a:normAutofit fontScale="67500" lnSpcReduction="20000"/>
           </a:bodyPr>
           <a:lstStyle>
             <a:lvl1pPr algn="l" defTabSz="914400" rtl="0" eaLnBrk="1" latinLnBrk="0" hangingPunct="1">
@@ -11999,10 +13042,6 @@
           <a:p>
             <a:pPr lvl="0"/>
             <a:r>
-              <a:rPr lang="th-TH" sz="3600" dirty="0" smtClean="0"/>
-              <a:t> </a:t>
-            </a:r>
-            <a:r>
               <a:rPr lang="th-TH" sz="2900" dirty="0" smtClean="0"/>
               <a:t>จาก</a:t>
             </a:r>
@@ -12024,7 +13063,15 @@
             </a:r>
             <a:r>
               <a:rPr lang="th-TH" sz="2900" dirty="0"/>
-              <a:t>คลังสินค้าทั้งหมดของทั้งโปรแกรมการจัดการคลังสินค้า</a:t>
+              <a:t>คลัง</a:t>
+            </a:r>
+            <a:r>
+              <a:rPr lang="th-TH" sz="2900" dirty="0" smtClean="0"/>
+              <a:t>สินค้ทั้งหมด</a:t>
+            </a:r>
+            <a:r>
+              <a:rPr lang="th-TH" sz="2900" dirty="0"/>
+              <a:t>ของทั้งโปรแกรมการจัดการคลังสินค้า</a:t>
             </a:r>
             <a:endParaRPr lang="en-US" sz="2900" dirty="0"/>
           </a:p>
@@ -12040,30 +13087,6 @@
           </a:p>
         </p:txBody>
       </p:sp>
-      <p:pic>
-        <p:nvPicPr>
-          <p:cNvPr id="5" name="Picture 4"/>
-          <p:cNvPicPr>
-            <a:picLocks noChangeAspect="1"/>
-          </p:cNvPicPr>
-          <p:nvPr/>
-        </p:nvPicPr>
-        <p:blipFill>
-          <a:blip r:embed="rId2"/>
-          <a:stretch>
-            <a:fillRect/>
-          </a:stretch>
-        </p:blipFill>
-        <p:spPr>
-          <a:xfrm>
-            <a:off x="4369463" y="804630"/>
-            <a:ext cx="2638425" cy="3190875"/>
-          </a:xfrm>
-          <a:prstGeom prst="rect">
-            <a:avLst/>
-          </a:prstGeom>
-        </p:spPr>
-      </p:pic>
       <p:sp>
         <p:nvSpPr>
           <p:cNvPr id="6" name="Right Arrow 5"/>
@@ -12072,7 +13095,7 @@
         </p:nvSpPr>
         <p:spPr>
           <a:xfrm>
-            <a:off x="216131" y="4705005"/>
+            <a:off x="532015" y="5336772"/>
             <a:ext cx="448887" cy="349134"/>
           </a:xfrm>
           <a:prstGeom prst="rightArrow">
@@ -12121,6 +13144,47 @@
           </a:p>
         </p:txBody>
       </p:sp>
+      <p:pic>
+        <p:nvPicPr>
+          <p:cNvPr id="1026" name="Picture 2" descr="https://scontent.fbkk5-3.fna.fbcdn.net/v/t1.15752-9/46296077_1916957381721718_30483504613556224_n.png?_nc_cat=111&amp;_nc_pt=1&amp;_nc_ht=scontent.fbkk5-3.fna&amp;oh=040d4a7307df511dac082c1df836d38b&amp;oe=5C729C67"/>
+          <p:cNvPicPr>
+            <a:picLocks noChangeAspect="1" noChangeArrowheads="1"/>
+          </p:cNvPicPr>
+          <p:nvPr/>
+        </p:nvPicPr>
+        <p:blipFill>
+          <a:blip r:embed="rId2">
+            <a:extLst>
+              <a:ext uri="{28A0092B-C50C-407E-A947-70E740481C1C}">
+                <a14:useLocalDpi xmlns:a14="http://schemas.microsoft.com/office/drawing/2010/main" val="0"/>
+              </a:ext>
+            </a:extLst>
+          </a:blip>
+          <a:srcRect/>
+          <a:stretch>
+            <a:fillRect/>
+          </a:stretch>
+        </p:blipFill>
+        <p:spPr bwMode="auto">
+          <a:xfrm>
+            <a:off x="4829002" y="891282"/>
+            <a:ext cx="2243413" cy="3988290"/>
+          </a:xfrm>
+          <a:prstGeom prst="rect">
+            <a:avLst/>
+          </a:prstGeom>
+          <a:noFill/>
+          <a:extLst>
+            <a:ext uri="{909E8E84-426E-40DD-AFC4-6F175D3DCCD1}">
+              <a14:hiddenFill xmlns:a14="http://schemas.microsoft.com/office/drawing/2010/main">
+                <a:solidFill>
+                  <a:srgbClr val="FFFFFF"/>
+                </a:solidFill>
+              </a14:hiddenFill>
+            </a:ext>
+          </a:extLst>
+        </p:spPr>
+      </p:pic>
     </p:spTree>
     <p:extLst>
       <p:ext uri="{BB962C8B-B14F-4D97-AF65-F5344CB8AC3E}">
@@ -12274,7 +13338,7 @@
                             </p:stCondLst>
                             <p:childTnLst>
                               <p:par>
-                                <p:cTn id="13" presetID="45" presetClass="entr" presetSubtype="0" fill="hold" nodeType="clickEffect">
+                                <p:cTn id="13" presetID="26" presetClass="entr" presetSubtype="0" fill="hold" grpId="0" nodeType="clickEffect">
                                   <p:stCondLst>
                                     <p:cond delay="0"/>
                                   </p:stCondLst>
@@ -12287,105 +13351,6 @@
                                           </p:stCondLst>
                                         </p:cTn>
                                         <p:tgtEl>
-                                          <p:spTgt spid="5"/>
-                                        </p:tgtEl>
-                                        <p:attrNameLst>
-                                          <p:attrName>style.visibility</p:attrName>
-                                        </p:attrNameLst>
-                                      </p:cBhvr>
-                                      <p:to>
-                                        <p:strVal val="visible"/>
-                                      </p:to>
-                                    </p:set>
-                                    <p:animEffect transition="in" filter="fade">
-                                      <p:cBhvr>
-                                        <p:cTn id="15" dur="2000"/>
-                                        <p:tgtEl>
-                                          <p:spTgt spid="5"/>
-                                        </p:tgtEl>
-                                      </p:cBhvr>
-                                    </p:animEffect>
-                                    <p:anim calcmode="lin" valueType="num">
-                                      <p:cBhvr>
-                                        <p:cTn id="16" dur="2000" fill="hold"/>
-                                        <p:tgtEl>
-                                          <p:spTgt spid="5"/>
-                                        </p:tgtEl>
-                                        <p:attrNameLst>
-                                          <p:attrName>ppt_w</p:attrName>
-                                        </p:attrNameLst>
-                                      </p:cBhvr>
-                                      <p:tavLst>
-                                        <p:tav tm="0" fmla="#ppt_w*sin(2.5*pi*$)">
-                                          <p:val>
-                                            <p:fltVal val="0"/>
-                                          </p:val>
-                                        </p:tav>
-                                        <p:tav tm="100000">
-                                          <p:val>
-                                            <p:fltVal val="1"/>
-                                          </p:val>
-                                        </p:tav>
-                                      </p:tavLst>
-                                    </p:anim>
-                                    <p:anim calcmode="lin" valueType="num">
-                                      <p:cBhvr>
-                                        <p:cTn id="17" dur="2000" fill="hold"/>
-                                        <p:tgtEl>
-                                          <p:spTgt spid="5"/>
-                                        </p:tgtEl>
-                                        <p:attrNameLst>
-                                          <p:attrName>ppt_h</p:attrName>
-                                        </p:attrNameLst>
-                                      </p:cBhvr>
-                                      <p:tavLst>
-                                        <p:tav tm="0">
-                                          <p:val>
-                                            <p:strVal val="#ppt_h"/>
-                                          </p:val>
-                                        </p:tav>
-                                        <p:tav tm="100000">
-                                          <p:val>
-                                            <p:strVal val="#ppt_h"/>
-                                          </p:val>
-                                        </p:tav>
-                                      </p:tavLst>
-                                    </p:anim>
-                                  </p:childTnLst>
-                                </p:cTn>
-                              </p:par>
-                            </p:childTnLst>
-                          </p:cTn>
-                        </p:par>
-                      </p:childTnLst>
-                    </p:cTn>
-                  </p:par>
-                  <p:par>
-                    <p:cTn id="18" fill="hold">
-                      <p:stCondLst>
-                        <p:cond delay="indefinite"/>
-                      </p:stCondLst>
-                      <p:childTnLst>
-                        <p:par>
-                          <p:cTn id="19" fill="hold">
-                            <p:stCondLst>
-                              <p:cond delay="0"/>
-                            </p:stCondLst>
-                            <p:childTnLst>
-                              <p:par>
-                                <p:cTn id="20" presetID="26" presetClass="entr" presetSubtype="0" fill="hold" grpId="0" nodeType="clickEffect">
-                                  <p:stCondLst>
-                                    <p:cond delay="0"/>
-                                  </p:stCondLst>
-                                  <p:childTnLst>
-                                    <p:set>
-                                      <p:cBhvr>
-                                        <p:cTn id="21" dur="1" fill="hold">
-                                          <p:stCondLst>
-                                            <p:cond delay="0"/>
-                                          </p:stCondLst>
-                                        </p:cTn>
-                                        <p:tgtEl>
                                           <p:spTgt spid="6"/>
                                         </p:tgtEl>
                                         <p:attrNameLst>
@@ -12398,7 +13363,7 @@
                                     </p:set>
                                     <p:animEffect transition="in" filter="wipe(down)">
                                       <p:cBhvr>
-                                        <p:cTn id="22" dur="580">
+                                        <p:cTn id="15" dur="580">
                                           <p:stCondLst>
                                             <p:cond delay="0"/>
                                           </p:stCondLst>
@@ -12410,7 +13375,7 @@
                                     </p:animEffect>
                                     <p:anim calcmode="lin" valueType="num">
                                       <p:cBhvr>
-                                        <p:cTn id="23" dur="1822" tmFilter="0,0; 0.14,0.36; 0.43,0.73; 0.71,0.91; 1.0,1.0">
+                                        <p:cTn id="16" dur="1822" tmFilter="0,0; 0.14,0.36; 0.43,0.73; 0.71,0.91; 1.0,1.0">
                                           <p:stCondLst>
                                             <p:cond delay="0"/>
                                           </p:stCondLst>
@@ -12437,7 +13402,7 @@
                                     </p:anim>
                                     <p:anim calcmode="lin" valueType="num">
                                       <p:cBhvr>
-                                        <p:cTn id="24" dur="664" tmFilter="0.0,0.0; 0.25,0.07; 0.50,0.2; 0.75,0.467; 1.0,1.0">
+                                        <p:cTn id="17" dur="664" tmFilter="0.0,0.0; 0.25,0.07; 0.50,0.2; 0.75,0.467; 1.0,1.0">
                                           <p:stCondLst>
                                             <p:cond delay="0"/>
                                           </p:stCondLst>
@@ -12464,7 +13429,7 @@
                                     </p:anim>
                                     <p:anim calcmode="lin" valueType="num">
                                       <p:cBhvr>
-                                        <p:cTn id="25" dur="664" tmFilter="0, 0; 0.125,0.2665; 0.25,0.4; 0.375,0.465; 0.5,0.5;  0.625,0.535; 0.75,0.6; 0.875,0.7335; 1,1">
+                                        <p:cTn id="18" dur="664" tmFilter="0, 0; 0.125,0.2665; 0.25,0.4; 0.375,0.465; 0.5,0.5;  0.625,0.535; 0.75,0.6; 0.875,0.7335; 1,1">
                                           <p:stCondLst>
                                             <p:cond delay="664"/>
                                           </p:stCondLst>
@@ -12491,7 +13456,7 @@
                                     </p:anim>
                                     <p:anim calcmode="lin" valueType="num">
                                       <p:cBhvr>
-                                        <p:cTn id="26" dur="332" tmFilter="0, 0; 0.125,0.2665; 0.25,0.4; 0.375,0.465; 0.5,0.5;  0.625,0.535; 0.75,0.6; 0.875,0.7335; 1,1">
+                                        <p:cTn id="19" dur="332" tmFilter="0, 0; 0.125,0.2665; 0.25,0.4; 0.375,0.465; 0.5,0.5;  0.625,0.535; 0.75,0.6; 0.875,0.7335; 1,1">
                                           <p:stCondLst>
                                             <p:cond delay="1324"/>
                                           </p:stCondLst>
@@ -12518,7 +13483,7 @@
                                     </p:anim>
                                     <p:anim calcmode="lin" valueType="num">
                                       <p:cBhvr>
-                                        <p:cTn id="27" dur="164" tmFilter="0, 0; 0.125,0.2665; 0.25,0.4; 0.375,0.465; 0.5,0.5;  0.625,0.535; 0.75,0.6; 0.875,0.7335; 1,1">
+                                        <p:cTn id="20" dur="164" tmFilter="0, 0; 0.125,0.2665; 0.25,0.4; 0.375,0.465; 0.5,0.5;  0.625,0.535; 0.75,0.6; 0.875,0.7335; 1,1">
                                           <p:stCondLst>
                                             <p:cond delay="1656"/>
                                           </p:stCondLst>
@@ -12545,7 +13510,7 @@
                                     </p:anim>
                                     <p:animScale>
                                       <p:cBhvr>
-                                        <p:cTn id="28" dur="26">
+                                        <p:cTn id="21" dur="26">
                                           <p:stCondLst>
                                             <p:cond delay="650"/>
                                           </p:stCondLst>
@@ -12558,7 +13523,7 @@
                                     </p:animScale>
                                     <p:animScale>
                                       <p:cBhvr>
-                                        <p:cTn id="29" dur="166" decel="50000">
+                                        <p:cTn id="22" dur="166" decel="50000">
                                           <p:stCondLst>
                                             <p:cond delay="676"/>
                                           </p:stCondLst>
@@ -12571,7 +13536,7 @@
                                     </p:animScale>
                                     <p:animScale>
                                       <p:cBhvr>
-                                        <p:cTn id="30" dur="26">
+                                        <p:cTn id="23" dur="26">
                                           <p:stCondLst>
                                             <p:cond delay="1312"/>
                                           </p:stCondLst>
@@ -12584,7 +13549,7 @@
                                     </p:animScale>
                                     <p:animScale>
                                       <p:cBhvr>
-                                        <p:cTn id="31" dur="166" decel="50000">
+                                        <p:cTn id="24" dur="166" decel="50000">
                                           <p:stCondLst>
                                             <p:cond delay="1338"/>
                                           </p:stCondLst>
@@ -12597,7 +13562,7 @@
                                     </p:animScale>
                                     <p:animScale>
                                       <p:cBhvr>
-                                        <p:cTn id="32" dur="26">
+                                        <p:cTn id="25" dur="26">
                                           <p:stCondLst>
                                             <p:cond delay="1642"/>
                                           </p:stCondLst>
@@ -12610,7 +13575,7 @@
                                     </p:animScale>
                                     <p:animScale>
                                       <p:cBhvr>
-                                        <p:cTn id="33" dur="166" decel="50000">
+                                        <p:cTn id="26" dur="166" decel="50000">
                                           <p:stCondLst>
                                             <p:cond delay="1668"/>
                                           </p:stCondLst>
@@ -12623,7 +13588,7 @@
                                     </p:animScale>
                                     <p:animScale>
                                       <p:cBhvr>
-                                        <p:cTn id="34" dur="26">
+                                        <p:cTn id="27" dur="26">
                                           <p:stCondLst>
                                             <p:cond delay="1808"/>
                                           </p:stCondLst>
@@ -12636,7 +13601,7 @@
                                     </p:animScale>
                                     <p:animScale>
                                       <p:cBhvr>
-                                        <p:cTn id="35" dur="166" decel="50000">
+                                        <p:cTn id="28" dur="166" decel="50000">
                                           <p:stCondLst>
                                             <p:cond delay="1834"/>
                                           </p:stCondLst>
@@ -12657,26 +13622,26 @@
                     </p:cTn>
                   </p:par>
                   <p:par>
-                    <p:cTn id="36" fill="hold">
+                    <p:cTn id="29" fill="hold">
                       <p:stCondLst>
                         <p:cond delay="indefinite"/>
                       </p:stCondLst>
                       <p:childTnLst>
                         <p:par>
-                          <p:cTn id="37" fill="hold">
+                          <p:cTn id="30" fill="hold">
                             <p:stCondLst>
                               <p:cond delay="0"/>
                             </p:stCondLst>
                             <p:childTnLst>
                               <p:par>
-                                <p:cTn id="38" presetID="26" presetClass="entr" presetSubtype="0" fill="hold" grpId="0" nodeType="clickEffect">
+                                <p:cTn id="31" presetID="26" presetClass="entr" presetSubtype="0" fill="hold" grpId="0" nodeType="clickEffect">
                                   <p:stCondLst>
                                     <p:cond delay="0"/>
                                   </p:stCondLst>
                                   <p:childTnLst>
                                     <p:set>
                                       <p:cBhvr>
-                                        <p:cTn id="39" dur="1" fill="hold">
+                                        <p:cTn id="32" dur="1" fill="hold">
                                           <p:stCondLst>
                                             <p:cond delay="0"/>
                                           </p:stCondLst>
@@ -12694,7 +13659,7 @@
                                     </p:set>
                                     <p:animEffect transition="in" filter="wipe(down)">
                                       <p:cBhvr>
-                                        <p:cTn id="40" dur="580">
+                                        <p:cTn id="33" dur="580">
                                           <p:stCondLst>
                                             <p:cond delay="0"/>
                                           </p:stCondLst>
@@ -12706,7 +13671,7 @@
                                     </p:animEffect>
                                     <p:anim calcmode="lin" valueType="num">
                                       <p:cBhvr>
-                                        <p:cTn id="41" dur="1822" tmFilter="0,0; 0.14,0.36; 0.43,0.73; 0.71,0.91; 1.0,1.0">
+                                        <p:cTn id="34" dur="1822" tmFilter="0,0; 0.14,0.36; 0.43,0.73; 0.71,0.91; 1.0,1.0">
                                           <p:stCondLst>
                                             <p:cond delay="0"/>
                                           </p:stCondLst>
@@ -12733,7 +13698,7 @@
                                     </p:anim>
                                     <p:anim calcmode="lin" valueType="num">
                                       <p:cBhvr>
-                                        <p:cTn id="42" dur="664" tmFilter="0.0,0.0; 0.25,0.07; 0.50,0.2; 0.75,0.467; 1.0,1.0">
+                                        <p:cTn id="35" dur="664" tmFilter="0.0,0.0; 0.25,0.07; 0.50,0.2; 0.75,0.467; 1.0,1.0">
                                           <p:stCondLst>
                                             <p:cond delay="0"/>
                                           </p:stCondLst>
@@ -12760,7 +13725,7 @@
                                     </p:anim>
                                     <p:anim calcmode="lin" valueType="num">
                                       <p:cBhvr>
-                                        <p:cTn id="43" dur="664" tmFilter="0, 0; 0.125,0.2665; 0.25,0.4; 0.375,0.465; 0.5,0.5;  0.625,0.535; 0.75,0.6; 0.875,0.7335; 1,1">
+                                        <p:cTn id="36" dur="664" tmFilter="0, 0; 0.125,0.2665; 0.25,0.4; 0.375,0.465; 0.5,0.5;  0.625,0.535; 0.75,0.6; 0.875,0.7335; 1,1">
                                           <p:stCondLst>
                                             <p:cond delay="664"/>
                                           </p:stCondLst>
@@ -12787,7 +13752,7 @@
                                     </p:anim>
                                     <p:anim calcmode="lin" valueType="num">
                                       <p:cBhvr>
-                                        <p:cTn id="44" dur="332" tmFilter="0, 0; 0.125,0.2665; 0.25,0.4; 0.375,0.465; 0.5,0.5;  0.625,0.535; 0.75,0.6; 0.875,0.7335; 1,1">
+                                        <p:cTn id="37" dur="332" tmFilter="0, 0; 0.125,0.2665; 0.25,0.4; 0.375,0.465; 0.5,0.5;  0.625,0.535; 0.75,0.6; 0.875,0.7335; 1,1">
                                           <p:stCondLst>
                                             <p:cond delay="1324"/>
                                           </p:stCondLst>
@@ -12814,7 +13779,7 @@
                                     </p:anim>
                                     <p:anim calcmode="lin" valueType="num">
                                       <p:cBhvr>
-                                        <p:cTn id="45" dur="164" tmFilter="0, 0; 0.125,0.2665; 0.25,0.4; 0.375,0.465; 0.5,0.5;  0.625,0.535; 0.75,0.6; 0.875,0.7335; 1,1">
+                                        <p:cTn id="38" dur="164" tmFilter="0, 0; 0.125,0.2665; 0.25,0.4; 0.375,0.465; 0.5,0.5;  0.625,0.535; 0.75,0.6; 0.875,0.7335; 1,1">
                                           <p:stCondLst>
                                             <p:cond delay="1656"/>
                                           </p:stCondLst>
@@ -12841,7 +13806,7 @@
                                     </p:anim>
                                     <p:animScale>
                                       <p:cBhvr>
-                                        <p:cTn id="46" dur="26">
+                                        <p:cTn id="39" dur="26">
                                           <p:stCondLst>
                                             <p:cond delay="650"/>
                                           </p:stCondLst>
@@ -12854,7 +13819,7 @@
                                     </p:animScale>
                                     <p:animScale>
                                       <p:cBhvr>
-                                        <p:cTn id="47" dur="166" decel="50000">
+                                        <p:cTn id="40" dur="166" decel="50000">
                                           <p:stCondLst>
                                             <p:cond delay="676"/>
                                           </p:stCondLst>
@@ -12867,7 +13832,7 @@
                                     </p:animScale>
                                     <p:animScale>
                                       <p:cBhvr>
-                                        <p:cTn id="48" dur="26">
+                                        <p:cTn id="41" dur="26">
                                           <p:stCondLst>
                                             <p:cond delay="1312"/>
                                           </p:stCondLst>
@@ -12880,7 +13845,7 @@
                                     </p:animScale>
                                     <p:animScale>
                                       <p:cBhvr>
-                                        <p:cTn id="49" dur="166" decel="50000">
+                                        <p:cTn id="42" dur="166" decel="50000">
                                           <p:stCondLst>
                                             <p:cond delay="1338"/>
                                           </p:stCondLst>
@@ -12893,7 +13858,7 @@
                                     </p:animScale>
                                     <p:animScale>
                                       <p:cBhvr>
-                                        <p:cTn id="50" dur="26">
+                                        <p:cTn id="43" dur="26">
                                           <p:stCondLst>
                                             <p:cond delay="1642"/>
                                           </p:stCondLst>
@@ -12906,7 +13871,7 @@
                                     </p:animScale>
                                     <p:animScale>
                                       <p:cBhvr>
-                                        <p:cTn id="51" dur="166" decel="50000">
+                                        <p:cTn id="44" dur="166" decel="50000">
                                           <p:stCondLst>
                                             <p:cond delay="1668"/>
                                           </p:stCondLst>
@@ -12919,7 +13884,7 @@
                                     </p:animScale>
                                     <p:animScale>
                                       <p:cBhvr>
-                                        <p:cTn id="52" dur="26">
+                                        <p:cTn id="45" dur="26">
                                           <p:stCondLst>
                                             <p:cond delay="1808"/>
                                           </p:stCondLst>
@@ -12932,7 +13897,7 @@
                                     </p:animScale>
                                     <p:animScale>
                                       <p:cBhvr>
-                                        <p:cTn id="53" dur="166" decel="50000">
+                                        <p:cTn id="46" dur="166" decel="50000">
                                           <p:stCondLst>
                                             <p:cond delay="1834"/>
                                           </p:stCondLst>
@@ -12943,6 +13908,105 @@
                                       </p:cBhvr>
                                       <p:to x="100000" y="100000"/>
                                     </p:animScale>
+                                  </p:childTnLst>
+                                </p:cTn>
+                              </p:par>
+                            </p:childTnLst>
+                          </p:cTn>
+                        </p:par>
+                      </p:childTnLst>
+                    </p:cTn>
+                  </p:par>
+                  <p:par>
+                    <p:cTn id="47" fill="hold">
+                      <p:stCondLst>
+                        <p:cond delay="indefinite"/>
+                      </p:stCondLst>
+                      <p:childTnLst>
+                        <p:par>
+                          <p:cTn id="48" fill="hold">
+                            <p:stCondLst>
+                              <p:cond delay="0"/>
+                            </p:stCondLst>
+                            <p:childTnLst>
+                              <p:par>
+                                <p:cTn id="49" presetID="45" presetClass="entr" presetSubtype="0" fill="hold" nodeType="clickEffect">
+                                  <p:stCondLst>
+                                    <p:cond delay="0"/>
+                                  </p:stCondLst>
+                                  <p:childTnLst>
+                                    <p:set>
+                                      <p:cBhvr>
+                                        <p:cTn id="50" dur="1" fill="hold">
+                                          <p:stCondLst>
+                                            <p:cond delay="0"/>
+                                          </p:stCondLst>
+                                        </p:cTn>
+                                        <p:tgtEl>
+                                          <p:spTgt spid="1026"/>
+                                        </p:tgtEl>
+                                        <p:attrNameLst>
+                                          <p:attrName>style.visibility</p:attrName>
+                                        </p:attrNameLst>
+                                      </p:cBhvr>
+                                      <p:to>
+                                        <p:strVal val="visible"/>
+                                      </p:to>
+                                    </p:set>
+                                    <p:animEffect transition="in" filter="fade">
+                                      <p:cBhvr>
+                                        <p:cTn id="51" dur="2000"/>
+                                        <p:tgtEl>
+                                          <p:spTgt spid="1026"/>
+                                        </p:tgtEl>
+                                      </p:cBhvr>
+                                    </p:animEffect>
+                                    <p:anim calcmode="lin" valueType="num">
+                                      <p:cBhvr>
+                                        <p:cTn id="52" dur="2000" fill="hold"/>
+                                        <p:tgtEl>
+                                          <p:spTgt spid="1026"/>
+                                        </p:tgtEl>
+                                        <p:attrNameLst>
+                                          <p:attrName>ppt_w</p:attrName>
+                                        </p:attrNameLst>
+                                      </p:cBhvr>
+                                      <p:tavLst>
+                                        <p:tav tm="0" fmla="#ppt_w*sin(2.5*pi*$)">
+                                          <p:val>
+                                            <p:fltVal val="0"/>
+                                          </p:val>
+                                        </p:tav>
+                                        <p:tav tm="100000">
+                                          <p:val>
+                                            <p:fltVal val="1"/>
+                                          </p:val>
+                                        </p:tav>
+                                      </p:tavLst>
+                                    </p:anim>
+                                    <p:anim calcmode="lin" valueType="num">
+                                      <p:cBhvr>
+                                        <p:cTn id="53" dur="2000" fill="hold"/>
+                                        <p:tgtEl>
+                                          <p:spTgt spid="1026"/>
+                                        </p:tgtEl>
+                                        <p:attrNameLst>
+                                          <p:attrName>ppt_h</p:attrName>
+                                        </p:attrNameLst>
+                                      </p:cBhvr>
+                                      <p:tavLst>
+                                        <p:tav tm="0">
+                                          <p:val>
+                                            <p:strVal val="#ppt_h"/>
+                                          </p:val>
+                                        </p:tav>
+                                        <p:tav tm="100000">
+                                          <p:val>
+                                            <p:strVal val="#ppt_h"/>
+                                          </p:val>
+                                        </p:tav>
+                                      </p:tavLst>
+                                    </p:anim>
                                   </p:childTnLst>
                                 </p:cTn>
                               </p:par>
